--- a/Figure-4-5/Figure45/Figure45_fullslide_169.pptx
+++ b/Figure-4-5/Figure45/Figure45_fullslide_169.pptx
@@ -672,6 +672,126 @@
               <a:rPr/>
               <a:t>Title:</a:t>
             </a:r>
+            <a:r>
+              <a:rPr/>
+              <a:t> </a:t>
+            </a:r>
+            <a:r>
+              <a:rPr/>
+              <a:t>Voluntary</a:t>
+            </a:r>
+            <a:r>
+              <a:rPr/>
+              <a:t> </a:t>
+            </a:r>
+            <a:r>
+              <a:rPr/>
+              <a:t>pre-tax</a:t>
+            </a:r>
+            <a:r>
+              <a:rPr/>
+              <a:t> </a:t>
+            </a:r>
+            <a:r>
+              <a:rPr/>
+              <a:t>contributions</a:t>
+            </a:r>
+            <a:r>
+              <a:rPr/>
+              <a:t> </a:t>
+            </a:r>
+            <a:r>
+              <a:rPr/>
+              <a:t>are</a:t>
+            </a:r>
+            <a:r>
+              <a:rPr/>
+              <a:t> </a:t>
+            </a:r>
+            <a:r>
+              <a:rPr/>
+              <a:t>mostly</a:t>
+            </a:r>
+            <a:r>
+              <a:rPr/>
+              <a:t> </a:t>
+            </a:r>
+            <a:r>
+              <a:rPr/>
+              <a:t>made</a:t>
+            </a:r>
+            <a:r>
+              <a:rPr/>
+              <a:t> </a:t>
+            </a:r>
+            <a:r>
+              <a:rPr/>
+              <a:t>by</a:t>
+            </a:r>
+            <a:r>
+              <a:rPr/>
+              <a:t> </a:t>
+            </a:r>
+            <a:r>
+              <a:rPr/>
+              <a:t>those</a:t>
+            </a:r>
+            <a:r>
+              <a:rPr/>
+              <a:t> </a:t>
+            </a:r>
+            <a:r>
+              <a:rPr/>
+              <a:t>who</a:t>
+            </a:r>
+            <a:r>
+              <a:rPr/>
+              <a:t> </a:t>
+            </a:r>
+            <a:r>
+              <a:rPr/>
+              <a:t>are</a:t>
+            </a:r>
+            <a:r>
+              <a:rPr/>
+              <a:t> </a:t>
+            </a:r>
+            <a:r>
+              <a:rPr/>
+              <a:t>older</a:t>
+            </a:r>
+            <a:r>
+              <a:rPr/>
+              <a:t> </a:t>
+            </a:r>
+            <a:r>
+              <a:rPr/>
+              <a:t>and</a:t>
+            </a:r>
+            <a:r>
+              <a:rPr/>
+              <a:t> </a:t>
+            </a:r>
+            <a:r>
+              <a:rPr/>
+              <a:t>on</a:t>
+            </a:r>
+            <a:r>
+              <a:rPr/>
+              <a:t> </a:t>
+            </a:r>
+            <a:r>
+              <a:rPr/>
+              <a:t>high</a:t>
+            </a:r>
+            <a:r>
+              <a:rPr/>
+              <a:t> </a:t>
+            </a:r>
+            <a:r>
+              <a:rPr/>
+              <a:t>incomes</a:t>
+            </a:r>
           </a:p>
           <a:p>
             <a:pPr lvl="0" marL="0" indent="0">
@@ -685,6 +805,340 @@
             <a:r>
               <a:rPr/>
               <a:t>Subtitle:</a:t>
+            </a:r>
+            <a:r>
+              <a:rPr/>
+              <a:t> </a:t>
+            </a:r>
+            <a:r>
+              <a:rPr/>
+              <a:t>Percentage</a:t>
+            </a:r>
+            <a:r>
+              <a:rPr/>
+              <a:t> </a:t>
+            </a:r>
+            <a:r>
+              <a:rPr/>
+              <a:t>of</a:t>
+            </a:r>
+            <a:r>
+              <a:rPr/>
+              <a:t> </a:t>
+            </a:r>
+            <a:r>
+              <a:rPr/>
+              <a:t>voluntary</a:t>
+            </a:r>
+            <a:r>
+              <a:rPr/>
+              <a:t> </a:t>
+            </a:r>
+            <a:r>
+              <a:rPr/>
+              <a:t>pre-tax</a:t>
+            </a:r>
+            <a:r>
+              <a:rPr/>
+              <a:t> </a:t>
+            </a:r>
+            <a:r>
+              <a:rPr/>
+              <a:t>contributions,</a:t>
+            </a:r>
+            <a:r>
+              <a:rPr/>
+              <a:t> </a:t>
+            </a:r>
+            <a:r>
+              <a:rPr/>
+              <a:t>(2020-21)</a:t>
+            </a:r>
+          </a:p>
+          <a:p>
+            <a:pPr lvl="0" marL="0" indent="0">
+              <a:buNone/>
+            </a:pPr>
+          </a:p>
+          <a:p>
+            <a:pPr lvl="0" marL="0" indent="0">
+              <a:buNone/>
+            </a:pPr>
+            <a:r>
+              <a:rPr/>
+              <a:t>Notes:</a:t>
+            </a:r>
+            <a:r>
+              <a:rPr/>
+              <a:t> </a:t>
+            </a:r>
+            <a:r>
+              <a:rPr/>
+              <a:t>Projections</a:t>
+            </a:r>
+            <a:r>
+              <a:rPr/>
+              <a:t> </a:t>
+            </a:r>
+            <a:r>
+              <a:rPr/>
+              <a:t>to</a:t>
+            </a:r>
+            <a:r>
+              <a:rPr/>
+              <a:t> </a:t>
+            </a:r>
+            <a:r>
+              <a:rPr/>
+              <a:t>2020-21</a:t>
+            </a:r>
+            <a:r>
+              <a:rPr/>
+              <a:t> </a:t>
+            </a:r>
+            <a:r>
+              <a:rPr/>
+              <a:t>assume</a:t>
+            </a:r>
+            <a:r>
+              <a:rPr/>
+              <a:t> </a:t>
+            </a:r>
+            <a:r>
+              <a:rPr/>
+              <a:t>2%</a:t>
+            </a:r>
+            <a:r>
+              <a:rPr/>
+              <a:t> </a:t>
+            </a:r>
+            <a:r>
+              <a:rPr/>
+              <a:t>wage</a:t>
+            </a:r>
+            <a:r>
+              <a:rPr/>
+              <a:t> </a:t>
+            </a:r>
+            <a:r>
+              <a:rPr/>
+              <a:t>growth</a:t>
+            </a:r>
+            <a:r>
+              <a:rPr/>
+              <a:t> </a:t>
+            </a:r>
+            <a:r>
+              <a:rPr/>
+              <a:t>and</a:t>
+            </a:r>
+            <a:r>
+              <a:rPr/>
+              <a:t> </a:t>
+            </a:r>
+            <a:r>
+              <a:rPr/>
+              <a:t>0%</a:t>
+            </a:r>
+            <a:r>
+              <a:rPr/>
+              <a:t> </a:t>
+            </a:r>
+            <a:r>
+              <a:rPr/>
+              <a:t>growth</a:t>
+            </a:r>
+            <a:r>
+              <a:rPr/>
+              <a:t> </a:t>
+            </a:r>
+            <a:r>
+              <a:rPr/>
+              <a:t>in</a:t>
+            </a:r>
+            <a:r>
+              <a:rPr/>
+              <a:t> </a:t>
+            </a:r>
+            <a:r>
+              <a:rPr/>
+              <a:t>the</a:t>
+            </a:r>
+            <a:r>
+              <a:rPr/>
+              <a:t> </a:t>
+            </a:r>
+            <a:r>
+              <a:rPr/>
+              <a:t>number</a:t>
+            </a:r>
+            <a:r>
+              <a:rPr/>
+              <a:t> </a:t>
+            </a:r>
+            <a:r>
+              <a:rPr/>
+              <a:t>of</a:t>
+            </a:r>
+            <a:r>
+              <a:rPr/>
+              <a:t> </a:t>
+            </a:r>
+            <a:r>
+              <a:rPr/>
+              <a:t>taxfilers</a:t>
+            </a:r>
+            <a:r>
+              <a:rPr/>
+              <a:t> </a:t>
+            </a:r>
+            <a:r>
+              <a:rPr/>
+              <a:t>from</a:t>
+            </a:r>
+            <a:r>
+              <a:rPr/>
+              <a:t> </a:t>
+            </a:r>
+            <a:r>
+              <a:rPr/>
+              <a:t>2019-20</a:t>
+            </a:r>
+            <a:r>
+              <a:rPr/>
+              <a:t> </a:t>
+            </a:r>
+            <a:r>
+              <a:rPr/>
+              <a:t>to</a:t>
+            </a:r>
+            <a:r>
+              <a:rPr/>
+              <a:t> </a:t>
+            </a:r>
+            <a:r>
+              <a:rPr/>
+              <a:t>2020-21.</a:t>
+            </a:r>
+            <a:r>
+              <a:rPr/>
+              <a:t> </a:t>
+            </a:r>
+            <a:r>
+              <a:rPr/>
+              <a:t>Voluntary</a:t>
+            </a:r>
+            <a:r>
+              <a:rPr/>
+              <a:t> </a:t>
+            </a:r>
+            <a:r>
+              <a:rPr/>
+              <a:t>pre-tax</a:t>
+            </a:r>
+            <a:r>
+              <a:rPr/>
+              <a:t> </a:t>
+            </a:r>
+            <a:r>
+              <a:rPr/>
+              <a:t>contributions</a:t>
+            </a:r>
+            <a:r>
+              <a:rPr/>
+              <a:t> </a:t>
+            </a:r>
+            <a:r>
+              <a:rPr/>
+              <a:t>means</a:t>
+            </a:r>
+            <a:r>
+              <a:rPr/>
+              <a:t> </a:t>
+            </a:r>
+            <a:r>
+              <a:rPr/>
+              <a:t>concessional</a:t>
+            </a:r>
+            <a:r>
+              <a:rPr/>
+              <a:t> </a:t>
+            </a:r>
+            <a:r>
+              <a:rPr/>
+              <a:t>contributions</a:t>
+            </a:r>
+            <a:r>
+              <a:rPr/>
+              <a:t> </a:t>
+            </a:r>
+            <a:r>
+              <a:rPr/>
+              <a:t>less</a:t>
+            </a:r>
+            <a:r>
+              <a:rPr/>
+              <a:t> </a:t>
+            </a:r>
+            <a:r>
+              <a:rPr/>
+              <a:t>SG</a:t>
+            </a:r>
+            <a:r>
+              <a:rPr/>
+              <a:t> </a:t>
+            </a:r>
+            <a:r>
+              <a:rPr/>
+              <a:t>contributions.</a:t>
+            </a:r>
+            <a:r>
+              <a:rPr/>
+              <a:t> </a:t>
+            </a:r>
+            <a:r>
+              <a:rPr/>
+              <a:t>Source:</a:t>
+            </a:r>
+            <a:r>
+              <a:rPr/>
+              <a:t> </a:t>
+            </a:r>
+            <a:r>
+              <a:rPr/>
+              <a:t>ATO</a:t>
+            </a:r>
+            <a:r>
+              <a:rPr/>
+              <a:t> </a:t>
+            </a:r>
+            <a:r>
+              <a:rPr/>
+              <a:t>2017-18</a:t>
+            </a:r>
+            <a:r>
+              <a:rPr/>
+              <a:t> </a:t>
+            </a:r>
+            <a:r>
+              <a:rPr/>
+              <a:t>2%</a:t>
+            </a:r>
+            <a:r>
+              <a:rPr/>
+              <a:t> </a:t>
+            </a:r>
+            <a:r>
+              <a:rPr/>
+              <a:t>sample</a:t>
+            </a:r>
+            <a:r>
+              <a:rPr/>
+              <a:t> </a:t>
+            </a:r>
+            <a:r>
+              <a:rPr/>
+              <a:t>file</a:t>
             </a:r>
           </a:p>
           <a:p>
@@ -3943,7 +4397,7 @@
           <a:p>
             <a:r>
               <a:rPr/>
-              <a:t> </a:t>
+              <a:t>Voluntary pre-tax contributions are mostly made by those who are older and on high incomes</a:t>
             </a:r>
           </a:p>
         </p:txBody>
@@ -3970,7 +4424,7 @@
           <a:p>
             <a:r>
               <a:rPr/>
-              <a:t> </a:t>
+              <a:t>Percentage of voluntary pre-tax contributions, (2020-21)</a:t>
             </a:r>
           </a:p>
         </p:txBody>
@@ -4032,8 +4486,8 @@
           </p:nvSpPr>
           <p:spPr>
             <a:xfrm>
-              <a:off x="3574050" y="1412776"/>
-              <a:ext cx="5353394" cy="5445224"/>
+              <a:off x="3864726" y="1412776"/>
+              <a:ext cx="4772042" cy="5445224"/>
             </a:xfrm>
             <a:prstGeom prst="rect">
               <a:avLst/>
@@ -4058,8 +4512,8 @@
           </p:nvSpPr>
           <p:spPr>
             <a:xfrm>
-              <a:off x="3632815" y="1504216"/>
-              <a:ext cx="5184901" cy="5184901"/>
+              <a:off x="3923492" y="1504215"/>
+              <a:ext cx="4603549" cy="4603549"/>
             </a:xfrm>
             <a:prstGeom prst="rect">
               <a:avLst/>
@@ -4084,189 +4538,189 @@
           </p:nvSpPr>
           <p:spPr>
             <a:xfrm>
-              <a:off x="6225266" y="2022706"/>
-              <a:ext cx="92824" cy="2073960"/>
+              <a:off x="6225266" y="1964570"/>
+              <a:ext cx="82416" cy="1841419"/>
             </a:xfrm>
             <a:custGeom>
               <a:avLst/>
               <a:pathLst>
-                <a:path w="92824" h="2073960">
+                <a:path w="82416" h="1841419">
                   <a:moveTo>
-                    <a:pt x="0" y="2073960"/>
+                    <a:pt x="0" y="1841419"/>
                   </a:moveTo>
                   <a:lnTo>
-                    <a:pt x="3200" y="2002516"/>
-                  </a:lnTo>
-                  <a:lnTo>
-                    <a:pt x="6401" y="1931072"/>
-                  </a:lnTo>
-                  <a:lnTo>
-                    <a:pt x="9602" y="1859627"/>
-                  </a:lnTo>
-                  <a:lnTo>
-                    <a:pt x="12803" y="1788183"/>
-                  </a:lnTo>
-                  <a:lnTo>
-                    <a:pt x="16004" y="1716739"/>
-                  </a:lnTo>
-                  <a:lnTo>
-                    <a:pt x="19204" y="1645295"/>
-                  </a:lnTo>
-                  <a:lnTo>
-                    <a:pt x="22405" y="1573851"/>
-                  </a:lnTo>
-                  <a:lnTo>
-                    <a:pt x="25606" y="1502406"/>
-                  </a:lnTo>
-                  <a:lnTo>
-                    <a:pt x="28807" y="1430962"/>
-                  </a:lnTo>
-                  <a:lnTo>
-                    <a:pt x="32008" y="1359518"/>
-                  </a:lnTo>
-                  <a:lnTo>
-                    <a:pt x="35209" y="1288074"/>
-                  </a:lnTo>
-                  <a:lnTo>
-                    <a:pt x="38409" y="1216630"/>
-                  </a:lnTo>
-                  <a:lnTo>
-                    <a:pt x="41610" y="1145185"/>
-                  </a:lnTo>
-                  <a:lnTo>
-                    <a:pt x="44811" y="1073741"/>
-                  </a:lnTo>
-                  <a:lnTo>
-                    <a:pt x="48012" y="1002297"/>
-                  </a:lnTo>
-                  <a:lnTo>
-                    <a:pt x="51213" y="930853"/>
-                  </a:lnTo>
-                  <a:lnTo>
-                    <a:pt x="54414" y="859408"/>
-                  </a:lnTo>
-                  <a:lnTo>
-                    <a:pt x="57614" y="787964"/>
-                  </a:lnTo>
-                  <a:lnTo>
-                    <a:pt x="60815" y="716520"/>
-                  </a:lnTo>
-                  <a:lnTo>
-                    <a:pt x="64016" y="645076"/>
-                  </a:lnTo>
-                  <a:lnTo>
-                    <a:pt x="67217" y="573632"/>
-                  </a:lnTo>
-                  <a:lnTo>
-                    <a:pt x="70418" y="502187"/>
-                  </a:lnTo>
-                  <a:lnTo>
-                    <a:pt x="73619" y="430743"/>
-                  </a:lnTo>
-                  <a:lnTo>
-                    <a:pt x="76819" y="359299"/>
-                  </a:lnTo>
-                  <a:lnTo>
-                    <a:pt x="80020" y="287855"/>
-                  </a:lnTo>
-                  <a:lnTo>
-                    <a:pt x="83221" y="216410"/>
-                  </a:lnTo>
-                  <a:lnTo>
-                    <a:pt x="86422" y="144966"/>
-                  </a:lnTo>
-                  <a:lnTo>
-                    <a:pt x="89623" y="73522"/>
-                  </a:lnTo>
-                  <a:lnTo>
-                    <a:pt x="92824" y="2078"/>
+                    <a:pt x="2841" y="1777986"/>
+                  </a:lnTo>
+                  <a:lnTo>
+                    <a:pt x="5683" y="1714552"/>
+                  </a:lnTo>
+                  <a:lnTo>
+                    <a:pt x="8525" y="1651118"/>
+                  </a:lnTo>
+                  <a:lnTo>
+                    <a:pt x="11367" y="1587685"/>
+                  </a:lnTo>
+                  <a:lnTo>
+                    <a:pt x="14209" y="1524251"/>
+                  </a:lnTo>
+                  <a:lnTo>
+                    <a:pt x="17051" y="1460818"/>
+                  </a:lnTo>
+                  <a:lnTo>
+                    <a:pt x="19893" y="1397384"/>
+                  </a:lnTo>
+                  <a:lnTo>
+                    <a:pt x="22735" y="1333950"/>
+                  </a:lnTo>
+                  <a:lnTo>
+                    <a:pt x="25577" y="1270517"/>
+                  </a:lnTo>
+                  <a:lnTo>
+                    <a:pt x="28419" y="1207083"/>
+                  </a:lnTo>
+                  <a:lnTo>
+                    <a:pt x="31261" y="1143650"/>
+                  </a:lnTo>
+                  <a:lnTo>
+                    <a:pt x="34103" y="1080216"/>
+                  </a:lnTo>
+                  <a:lnTo>
+                    <a:pt x="36945" y="1016782"/>
+                  </a:lnTo>
+                  <a:lnTo>
+                    <a:pt x="39787" y="953349"/>
+                  </a:lnTo>
+                  <a:lnTo>
+                    <a:pt x="42629" y="889915"/>
+                  </a:lnTo>
+                  <a:lnTo>
+                    <a:pt x="45471" y="826482"/>
+                  </a:lnTo>
+                  <a:lnTo>
+                    <a:pt x="48313" y="763048"/>
+                  </a:lnTo>
+                  <a:lnTo>
+                    <a:pt x="51154" y="699614"/>
+                  </a:lnTo>
+                  <a:lnTo>
+                    <a:pt x="53996" y="636181"/>
+                  </a:lnTo>
+                  <a:lnTo>
+                    <a:pt x="56838" y="572747"/>
+                  </a:lnTo>
+                  <a:lnTo>
+                    <a:pt x="59680" y="509314"/>
+                  </a:lnTo>
+                  <a:lnTo>
+                    <a:pt x="62522" y="445880"/>
+                  </a:lnTo>
+                  <a:lnTo>
+                    <a:pt x="65364" y="382446"/>
+                  </a:lnTo>
+                  <a:lnTo>
+                    <a:pt x="68206" y="319013"/>
+                  </a:lnTo>
+                  <a:lnTo>
+                    <a:pt x="71048" y="255579"/>
+                  </a:lnTo>
+                  <a:lnTo>
+                    <a:pt x="73890" y="192146"/>
+                  </a:lnTo>
+                  <a:lnTo>
+                    <a:pt x="76732" y="128712"/>
+                  </a:lnTo>
+                  <a:lnTo>
+                    <a:pt x="79574" y="65278"/>
+                  </a:lnTo>
+                  <a:lnTo>
+                    <a:pt x="82416" y="1845"/>
                   </a:lnTo>
                   <a:lnTo>
                     <a:pt x="0" y="0"/>
                   </a:lnTo>
                   <a:lnTo>
-                    <a:pt x="0" y="71515"/>
-                  </a:lnTo>
-                  <a:lnTo>
-                    <a:pt x="0" y="143031"/>
-                  </a:lnTo>
-                  <a:lnTo>
-                    <a:pt x="0" y="214547"/>
-                  </a:lnTo>
-                  <a:lnTo>
-                    <a:pt x="0" y="286063"/>
-                  </a:lnTo>
-                  <a:lnTo>
-                    <a:pt x="0" y="357579"/>
-                  </a:lnTo>
-                  <a:lnTo>
-                    <a:pt x="0" y="429095"/>
-                  </a:lnTo>
-                  <a:lnTo>
-                    <a:pt x="0" y="500611"/>
-                  </a:lnTo>
-                  <a:lnTo>
-                    <a:pt x="0" y="572127"/>
-                  </a:lnTo>
-                  <a:lnTo>
-                    <a:pt x="0" y="643642"/>
-                  </a:lnTo>
-                  <a:lnTo>
-                    <a:pt x="0" y="715158"/>
-                  </a:lnTo>
-                  <a:lnTo>
-                    <a:pt x="0" y="786674"/>
-                  </a:lnTo>
-                  <a:lnTo>
-                    <a:pt x="0" y="858190"/>
-                  </a:lnTo>
-                  <a:lnTo>
-                    <a:pt x="0" y="929706"/>
-                  </a:lnTo>
-                  <a:lnTo>
-                    <a:pt x="0" y="1001222"/>
-                  </a:lnTo>
-                  <a:lnTo>
-                    <a:pt x="0" y="1072738"/>
-                  </a:lnTo>
-                  <a:lnTo>
-                    <a:pt x="0" y="1144254"/>
-                  </a:lnTo>
-                  <a:lnTo>
-                    <a:pt x="0" y="1215770"/>
-                  </a:lnTo>
-                  <a:lnTo>
-                    <a:pt x="0" y="1287285"/>
-                  </a:lnTo>
-                  <a:lnTo>
-                    <a:pt x="0" y="1358801"/>
-                  </a:lnTo>
-                  <a:lnTo>
-                    <a:pt x="0" y="1430317"/>
-                  </a:lnTo>
-                  <a:lnTo>
-                    <a:pt x="0" y="1501833"/>
-                  </a:lnTo>
-                  <a:lnTo>
-                    <a:pt x="0" y="1573349"/>
-                  </a:lnTo>
-                  <a:lnTo>
-                    <a:pt x="0" y="1644865"/>
-                  </a:lnTo>
-                  <a:lnTo>
-                    <a:pt x="0" y="1716381"/>
-                  </a:lnTo>
-                  <a:lnTo>
-                    <a:pt x="0" y="1787897"/>
-                  </a:lnTo>
-                  <a:lnTo>
-                    <a:pt x="0" y="1859412"/>
-                  </a:lnTo>
-                  <a:lnTo>
-                    <a:pt x="0" y="1930928"/>
-                  </a:lnTo>
-                  <a:lnTo>
-                    <a:pt x="0" y="2002444"/>
+                    <a:pt x="0" y="63497"/>
+                  </a:lnTo>
+                  <a:lnTo>
+                    <a:pt x="0" y="126994"/>
+                  </a:lnTo>
+                  <a:lnTo>
+                    <a:pt x="0" y="190491"/>
+                  </a:lnTo>
+                  <a:lnTo>
+                    <a:pt x="0" y="253988"/>
+                  </a:lnTo>
+                  <a:lnTo>
+                    <a:pt x="0" y="317486"/>
+                  </a:lnTo>
+                  <a:lnTo>
+                    <a:pt x="0" y="380983"/>
+                  </a:lnTo>
+                  <a:lnTo>
+                    <a:pt x="0" y="444480"/>
+                  </a:lnTo>
+                  <a:lnTo>
+                    <a:pt x="0" y="507977"/>
+                  </a:lnTo>
+                  <a:lnTo>
+                    <a:pt x="0" y="571475"/>
+                  </a:lnTo>
+                  <a:lnTo>
+                    <a:pt x="0" y="634972"/>
+                  </a:lnTo>
+                  <a:lnTo>
+                    <a:pt x="0" y="698469"/>
+                  </a:lnTo>
+                  <a:lnTo>
+                    <a:pt x="0" y="761966"/>
+                  </a:lnTo>
+                  <a:lnTo>
+                    <a:pt x="0" y="825463"/>
+                  </a:lnTo>
+                  <a:lnTo>
+                    <a:pt x="0" y="888961"/>
+                  </a:lnTo>
+                  <a:lnTo>
+                    <a:pt x="0" y="952458"/>
+                  </a:lnTo>
+                  <a:lnTo>
+                    <a:pt x="0" y="1015955"/>
+                  </a:lnTo>
+                  <a:lnTo>
+                    <a:pt x="0" y="1079452"/>
+                  </a:lnTo>
+                  <a:lnTo>
+                    <a:pt x="0" y="1142950"/>
+                  </a:lnTo>
+                  <a:lnTo>
+                    <a:pt x="0" y="1206447"/>
+                  </a:lnTo>
+                  <a:lnTo>
+                    <a:pt x="0" y="1269944"/>
+                  </a:lnTo>
+                  <a:lnTo>
+                    <a:pt x="0" y="1333441"/>
+                  </a:lnTo>
+                  <a:lnTo>
+                    <a:pt x="0" y="1396939"/>
+                  </a:lnTo>
+                  <a:lnTo>
+                    <a:pt x="0" y="1460436"/>
+                  </a:lnTo>
+                  <a:lnTo>
+                    <a:pt x="0" y="1523933"/>
+                  </a:lnTo>
+                  <a:lnTo>
+                    <a:pt x="0" y="1587430"/>
+                  </a:lnTo>
+                  <a:lnTo>
+                    <a:pt x="0" y="1650927"/>
+                  </a:lnTo>
+                  <a:lnTo>
+                    <a:pt x="0" y="1714425"/>
+                  </a:lnTo>
+                  <a:lnTo>
+                    <a:pt x="0" y="1777922"/>
                   </a:lnTo>
                   <a:close/>
                 </a:path>
@@ -4301,195 +4755,195 @@
           </p:nvSpPr>
           <p:spPr>
             <a:xfrm>
-              <a:off x="6225266" y="2024784"/>
-              <a:ext cx="315232" cy="2071882"/>
+              <a:off x="6225266" y="1966416"/>
+              <a:ext cx="279887" cy="1839574"/>
             </a:xfrm>
             <a:custGeom>
               <a:avLst/>
               <a:pathLst>
-                <a:path w="315232" h="2071882">
+                <a:path w="279887" h="1839574">
                   <a:moveTo>
-                    <a:pt x="0" y="2071882"/>
+                    <a:pt x="0" y="1839574"/>
                   </a:moveTo>
                   <a:lnTo>
-                    <a:pt x="10870" y="2001197"/>
-                  </a:lnTo>
-                  <a:lnTo>
-                    <a:pt x="21740" y="1930512"/>
-                  </a:lnTo>
-                  <a:lnTo>
-                    <a:pt x="32610" y="1859827"/>
-                  </a:lnTo>
-                  <a:lnTo>
-                    <a:pt x="43480" y="1789142"/>
-                  </a:lnTo>
-                  <a:lnTo>
-                    <a:pt x="54350" y="1718457"/>
-                  </a:lnTo>
-                  <a:lnTo>
-                    <a:pt x="65220" y="1647772"/>
-                  </a:lnTo>
-                  <a:lnTo>
-                    <a:pt x="76090" y="1577087"/>
-                  </a:lnTo>
-                  <a:lnTo>
-                    <a:pt x="86960" y="1506402"/>
-                  </a:lnTo>
-                  <a:lnTo>
-                    <a:pt x="97830" y="1435717"/>
-                  </a:lnTo>
-                  <a:lnTo>
-                    <a:pt x="108700" y="1365032"/>
-                  </a:lnTo>
-                  <a:lnTo>
-                    <a:pt x="119570" y="1294347"/>
-                  </a:lnTo>
-                  <a:lnTo>
-                    <a:pt x="130440" y="1223662"/>
-                  </a:lnTo>
-                  <a:lnTo>
-                    <a:pt x="141311" y="1152977"/>
-                  </a:lnTo>
-                  <a:lnTo>
-                    <a:pt x="152181" y="1082292"/>
-                  </a:lnTo>
-                  <a:lnTo>
-                    <a:pt x="163051" y="1011607"/>
-                  </a:lnTo>
-                  <a:lnTo>
-                    <a:pt x="173921" y="940923"/>
-                  </a:lnTo>
-                  <a:lnTo>
-                    <a:pt x="184791" y="870238"/>
-                  </a:lnTo>
-                  <a:lnTo>
-                    <a:pt x="195661" y="799553"/>
-                  </a:lnTo>
-                  <a:lnTo>
-                    <a:pt x="206531" y="728868"/>
-                  </a:lnTo>
-                  <a:lnTo>
-                    <a:pt x="217401" y="658183"/>
-                  </a:lnTo>
-                  <a:lnTo>
-                    <a:pt x="228271" y="587498"/>
-                  </a:lnTo>
-                  <a:lnTo>
-                    <a:pt x="239141" y="516813"/>
-                  </a:lnTo>
-                  <a:lnTo>
-                    <a:pt x="250011" y="446128"/>
-                  </a:lnTo>
-                  <a:lnTo>
-                    <a:pt x="260881" y="375443"/>
-                  </a:lnTo>
-                  <a:lnTo>
-                    <a:pt x="271752" y="304758"/>
-                  </a:lnTo>
-                  <a:lnTo>
-                    <a:pt x="282622" y="234073"/>
-                  </a:lnTo>
-                  <a:lnTo>
-                    <a:pt x="293492" y="163388"/>
-                  </a:lnTo>
-                  <a:lnTo>
-                    <a:pt x="304362" y="92703"/>
-                  </a:lnTo>
-                  <a:lnTo>
-                    <a:pt x="315232" y="22018"/>
-                  </a:lnTo>
-                  <a:lnTo>
-                    <a:pt x="241376" y="12015"/>
-                  </a:lnTo>
-                  <a:lnTo>
-                    <a:pt x="167208" y="4673"/>
-                  </a:lnTo>
-                  <a:lnTo>
-                    <a:pt x="92824" y="0"/>
-                  </a:lnTo>
-                  <a:lnTo>
-                    <a:pt x="89623" y="71444"/>
-                  </a:lnTo>
-                  <a:lnTo>
-                    <a:pt x="86422" y="142888"/>
-                  </a:lnTo>
-                  <a:lnTo>
-                    <a:pt x="83221" y="214332"/>
-                  </a:lnTo>
-                  <a:lnTo>
-                    <a:pt x="80020" y="285776"/>
-                  </a:lnTo>
-                  <a:lnTo>
-                    <a:pt x="76819" y="357221"/>
-                  </a:lnTo>
-                  <a:lnTo>
-                    <a:pt x="73619" y="428665"/>
-                  </a:lnTo>
-                  <a:lnTo>
-                    <a:pt x="70418" y="500109"/>
-                  </a:lnTo>
-                  <a:lnTo>
-                    <a:pt x="67217" y="571553"/>
-                  </a:lnTo>
-                  <a:lnTo>
-                    <a:pt x="64016" y="642997"/>
-                  </a:lnTo>
-                  <a:lnTo>
-                    <a:pt x="60815" y="714442"/>
-                  </a:lnTo>
-                  <a:lnTo>
-                    <a:pt x="57614" y="785886"/>
-                  </a:lnTo>
-                  <a:lnTo>
-                    <a:pt x="54414" y="857330"/>
-                  </a:lnTo>
-                  <a:lnTo>
-                    <a:pt x="51213" y="928774"/>
-                  </a:lnTo>
-                  <a:lnTo>
-                    <a:pt x="48012" y="1000219"/>
-                  </a:lnTo>
-                  <a:lnTo>
-                    <a:pt x="44811" y="1071663"/>
-                  </a:lnTo>
-                  <a:lnTo>
-                    <a:pt x="41610" y="1143107"/>
-                  </a:lnTo>
-                  <a:lnTo>
-                    <a:pt x="38409" y="1214551"/>
-                  </a:lnTo>
-                  <a:lnTo>
-                    <a:pt x="35209" y="1285995"/>
-                  </a:lnTo>
-                  <a:lnTo>
-                    <a:pt x="32008" y="1357440"/>
-                  </a:lnTo>
-                  <a:lnTo>
-                    <a:pt x="28807" y="1428884"/>
-                  </a:lnTo>
-                  <a:lnTo>
-                    <a:pt x="25606" y="1500328"/>
-                  </a:lnTo>
-                  <a:lnTo>
-                    <a:pt x="22405" y="1571772"/>
-                  </a:lnTo>
-                  <a:lnTo>
-                    <a:pt x="19204" y="1643217"/>
-                  </a:lnTo>
-                  <a:lnTo>
-                    <a:pt x="16004" y="1714661"/>
-                  </a:lnTo>
-                  <a:lnTo>
-                    <a:pt x="12803" y="1786105"/>
-                  </a:lnTo>
-                  <a:lnTo>
-                    <a:pt x="9602" y="1857549"/>
-                  </a:lnTo>
-                  <a:lnTo>
-                    <a:pt x="6401" y="1928993"/>
-                  </a:lnTo>
-                  <a:lnTo>
-                    <a:pt x="3200" y="2000438"/>
+                    <a:pt x="9651" y="1776814"/>
+                  </a:lnTo>
+                  <a:lnTo>
+                    <a:pt x="19302" y="1714055"/>
+                  </a:lnTo>
+                  <a:lnTo>
+                    <a:pt x="28953" y="1651295"/>
+                  </a:lnTo>
+                  <a:lnTo>
+                    <a:pt x="38605" y="1588536"/>
+                  </a:lnTo>
+                  <a:lnTo>
+                    <a:pt x="48256" y="1525777"/>
+                  </a:lnTo>
+                  <a:lnTo>
+                    <a:pt x="57907" y="1463017"/>
+                  </a:lnTo>
+                  <a:lnTo>
+                    <a:pt x="67558" y="1400258"/>
+                  </a:lnTo>
+                  <a:lnTo>
+                    <a:pt x="77210" y="1337498"/>
+                  </a:lnTo>
+                  <a:lnTo>
+                    <a:pt x="86861" y="1274739"/>
+                  </a:lnTo>
+                  <a:lnTo>
+                    <a:pt x="96512" y="1211979"/>
+                  </a:lnTo>
+                  <a:lnTo>
+                    <a:pt x="106164" y="1149220"/>
+                  </a:lnTo>
+                  <a:lnTo>
+                    <a:pt x="115815" y="1086460"/>
+                  </a:lnTo>
+                  <a:lnTo>
+                    <a:pt x="125466" y="1023701"/>
+                  </a:lnTo>
+                  <a:lnTo>
+                    <a:pt x="135117" y="960941"/>
+                  </a:lnTo>
+                  <a:lnTo>
+                    <a:pt x="144769" y="898182"/>
+                  </a:lnTo>
+                  <a:lnTo>
+                    <a:pt x="154420" y="835422"/>
+                  </a:lnTo>
+                  <a:lnTo>
+                    <a:pt x="164071" y="772663"/>
+                  </a:lnTo>
+                  <a:lnTo>
+                    <a:pt x="173723" y="709903"/>
+                  </a:lnTo>
+                  <a:lnTo>
+                    <a:pt x="183374" y="647144"/>
+                  </a:lnTo>
+                  <a:lnTo>
+                    <a:pt x="193025" y="584384"/>
+                  </a:lnTo>
+                  <a:lnTo>
+                    <a:pt x="202676" y="521625"/>
+                  </a:lnTo>
+                  <a:lnTo>
+                    <a:pt x="212328" y="458866"/>
+                  </a:lnTo>
+                  <a:lnTo>
+                    <a:pt x="221979" y="396106"/>
+                  </a:lnTo>
+                  <a:lnTo>
+                    <a:pt x="231630" y="333347"/>
+                  </a:lnTo>
+                  <a:lnTo>
+                    <a:pt x="241282" y="270587"/>
+                  </a:lnTo>
+                  <a:lnTo>
+                    <a:pt x="250933" y="207828"/>
+                  </a:lnTo>
+                  <a:lnTo>
+                    <a:pt x="260584" y="145068"/>
+                  </a:lnTo>
+                  <a:lnTo>
+                    <a:pt x="270235" y="82309"/>
+                  </a:lnTo>
+                  <a:lnTo>
+                    <a:pt x="279887" y="19549"/>
+                  </a:lnTo>
+                  <a:lnTo>
+                    <a:pt x="214311" y="10668"/>
+                  </a:lnTo>
+                  <a:lnTo>
+                    <a:pt x="148460" y="4149"/>
+                  </a:lnTo>
+                  <a:lnTo>
+                    <a:pt x="82416" y="0"/>
+                  </a:lnTo>
+                  <a:lnTo>
+                    <a:pt x="79574" y="63433"/>
+                  </a:lnTo>
+                  <a:lnTo>
+                    <a:pt x="76732" y="126867"/>
+                  </a:lnTo>
+                  <a:lnTo>
+                    <a:pt x="73890" y="190300"/>
+                  </a:lnTo>
+                  <a:lnTo>
+                    <a:pt x="71048" y="253734"/>
+                  </a:lnTo>
+                  <a:lnTo>
+                    <a:pt x="68206" y="317167"/>
+                  </a:lnTo>
+                  <a:lnTo>
+                    <a:pt x="65364" y="380601"/>
+                  </a:lnTo>
+                  <a:lnTo>
+                    <a:pt x="62522" y="444035"/>
+                  </a:lnTo>
+                  <a:lnTo>
+                    <a:pt x="59680" y="507468"/>
+                  </a:lnTo>
+                  <a:lnTo>
+                    <a:pt x="56838" y="570902"/>
+                  </a:lnTo>
+                  <a:lnTo>
+                    <a:pt x="53996" y="634335"/>
+                  </a:lnTo>
+                  <a:lnTo>
+                    <a:pt x="51154" y="697769"/>
+                  </a:lnTo>
+                  <a:lnTo>
+                    <a:pt x="48313" y="761203"/>
+                  </a:lnTo>
+                  <a:lnTo>
+                    <a:pt x="45471" y="824636"/>
+                  </a:lnTo>
+                  <a:lnTo>
+                    <a:pt x="42629" y="888070"/>
+                  </a:lnTo>
+                  <a:lnTo>
+                    <a:pt x="39787" y="951503"/>
+                  </a:lnTo>
+                  <a:lnTo>
+                    <a:pt x="36945" y="1014937"/>
+                  </a:lnTo>
+                  <a:lnTo>
+                    <a:pt x="34103" y="1078371"/>
+                  </a:lnTo>
+                  <a:lnTo>
+                    <a:pt x="31261" y="1141804"/>
+                  </a:lnTo>
+                  <a:lnTo>
+                    <a:pt x="28419" y="1205238"/>
+                  </a:lnTo>
+                  <a:lnTo>
+                    <a:pt x="25577" y="1268671"/>
+                  </a:lnTo>
+                  <a:lnTo>
+                    <a:pt x="22735" y="1332105"/>
+                  </a:lnTo>
+                  <a:lnTo>
+                    <a:pt x="19893" y="1395539"/>
+                  </a:lnTo>
+                  <a:lnTo>
+                    <a:pt x="17051" y="1458972"/>
+                  </a:lnTo>
+                  <a:lnTo>
+                    <a:pt x="14209" y="1522406"/>
+                  </a:lnTo>
+                  <a:lnTo>
+                    <a:pt x="11367" y="1585839"/>
+                  </a:lnTo>
+                  <a:lnTo>
+                    <a:pt x="8525" y="1649273"/>
+                  </a:lnTo>
+                  <a:lnTo>
+                    <a:pt x="5683" y="1712707"/>
+                  </a:lnTo>
+                  <a:lnTo>
+                    <a:pt x="2841" y="1776140"/>
                   </a:lnTo>
                   <a:close/>
                 </a:path>
@@ -4524,201 +4978,201 @@
           </p:nvSpPr>
           <p:spPr>
             <a:xfrm>
-              <a:off x="6225266" y="2046803"/>
-              <a:ext cx="717564" cy="2049863"/>
+              <a:off x="6225266" y="1985965"/>
+              <a:ext cx="637108" cy="1820024"/>
             </a:xfrm>
             <a:custGeom>
               <a:avLst/>
               <a:pathLst>
-                <a:path w="717564" h="2049863">
+                <a:path w="637108" h="1820024">
                   <a:moveTo>
-                    <a:pt x="0" y="2049863"/>
+                    <a:pt x="0" y="1820024"/>
                   </a:moveTo>
                   <a:lnTo>
-                    <a:pt x="24743" y="1982764"/>
-                  </a:lnTo>
-                  <a:lnTo>
-                    <a:pt x="49487" y="1915665"/>
-                  </a:lnTo>
-                  <a:lnTo>
-                    <a:pt x="74230" y="1848566"/>
-                  </a:lnTo>
-                  <a:lnTo>
-                    <a:pt x="98974" y="1781467"/>
-                  </a:lnTo>
-                  <a:lnTo>
-                    <a:pt x="123718" y="1714368"/>
-                  </a:lnTo>
-                  <a:lnTo>
-                    <a:pt x="148461" y="1647269"/>
-                  </a:lnTo>
-                  <a:lnTo>
-                    <a:pt x="173205" y="1580170"/>
-                  </a:lnTo>
-                  <a:lnTo>
-                    <a:pt x="197948" y="1513071"/>
-                  </a:lnTo>
-                  <a:lnTo>
-                    <a:pt x="222692" y="1445972"/>
-                  </a:lnTo>
-                  <a:lnTo>
-                    <a:pt x="247436" y="1378873"/>
-                  </a:lnTo>
-                  <a:lnTo>
-                    <a:pt x="272179" y="1311774"/>
-                  </a:lnTo>
-                  <a:lnTo>
-                    <a:pt x="296923" y="1244675"/>
-                  </a:lnTo>
-                  <a:lnTo>
-                    <a:pt x="321666" y="1177576"/>
-                  </a:lnTo>
-                  <a:lnTo>
-                    <a:pt x="346410" y="1110477"/>
-                  </a:lnTo>
-                  <a:lnTo>
-                    <a:pt x="371154" y="1043378"/>
-                  </a:lnTo>
-                  <a:lnTo>
-                    <a:pt x="395897" y="976279"/>
-                  </a:lnTo>
-                  <a:lnTo>
-                    <a:pt x="420641" y="909180"/>
-                  </a:lnTo>
-                  <a:lnTo>
-                    <a:pt x="445384" y="842081"/>
-                  </a:lnTo>
-                  <a:lnTo>
-                    <a:pt x="470128" y="774982"/>
-                  </a:lnTo>
-                  <a:lnTo>
-                    <a:pt x="494872" y="707883"/>
-                  </a:lnTo>
-                  <a:lnTo>
-                    <a:pt x="519615" y="640784"/>
-                  </a:lnTo>
-                  <a:lnTo>
-                    <a:pt x="544359" y="573685"/>
-                  </a:lnTo>
-                  <a:lnTo>
-                    <a:pt x="569103" y="506586"/>
-                  </a:lnTo>
-                  <a:lnTo>
-                    <a:pt x="593846" y="439487"/>
-                  </a:lnTo>
-                  <a:lnTo>
-                    <a:pt x="618590" y="372388"/>
-                  </a:lnTo>
-                  <a:lnTo>
-                    <a:pt x="643333" y="305289"/>
-                  </a:lnTo>
-                  <a:lnTo>
-                    <a:pt x="668077" y="238190"/>
-                  </a:lnTo>
-                  <a:lnTo>
-                    <a:pt x="692821" y="171091"/>
-                  </a:lnTo>
-                  <a:lnTo>
-                    <a:pt x="717564" y="103992"/>
-                  </a:lnTo>
-                  <a:lnTo>
-                    <a:pt x="638898" y="76764"/>
-                  </a:lnTo>
-                  <a:lnTo>
-                    <a:pt x="559203" y="52714"/>
-                  </a:lnTo>
-                  <a:lnTo>
-                    <a:pt x="478607" y="31882"/>
-                  </a:lnTo>
-                  <a:lnTo>
-                    <a:pt x="397239" y="14301"/>
-                  </a:lnTo>
-                  <a:lnTo>
-                    <a:pt x="315232" y="0"/>
-                  </a:lnTo>
-                  <a:lnTo>
-                    <a:pt x="304362" y="70684"/>
-                  </a:lnTo>
-                  <a:lnTo>
-                    <a:pt x="293492" y="141369"/>
-                  </a:lnTo>
-                  <a:lnTo>
-                    <a:pt x="282622" y="212054"/>
-                  </a:lnTo>
-                  <a:lnTo>
-                    <a:pt x="271752" y="282739"/>
-                  </a:lnTo>
-                  <a:lnTo>
-                    <a:pt x="260881" y="353424"/>
-                  </a:lnTo>
-                  <a:lnTo>
-                    <a:pt x="250011" y="424109"/>
-                  </a:lnTo>
-                  <a:lnTo>
-                    <a:pt x="239141" y="494794"/>
-                  </a:lnTo>
-                  <a:lnTo>
-                    <a:pt x="228271" y="565479"/>
-                  </a:lnTo>
-                  <a:lnTo>
-                    <a:pt x="217401" y="636164"/>
-                  </a:lnTo>
-                  <a:lnTo>
-                    <a:pt x="206531" y="706849"/>
-                  </a:lnTo>
-                  <a:lnTo>
-                    <a:pt x="195661" y="777534"/>
-                  </a:lnTo>
-                  <a:lnTo>
-                    <a:pt x="184791" y="848219"/>
-                  </a:lnTo>
-                  <a:lnTo>
-                    <a:pt x="173921" y="918904"/>
-                  </a:lnTo>
-                  <a:lnTo>
-                    <a:pt x="163051" y="989589"/>
-                  </a:lnTo>
-                  <a:lnTo>
-                    <a:pt x="152181" y="1060274"/>
-                  </a:lnTo>
-                  <a:lnTo>
-                    <a:pt x="141311" y="1130959"/>
-                  </a:lnTo>
-                  <a:lnTo>
-                    <a:pt x="130440" y="1201644"/>
-                  </a:lnTo>
-                  <a:lnTo>
-                    <a:pt x="119570" y="1272329"/>
-                  </a:lnTo>
-                  <a:lnTo>
-                    <a:pt x="108700" y="1343014"/>
-                  </a:lnTo>
-                  <a:lnTo>
-                    <a:pt x="97830" y="1413699"/>
-                  </a:lnTo>
-                  <a:lnTo>
-                    <a:pt x="86960" y="1484384"/>
-                  </a:lnTo>
-                  <a:lnTo>
-                    <a:pt x="76090" y="1555069"/>
-                  </a:lnTo>
-                  <a:lnTo>
-                    <a:pt x="65220" y="1625754"/>
-                  </a:lnTo>
-                  <a:lnTo>
-                    <a:pt x="54350" y="1696438"/>
-                  </a:lnTo>
-                  <a:lnTo>
-                    <a:pt x="43480" y="1767123"/>
-                  </a:lnTo>
-                  <a:lnTo>
-                    <a:pt x="32610" y="1837808"/>
-                  </a:lnTo>
-                  <a:lnTo>
-                    <a:pt x="21740" y="1908493"/>
-                  </a:lnTo>
-                  <a:lnTo>
-                    <a:pt x="10870" y="1979178"/>
+                    <a:pt x="21969" y="1760448"/>
+                  </a:lnTo>
+                  <a:lnTo>
+                    <a:pt x="43938" y="1700873"/>
+                  </a:lnTo>
+                  <a:lnTo>
+                    <a:pt x="65907" y="1641297"/>
+                  </a:lnTo>
+                  <a:lnTo>
+                    <a:pt x="87877" y="1581722"/>
+                  </a:lnTo>
+                  <a:lnTo>
+                    <a:pt x="109846" y="1522146"/>
+                  </a:lnTo>
+                  <a:lnTo>
+                    <a:pt x="131815" y="1462571"/>
+                  </a:lnTo>
+                  <a:lnTo>
+                    <a:pt x="153784" y="1402995"/>
+                  </a:lnTo>
+                  <a:lnTo>
+                    <a:pt x="175754" y="1343419"/>
+                  </a:lnTo>
+                  <a:lnTo>
+                    <a:pt x="197723" y="1283844"/>
+                  </a:lnTo>
+                  <a:lnTo>
+                    <a:pt x="219692" y="1224268"/>
+                  </a:lnTo>
+                  <a:lnTo>
+                    <a:pt x="241661" y="1164693"/>
+                  </a:lnTo>
+                  <a:lnTo>
+                    <a:pt x="263631" y="1105117"/>
+                  </a:lnTo>
+                  <a:lnTo>
+                    <a:pt x="285600" y="1045542"/>
+                  </a:lnTo>
+                  <a:lnTo>
+                    <a:pt x="307569" y="985966"/>
+                  </a:lnTo>
+                  <a:lnTo>
+                    <a:pt x="329538" y="926390"/>
+                  </a:lnTo>
+                  <a:lnTo>
+                    <a:pt x="351508" y="866815"/>
+                  </a:lnTo>
+                  <a:lnTo>
+                    <a:pt x="373477" y="807239"/>
+                  </a:lnTo>
+                  <a:lnTo>
+                    <a:pt x="395446" y="747664"/>
+                  </a:lnTo>
+                  <a:lnTo>
+                    <a:pt x="417415" y="688088"/>
+                  </a:lnTo>
+                  <a:lnTo>
+                    <a:pt x="439385" y="628512"/>
+                  </a:lnTo>
+                  <a:lnTo>
+                    <a:pt x="461354" y="568937"/>
+                  </a:lnTo>
+                  <a:lnTo>
+                    <a:pt x="483323" y="509361"/>
+                  </a:lnTo>
+                  <a:lnTo>
+                    <a:pt x="505292" y="449786"/>
+                  </a:lnTo>
+                  <a:lnTo>
+                    <a:pt x="527262" y="390210"/>
+                  </a:lnTo>
+                  <a:lnTo>
+                    <a:pt x="549231" y="330635"/>
+                  </a:lnTo>
+                  <a:lnTo>
+                    <a:pt x="571200" y="271059"/>
+                  </a:lnTo>
+                  <a:lnTo>
+                    <a:pt x="593169" y="211483"/>
+                  </a:lnTo>
+                  <a:lnTo>
+                    <a:pt x="615139" y="151908"/>
+                  </a:lnTo>
+                  <a:lnTo>
+                    <a:pt x="637108" y="92332"/>
+                  </a:lnTo>
+                  <a:lnTo>
+                    <a:pt x="567262" y="68157"/>
+                  </a:lnTo>
+                  <a:lnTo>
+                    <a:pt x="496503" y="46804"/>
+                  </a:lnTo>
+                  <a:lnTo>
+                    <a:pt x="424943" y="28307"/>
+                  </a:lnTo>
+                  <a:lnTo>
+                    <a:pt x="352699" y="12698"/>
+                  </a:lnTo>
+                  <a:lnTo>
+                    <a:pt x="279887" y="0"/>
+                  </a:lnTo>
+                  <a:lnTo>
+                    <a:pt x="270235" y="62759"/>
+                  </a:lnTo>
+                  <a:lnTo>
+                    <a:pt x="260584" y="125518"/>
+                  </a:lnTo>
+                  <a:lnTo>
+                    <a:pt x="250933" y="188278"/>
+                  </a:lnTo>
+                  <a:lnTo>
+                    <a:pt x="241282" y="251037"/>
+                  </a:lnTo>
+                  <a:lnTo>
+                    <a:pt x="231630" y="313797"/>
+                  </a:lnTo>
+                  <a:lnTo>
+                    <a:pt x="221979" y="376556"/>
+                  </a:lnTo>
+                  <a:lnTo>
+                    <a:pt x="212328" y="439316"/>
+                  </a:lnTo>
+                  <a:lnTo>
+                    <a:pt x="202676" y="502075"/>
+                  </a:lnTo>
+                  <a:lnTo>
+                    <a:pt x="193025" y="564835"/>
+                  </a:lnTo>
+                  <a:lnTo>
+                    <a:pt x="183374" y="627594"/>
+                  </a:lnTo>
+                  <a:lnTo>
+                    <a:pt x="173723" y="690354"/>
+                  </a:lnTo>
+                  <a:lnTo>
+                    <a:pt x="164071" y="753113"/>
+                  </a:lnTo>
+                  <a:lnTo>
+                    <a:pt x="154420" y="815873"/>
+                  </a:lnTo>
+                  <a:lnTo>
+                    <a:pt x="144769" y="878632"/>
+                  </a:lnTo>
+                  <a:lnTo>
+                    <a:pt x="135117" y="941392"/>
+                  </a:lnTo>
+                  <a:lnTo>
+                    <a:pt x="125466" y="1004151"/>
+                  </a:lnTo>
+                  <a:lnTo>
+                    <a:pt x="115815" y="1066910"/>
+                  </a:lnTo>
+                  <a:lnTo>
+                    <a:pt x="106164" y="1129670"/>
+                  </a:lnTo>
+                  <a:lnTo>
+                    <a:pt x="96512" y="1192429"/>
+                  </a:lnTo>
+                  <a:lnTo>
+                    <a:pt x="86861" y="1255189"/>
+                  </a:lnTo>
+                  <a:lnTo>
+                    <a:pt x="77210" y="1317948"/>
+                  </a:lnTo>
+                  <a:lnTo>
+                    <a:pt x="67558" y="1380708"/>
+                  </a:lnTo>
+                  <a:lnTo>
+                    <a:pt x="57907" y="1443467"/>
+                  </a:lnTo>
+                  <a:lnTo>
+                    <a:pt x="48256" y="1506227"/>
+                  </a:lnTo>
+                  <a:lnTo>
+                    <a:pt x="38605" y="1568986"/>
+                  </a:lnTo>
+                  <a:lnTo>
+                    <a:pt x="28953" y="1631746"/>
+                  </a:lnTo>
+                  <a:lnTo>
+                    <a:pt x="19302" y="1694505"/>
+                  </a:lnTo>
+                  <a:lnTo>
+                    <a:pt x="9651" y="1757265"/>
                   </a:lnTo>
                   <a:close/>
                 </a:path>
@@ -4753,213 +5207,213 @@
           </p:nvSpPr>
           <p:spPr>
             <a:xfrm>
-              <a:off x="6225266" y="2150795"/>
-              <a:ext cx="1268655" cy="1945870"/>
+              <a:off x="6225266" y="2078298"/>
+              <a:ext cx="1126408" cy="1727691"/>
             </a:xfrm>
             <a:custGeom>
               <a:avLst/>
               <a:pathLst>
-                <a:path w="1268655" h="1945870">
+                <a:path w="1126408" h="1727691">
                   <a:moveTo>
-                    <a:pt x="0" y="1945870"/>
+                    <a:pt x="0" y="1727691"/>
                   </a:moveTo>
                   <a:lnTo>
-                    <a:pt x="43746" y="1889295"/>
-                  </a:lnTo>
-                  <a:lnTo>
-                    <a:pt x="87493" y="1832720"/>
-                  </a:lnTo>
-                  <a:lnTo>
-                    <a:pt x="131240" y="1776145"/>
-                  </a:lnTo>
-                  <a:lnTo>
-                    <a:pt x="174986" y="1719570"/>
-                  </a:lnTo>
-                  <a:lnTo>
-                    <a:pt x="218733" y="1662995"/>
-                  </a:lnTo>
-                  <a:lnTo>
-                    <a:pt x="262480" y="1606420"/>
-                  </a:lnTo>
-                  <a:lnTo>
-                    <a:pt x="306227" y="1549845"/>
-                  </a:lnTo>
-                  <a:lnTo>
-                    <a:pt x="349973" y="1493270"/>
-                  </a:lnTo>
-                  <a:lnTo>
-                    <a:pt x="393720" y="1436694"/>
-                  </a:lnTo>
-                  <a:lnTo>
-                    <a:pt x="437467" y="1380119"/>
-                  </a:lnTo>
-                  <a:lnTo>
-                    <a:pt x="481214" y="1323544"/>
-                  </a:lnTo>
-                  <a:lnTo>
-                    <a:pt x="524960" y="1266969"/>
-                  </a:lnTo>
-                  <a:lnTo>
-                    <a:pt x="568707" y="1210394"/>
-                  </a:lnTo>
-                  <a:lnTo>
-                    <a:pt x="612454" y="1153819"/>
-                  </a:lnTo>
-                  <a:lnTo>
-                    <a:pt x="656201" y="1097244"/>
-                  </a:lnTo>
-                  <a:lnTo>
-                    <a:pt x="699947" y="1040669"/>
-                  </a:lnTo>
-                  <a:lnTo>
-                    <a:pt x="743694" y="984093"/>
-                  </a:lnTo>
-                  <a:lnTo>
-                    <a:pt x="787441" y="927518"/>
-                  </a:lnTo>
-                  <a:lnTo>
-                    <a:pt x="831188" y="870943"/>
-                  </a:lnTo>
-                  <a:lnTo>
-                    <a:pt x="874934" y="814368"/>
-                  </a:lnTo>
-                  <a:lnTo>
-                    <a:pt x="918681" y="757793"/>
-                  </a:lnTo>
-                  <a:lnTo>
-                    <a:pt x="962428" y="701218"/>
-                  </a:lnTo>
-                  <a:lnTo>
-                    <a:pt x="1006175" y="644643"/>
-                  </a:lnTo>
-                  <a:lnTo>
-                    <a:pt x="1049921" y="588068"/>
-                  </a:lnTo>
-                  <a:lnTo>
-                    <a:pt x="1093668" y="531493"/>
-                  </a:lnTo>
-                  <a:lnTo>
-                    <a:pt x="1137415" y="474917"/>
-                  </a:lnTo>
-                  <a:lnTo>
-                    <a:pt x="1181162" y="418342"/>
-                  </a:lnTo>
-                  <a:lnTo>
-                    <a:pt x="1224908" y="361767"/>
-                  </a:lnTo>
-                  <a:lnTo>
-                    <a:pt x="1268655" y="305192"/>
-                  </a:lnTo>
-                  <a:lnTo>
-                    <a:pt x="1212351" y="263159"/>
-                  </a:lnTo>
-                  <a:lnTo>
-                    <a:pt x="1154655" y="223057"/>
-                  </a:lnTo>
-                  <a:lnTo>
-                    <a:pt x="1095633" y="184933"/>
-                  </a:lnTo>
-                  <a:lnTo>
-                    <a:pt x="1035354" y="148830"/>
-                  </a:lnTo>
-                  <a:lnTo>
-                    <a:pt x="973887" y="114790"/>
-                  </a:lnTo>
-                  <a:lnTo>
-                    <a:pt x="911302" y="82851"/>
-                  </a:lnTo>
-                  <a:lnTo>
-                    <a:pt x="847671" y="53051"/>
-                  </a:lnTo>
-                  <a:lnTo>
-                    <a:pt x="783067" y="25423"/>
-                  </a:lnTo>
-                  <a:lnTo>
-                    <a:pt x="717564" y="0"/>
-                  </a:lnTo>
-                  <a:lnTo>
-                    <a:pt x="692821" y="67098"/>
-                  </a:lnTo>
-                  <a:lnTo>
-                    <a:pt x="668077" y="134197"/>
-                  </a:lnTo>
-                  <a:lnTo>
-                    <a:pt x="643333" y="201296"/>
-                  </a:lnTo>
-                  <a:lnTo>
-                    <a:pt x="618590" y="268395"/>
-                  </a:lnTo>
-                  <a:lnTo>
-                    <a:pt x="593846" y="335494"/>
-                  </a:lnTo>
-                  <a:lnTo>
-                    <a:pt x="569103" y="402593"/>
-                  </a:lnTo>
-                  <a:lnTo>
-                    <a:pt x="544359" y="469692"/>
-                  </a:lnTo>
-                  <a:lnTo>
-                    <a:pt x="519615" y="536791"/>
-                  </a:lnTo>
-                  <a:lnTo>
-                    <a:pt x="494872" y="603890"/>
-                  </a:lnTo>
-                  <a:lnTo>
-                    <a:pt x="470128" y="670989"/>
-                  </a:lnTo>
-                  <a:lnTo>
-                    <a:pt x="445384" y="738088"/>
-                  </a:lnTo>
-                  <a:lnTo>
-                    <a:pt x="420641" y="805187"/>
-                  </a:lnTo>
-                  <a:lnTo>
-                    <a:pt x="395897" y="872286"/>
-                  </a:lnTo>
-                  <a:lnTo>
-                    <a:pt x="371154" y="939385"/>
-                  </a:lnTo>
-                  <a:lnTo>
-                    <a:pt x="346410" y="1006484"/>
-                  </a:lnTo>
-                  <a:lnTo>
-                    <a:pt x="321666" y="1073583"/>
-                  </a:lnTo>
-                  <a:lnTo>
-                    <a:pt x="296923" y="1140682"/>
-                  </a:lnTo>
-                  <a:lnTo>
-                    <a:pt x="272179" y="1207781"/>
-                  </a:lnTo>
-                  <a:lnTo>
-                    <a:pt x="247436" y="1274880"/>
-                  </a:lnTo>
-                  <a:lnTo>
-                    <a:pt x="222692" y="1341979"/>
-                  </a:lnTo>
-                  <a:lnTo>
-                    <a:pt x="197948" y="1409078"/>
-                  </a:lnTo>
-                  <a:lnTo>
-                    <a:pt x="173205" y="1476177"/>
-                  </a:lnTo>
-                  <a:lnTo>
-                    <a:pt x="148461" y="1543276"/>
-                  </a:lnTo>
-                  <a:lnTo>
-                    <a:pt x="123718" y="1610375"/>
-                  </a:lnTo>
-                  <a:lnTo>
-                    <a:pt x="98974" y="1677474"/>
-                  </a:lnTo>
-                  <a:lnTo>
-                    <a:pt x="74230" y="1744573"/>
-                  </a:lnTo>
-                  <a:lnTo>
-                    <a:pt x="49487" y="1811672"/>
-                  </a:lnTo>
-                  <a:lnTo>
-                    <a:pt x="24743" y="1878771"/>
+                    <a:pt x="38841" y="1677460"/>
+                  </a:lnTo>
+                  <a:lnTo>
+                    <a:pt x="77683" y="1627228"/>
+                  </a:lnTo>
+                  <a:lnTo>
+                    <a:pt x="116525" y="1576996"/>
+                  </a:lnTo>
+                  <a:lnTo>
+                    <a:pt x="155366" y="1526765"/>
+                  </a:lnTo>
+                  <a:lnTo>
+                    <a:pt x="194208" y="1476533"/>
+                  </a:lnTo>
+                  <a:lnTo>
+                    <a:pt x="233050" y="1426301"/>
+                  </a:lnTo>
+                  <a:lnTo>
+                    <a:pt x="271891" y="1376070"/>
+                  </a:lnTo>
+                  <a:lnTo>
+                    <a:pt x="310733" y="1325838"/>
+                  </a:lnTo>
+                  <a:lnTo>
+                    <a:pt x="349575" y="1275606"/>
+                  </a:lnTo>
+                  <a:lnTo>
+                    <a:pt x="388416" y="1225375"/>
+                  </a:lnTo>
+                  <a:lnTo>
+                    <a:pt x="427258" y="1175143"/>
+                  </a:lnTo>
+                  <a:lnTo>
+                    <a:pt x="466100" y="1124911"/>
+                  </a:lnTo>
+                  <a:lnTo>
+                    <a:pt x="504941" y="1074679"/>
+                  </a:lnTo>
+                  <a:lnTo>
+                    <a:pt x="543783" y="1024448"/>
+                  </a:lnTo>
+                  <a:lnTo>
+                    <a:pt x="582625" y="974216"/>
+                  </a:lnTo>
+                  <a:lnTo>
+                    <a:pt x="621466" y="923984"/>
+                  </a:lnTo>
+                  <a:lnTo>
+                    <a:pt x="660308" y="873753"/>
+                  </a:lnTo>
+                  <a:lnTo>
+                    <a:pt x="699150" y="823521"/>
+                  </a:lnTo>
+                  <a:lnTo>
+                    <a:pt x="737991" y="773289"/>
+                  </a:lnTo>
+                  <a:lnTo>
+                    <a:pt x="776833" y="723058"/>
+                  </a:lnTo>
+                  <a:lnTo>
+                    <a:pt x="815675" y="672826"/>
+                  </a:lnTo>
+                  <a:lnTo>
+                    <a:pt x="854516" y="622594"/>
+                  </a:lnTo>
+                  <a:lnTo>
+                    <a:pt x="893358" y="572363"/>
+                  </a:lnTo>
+                  <a:lnTo>
+                    <a:pt x="932200" y="522131"/>
+                  </a:lnTo>
+                  <a:lnTo>
+                    <a:pt x="971042" y="471899"/>
+                  </a:lnTo>
+                  <a:lnTo>
+                    <a:pt x="1009883" y="421668"/>
+                  </a:lnTo>
+                  <a:lnTo>
+                    <a:pt x="1048725" y="371436"/>
+                  </a:lnTo>
+                  <a:lnTo>
+                    <a:pt x="1087567" y="321204"/>
+                  </a:lnTo>
+                  <a:lnTo>
+                    <a:pt x="1126408" y="270973"/>
+                  </a:lnTo>
+                  <a:lnTo>
+                    <a:pt x="1076417" y="233653"/>
+                  </a:lnTo>
+                  <a:lnTo>
+                    <a:pt x="1025190" y="198047"/>
+                  </a:lnTo>
+                  <a:lnTo>
+                    <a:pt x="972786" y="164198"/>
+                  </a:lnTo>
+                  <a:lnTo>
+                    <a:pt x="919266" y="132143"/>
+                  </a:lnTo>
+                  <a:lnTo>
+                    <a:pt x="864691" y="101919"/>
+                  </a:lnTo>
+                  <a:lnTo>
+                    <a:pt x="809123" y="73562"/>
+                  </a:lnTo>
+                  <a:lnTo>
+                    <a:pt x="752627" y="47103"/>
+                  </a:lnTo>
+                  <a:lnTo>
+                    <a:pt x="695266" y="22572"/>
+                  </a:lnTo>
+                  <a:lnTo>
+                    <a:pt x="637108" y="0"/>
+                  </a:lnTo>
+                  <a:lnTo>
+                    <a:pt x="615139" y="59575"/>
+                  </a:lnTo>
+                  <a:lnTo>
+                    <a:pt x="593169" y="119151"/>
+                  </a:lnTo>
+                  <a:lnTo>
+                    <a:pt x="571200" y="178726"/>
+                  </a:lnTo>
+                  <a:lnTo>
+                    <a:pt x="549231" y="238302"/>
+                  </a:lnTo>
+                  <a:lnTo>
+                    <a:pt x="527262" y="297877"/>
+                  </a:lnTo>
+                  <a:lnTo>
+                    <a:pt x="505292" y="357453"/>
+                  </a:lnTo>
+                  <a:lnTo>
+                    <a:pt x="483323" y="417029"/>
+                  </a:lnTo>
+                  <a:lnTo>
+                    <a:pt x="461354" y="476604"/>
+                  </a:lnTo>
+                  <a:lnTo>
+                    <a:pt x="439385" y="536180"/>
+                  </a:lnTo>
+                  <a:lnTo>
+                    <a:pt x="417415" y="595755"/>
+                  </a:lnTo>
+                  <a:lnTo>
+                    <a:pt x="395446" y="655331"/>
+                  </a:lnTo>
+                  <a:lnTo>
+                    <a:pt x="373477" y="714906"/>
+                  </a:lnTo>
+                  <a:lnTo>
+                    <a:pt x="351508" y="774482"/>
+                  </a:lnTo>
+                  <a:lnTo>
+                    <a:pt x="329538" y="834058"/>
+                  </a:lnTo>
+                  <a:lnTo>
+                    <a:pt x="307569" y="893633"/>
+                  </a:lnTo>
+                  <a:lnTo>
+                    <a:pt x="285600" y="953209"/>
+                  </a:lnTo>
+                  <a:lnTo>
+                    <a:pt x="263631" y="1012784"/>
+                  </a:lnTo>
+                  <a:lnTo>
+                    <a:pt x="241661" y="1072360"/>
+                  </a:lnTo>
+                  <a:lnTo>
+                    <a:pt x="219692" y="1131936"/>
+                  </a:lnTo>
+                  <a:lnTo>
+                    <a:pt x="197723" y="1191511"/>
+                  </a:lnTo>
+                  <a:lnTo>
+                    <a:pt x="175754" y="1251087"/>
+                  </a:lnTo>
+                  <a:lnTo>
+                    <a:pt x="153784" y="1310662"/>
+                  </a:lnTo>
+                  <a:lnTo>
+                    <a:pt x="131815" y="1370238"/>
+                  </a:lnTo>
+                  <a:lnTo>
+                    <a:pt x="109846" y="1429813"/>
+                  </a:lnTo>
+                  <a:lnTo>
+                    <a:pt x="87877" y="1489389"/>
+                  </a:lnTo>
+                  <a:lnTo>
+                    <a:pt x="65907" y="1548965"/>
+                  </a:lnTo>
+                  <a:lnTo>
+                    <a:pt x="43938" y="1608540"/>
+                  </a:lnTo>
+                  <a:lnTo>
+                    <a:pt x="21969" y="1668116"/>
                   </a:lnTo>
                   <a:close/>
                 </a:path>
@@ -4994,216 +5448,216 @@
           </p:nvSpPr>
           <p:spPr>
             <a:xfrm>
-              <a:off x="6225266" y="2455988"/>
-              <a:ext cx="1767554" cy="1640678"/>
+              <a:off x="6225266" y="2349271"/>
+              <a:ext cx="1569368" cy="1456718"/>
             </a:xfrm>
             <a:custGeom>
               <a:avLst/>
               <a:pathLst>
-                <a:path w="1767554" h="1640678">
+                <a:path w="1569368" h="1456718">
                   <a:moveTo>
-                    <a:pt x="0" y="1640678"/>
+                    <a:pt x="0" y="1456718"/>
                   </a:moveTo>
                   <a:lnTo>
-                    <a:pt x="60950" y="1603267"/>
-                  </a:lnTo>
-                  <a:lnTo>
-                    <a:pt x="121900" y="1565855"/>
-                  </a:lnTo>
-                  <a:lnTo>
-                    <a:pt x="182850" y="1528444"/>
-                  </a:lnTo>
-                  <a:lnTo>
-                    <a:pt x="243800" y="1491033"/>
-                  </a:lnTo>
-                  <a:lnTo>
-                    <a:pt x="304750" y="1453622"/>
-                  </a:lnTo>
-                  <a:lnTo>
-                    <a:pt x="365700" y="1416210"/>
-                  </a:lnTo>
-                  <a:lnTo>
-                    <a:pt x="426651" y="1378799"/>
-                  </a:lnTo>
-                  <a:lnTo>
-                    <a:pt x="487601" y="1341388"/>
-                  </a:lnTo>
-                  <a:lnTo>
-                    <a:pt x="548551" y="1303977"/>
-                  </a:lnTo>
-                  <a:lnTo>
-                    <a:pt x="609501" y="1266566"/>
-                  </a:lnTo>
-                  <a:lnTo>
-                    <a:pt x="670451" y="1229154"/>
-                  </a:lnTo>
-                  <a:lnTo>
-                    <a:pt x="731401" y="1191743"/>
-                  </a:lnTo>
-                  <a:lnTo>
-                    <a:pt x="792351" y="1154332"/>
-                  </a:lnTo>
-                  <a:lnTo>
-                    <a:pt x="853302" y="1116921"/>
-                  </a:lnTo>
-                  <a:lnTo>
-                    <a:pt x="914252" y="1079509"/>
-                  </a:lnTo>
-                  <a:lnTo>
-                    <a:pt x="975202" y="1042098"/>
-                  </a:lnTo>
-                  <a:lnTo>
-                    <a:pt x="1036152" y="1004687"/>
-                  </a:lnTo>
-                  <a:lnTo>
-                    <a:pt x="1097102" y="967276"/>
-                  </a:lnTo>
-                  <a:lnTo>
-                    <a:pt x="1158052" y="929864"/>
-                  </a:lnTo>
-                  <a:lnTo>
-                    <a:pt x="1219003" y="892453"/>
-                  </a:lnTo>
-                  <a:lnTo>
-                    <a:pt x="1279953" y="855042"/>
-                  </a:lnTo>
-                  <a:lnTo>
-                    <a:pt x="1340903" y="817631"/>
-                  </a:lnTo>
-                  <a:lnTo>
-                    <a:pt x="1401853" y="780219"/>
-                  </a:lnTo>
-                  <a:lnTo>
-                    <a:pt x="1462803" y="742808"/>
-                  </a:lnTo>
-                  <a:lnTo>
-                    <a:pt x="1523753" y="705397"/>
-                  </a:lnTo>
-                  <a:lnTo>
-                    <a:pt x="1584703" y="667986"/>
-                  </a:lnTo>
-                  <a:lnTo>
-                    <a:pt x="1645654" y="630574"/>
-                  </a:lnTo>
-                  <a:lnTo>
-                    <a:pt x="1706604" y="593163"/>
-                  </a:lnTo>
-                  <a:lnTo>
-                    <a:pt x="1767554" y="555752"/>
-                  </a:lnTo>
-                  <a:lnTo>
-                    <a:pt x="1727122" y="492478"/>
-                  </a:lnTo>
-                  <a:lnTo>
-                    <a:pt x="1684425" y="430710"/>
-                  </a:lnTo>
-                  <a:lnTo>
-                    <a:pt x="1639521" y="370527"/>
-                  </a:lnTo>
-                  <a:lnTo>
-                    <a:pt x="1592467" y="312010"/>
-                  </a:lnTo>
-                  <a:lnTo>
-                    <a:pt x="1543326" y="255234"/>
-                  </a:lnTo>
-                  <a:lnTo>
-                    <a:pt x="1492162" y="200274"/>
-                  </a:lnTo>
-                  <a:lnTo>
-                    <a:pt x="1439042" y="147203"/>
-                  </a:lnTo>
-                  <a:lnTo>
-                    <a:pt x="1384036" y="96089"/>
-                  </a:lnTo>
-                  <a:lnTo>
-                    <a:pt x="1327216" y="47000"/>
-                  </a:lnTo>
-                  <a:lnTo>
-                    <a:pt x="1268655" y="0"/>
-                  </a:lnTo>
-                  <a:lnTo>
-                    <a:pt x="1224908" y="56575"/>
-                  </a:lnTo>
-                  <a:lnTo>
-                    <a:pt x="1181162" y="113150"/>
-                  </a:lnTo>
-                  <a:lnTo>
-                    <a:pt x="1137415" y="169725"/>
-                  </a:lnTo>
-                  <a:lnTo>
-                    <a:pt x="1093668" y="226300"/>
-                  </a:lnTo>
-                  <a:lnTo>
-                    <a:pt x="1049921" y="282875"/>
-                  </a:lnTo>
-                  <a:lnTo>
-                    <a:pt x="1006175" y="339450"/>
-                  </a:lnTo>
-                  <a:lnTo>
-                    <a:pt x="962428" y="396025"/>
-                  </a:lnTo>
-                  <a:lnTo>
-                    <a:pt x="918681" y="452600"/>
-                  </a:lnTo>
-                  <a:lnTo>
-                    <a:pt x="874934" y="509176"/>
-                  </a:lnTo>
-                  <a:lnTo>
-                    <a:pt x="831188" y="565751"/>
-                  </a:lnTo>
-                  <a:lnTo>
-                    <a:pt x="787441" y="622326"/>
-                  </a:lnTo>
-                  <a:lnTo>
-                    <a:pt x="743694" y="678901"/>
-                  </a:lnTo>
-                  <a:lnTo>
-                    <a:pt x="699947" y="735476"/>
-                  </a:lnTo>
-                  <a:lnTo>
-                    <a:pt x="656201" y="792051"/>
-                  </a:lnTo>
-                  <a:lnTo>
-                    <a:pt x="612454" y="848626"/>
-                  </a:lnTo>
-                  <a:lnTo>
-                    <a:pt x="568707" y="905201"/>
-                  </a:lnTo>
-                  <a:lnTo>
-                    <a:pt x="524960" y="961776"/>
-                  </a:lnTo>
-                  <a:lnTo>
-                    <a:pt x="481214" y="1018352"/>
-                  </a:lnTo>
-                  <a:lnTo>
-                    <a:pt x="437467" y="1074927"/>
-                  </a:lnTo>
-                  <a:lnTo>
-                    <a:pt x="393720" y="1131502"/>
-                  </a:lnTo>
-                  <a:lnTo>
-                    <a:pt x="349973" y="1188077"/>
-                  </a:lnTo>
-                  <a:lnTo>
-                    <a:pt x="306227" y="1244652"/>
-                  </a:lnTo>
-                  <a:lnTo>
-                    <a:pt x="262480" y="1301227"/>
-                  </a:lnTo>
-                  <a:lnTo>
-                    <a:pt x="218733" y="1357802"/>
-                  </a:lnTo>
-                  <a:lnTo>
-                    <a:pt x="174986" y="1414377"/>
-                  </a:lnTo>
-                  <a:lnTo>
-                    <a:pt x="131240" y="1470953"/>
-                  </a:lnTo>
-                  <a:lnTo>
-                    <a:pt x="87493" y="1527528"/>
-                  </a:lnTo>
-                  <a:lnTo>
-                    <a:pt x="43746" y="1584103"/>
+                    <a:pt x="54116" y="1423502"/>
+                  </a:lnTo>
+                  <a:lnTo>
+                    <a:pt x="108232" y="1390285"/>
+                  </a:lnTo>
+                  <a:lnTo>
+                    <a:pt x="162348" y="1357069"/>
+                  </a:lnTo>
+                  <a:lnTo>
+                    <a:pt x="216464" y="1323852"/>
+                  </a:lnTo>
+                  <a:lnTo>
+                    <a:pt x="270580" y="1290636"/>
+                  </a:lnTo>
+                  <a:lnTo>
+                    <a:pt x="324697" y="1257419"/>
+                  </a:lnTo>
+                  <a:lnTo>
+                    <a:pt x="378813" y="1224203"/>
+                  </a:lnTo>
+                  <a:lnTo>
+                    <a:pt x="432929" y="1190986"/>
+                  </a:lnTo>
+                  <a:lnTo>
+                    <a:pt x="487045" y="1157769"/>
+                  </a:lnTo>
+                  <a:lnTo>
+                    <a:pt x="541161" y="1124553"/>
+                  </a:lnTo>
+                  <a:lnTo>
+                    <a:pt x="595277" y="1091336"/>
+                  </a:lnTo>
+                  <a:lnTo>
+                    <a:pt x="649394" y="1058120"/>
+                  </a:lnTo>
+                  <a:lnTo>
+                    <a:pt x="703510" y="1024903"/>
+                  </a:lnTo>
+                  <a:lnTo>
+                    <a:pt x="757626" y="991687"/>
+                  </a:lnTo>
+                  <a:lnTo>
+                    <a:pt x="811742" y="958470"/>
+                  </a:lnTo>
+                  <a:lnTo>
+                    <a:pt x="865858" y="925254"/>
+                  </a:lnTo>
+                  <a:lnTo>
+                    <a:pt x="919974" y="892037"/>
+                  </a:lnTo>
+                  <a:lnTo>
+                    <a:pt x="974091" y="858821"/>
+                  </a:lnTo>
+                  <a:lnTo>
+                    <a:pt x="1028207" y="825604"/>
+                  </a:lnTo>
+                  <a:lnTo>
+                    <a:pt x="1082323" y="792388"/>
+                  </a:lnTo>
+                  <a:lnTo>
+                    <a:pt x="1136439" y="759171"/>
+                  </a:lnTo>
+                  <a:lnTo>
+                    <a:pt x="1190555" y="725954"/>
+                  </a:lnTo>
+                  <a:lnTo>
+                    <a:pt x="1244671" y="692738"/>
+                  </a:lnTo>
+                  <a:lnTo>
+                    <a:pt x="1298788" y="659521"/>
+                  </a:lnTo>
+                  <a:lnTo>
+                    <a:pt x="1352904" y="626305"/>
+                  </a:lnTo>
+                  <a:lnTo>
+                    <a:pt x="1407020" y="593088"/>
+                  </a:lnTo>
+                  <a:lnTo>
+                    <a:pt x="1461136" y="559872"/>
+                  </a:lnTo>
+                  <a:lnTo>
+                    <a:pt x="1515252" y="526655"/>
+                  </a:lnTo>
+                  <a:lnTo>
+                    <a:pt x="1569368" y="493439"/>
+                  </a:lnTo>
+                  <a:lnTo>
+                    <a:pt x="1533469" y="437260"/>
+                  </a:lnTo>
+                  <a:lnTo>
+                    <a:pt x="1495560" y="382417"/>
+                  </a:lnTo>
+                  <a:lnTo>
+                    <a:pt x="1455691" y="328982"/>
+                  </a:lnTo>
+                  <a:lnTo>
+                    <a:pt x="1413913" y="277026"/>
+                  </a:lnTo>
+                  <a:lnTo>
+                    <a:pt x="1370282" y="226616"/>
+                  </a:lnTo>
+                  <a:lnTo>
+                    <a:pt x="1324855" y="177819"/>
+                  </a:lnTo>
+                  <a:lnTo>
+                    <a:pt x="1277691" y="130698"/>
+                  </a:lnTo>
+                  <a:lnTo>
+                    <a:pt x="1228852" y="85315"/>
+                  </a:lnTo>
+                  <a:lnTo>
+                    <a:pt x="1178403" y="41730"/>
+                  </a:lnTo>
+                  <a:lnTo>
+                    <a:pt x="1126408" y="0"/>
+                  </a:lnTo>
+                  <a:lnTo>
+                    <a:pt x="1087567" y="50231"/>
+                  </a:lnTo>
+                  <a:lnTo>
+                    <a:pt x="1048725" y="100463"/>
+                  </a:lnTo>
+                  <a:lnTo>
+                    <a:pt x="1009883" y="150695"/>
+                  </a:lnTo>
+                  <a:lnTo>
+                    <a:pt x="971042" y="200926"/>
+                  </a:lnTo>
+                  <a:lnTo>
+                    <a:pt x="932200" y="251158"/>
+                  </a:lnTo>
+                  <a:lnTo>
+                    <a:pt x="893358" y="301390"/>
+                  </a:lnTo>
+                  <a:lnTo>
+                    <a:pt x="854516" y="351621"/>
+                  </a:lnTo>
+                  <a:lnTo>
+                    <a:pt x="815675" y="401853"/>
+                  </a:lnTo>
+                  <a:lnTo>
+                    <a:pt x="776833" y="452085"/>
+                  </a:lnTo>
+                  <a:lnTo>
+                    <a:pt x="737991" y="502316"/>
+                  </a:lnTo>
+                  <a:lnTo>
+                    <a:pt x="699150" y="552548"/>
+                  </a:lnTo>
+                  <a:lnTo>
+                    <a:pt x="660308" y="602780"/>
+                  </a:lnTo>
+                  <a:lnTo>
+                    <a:pt x="621466" y="653011"/>
+                  </a:lnTo>
+                  <a:lnTo>
+                    <a:pt x="582625" y="703243"/>
+                  </a:lnTo>
+                  <a:lnTo>
+                    <a:pt x="543783" y="753475"/>
+                  </a:lnTo>
+                  <a:lnTo>
+                    <a:pt x="504941" y="803706"/>
+                  </a:lnTo>
+                  <a:lnTo>
+                    <a:pt x="466100" y="853938"/>
+                  </a:lnTo>
+                  <a:lnTo>
+                    <a:pt x="427258" y="904170"/>
+                  </a:lnTo>
+                  <a:lnTo>
+                    <a:pt x="388416" y="954401"/>
+                  </a:lnTo>
+                  <a:lnTo>
+                    <a:pt x="349575" y="1004633"/>
+                  </a:lnTo>
+                  <a:lnTo>
+                    <a:pt x="310733" y="1054865"/>
+                  </a:lnTo>
+                  <a:lnTo>
+                    <a:pt x="271891" y="1105097"/>
+                  </a:lnTo>
+                  <a:lnTo>
+                    <a:pt x="233050" y="1155328"/>
+                  </a:lnTo>
+                  <a:lnTo>
+                    <a:pt x="194208" y="1205560"/>
+                  </a:lnTo>
+                  <a:lnTo>
+                    <a:pt x="155366" y="1255792"/>
+                  </a:lnTo>
+                  <a:lnTo>
+                    <a:pt x="116525" y="1306023"/>
+                  </a:lnTo>
+                  <a:lnTo>
+                    <a:pt x="77683" y="1356255"/>
+                  </a:lnTo>
+                  <a:lnTo>
+                    <a:pt x="38841" y="1406487"/>
                   </a:lnTo>
                   <a:close/>
                 </a:path>
@@ -5238,216 +5692,216 @@
           </p:nvSpPr>
           <p:spPr>
             <a:xfrm>
-              <a:off x="6225266" y="3011740"/>
-              <a:ext cx="2034071" cy="1084925"/>
+              <a:off x="6225266" y="2842710"/>
+              <a:ext cx="1806003" cy="963279"/>
             </a:xfrm>
             <a:custGeom>
               <a:avLst/>
               <a:pathLst>
-                <a:path w="2034071" h="1084925">
+                <a:path w="1806003" h="963279">
                   <a:moveTo>
-                    <a:pt x="0" y="1084925"/>
+                    <a:pt x="0" y="963279"/>
                   </a:moveTo>
                   <a:lnTo>
-                    <a:pt x="70140" y="1070967"/>
-                  </a:lnTo>
-                  <a:lnTo>
-                    <a:pt x="140280" y="1057008"/>
-                  </a:lnTo>
-                  <a:lnTo>
-                    <a:pt x="210421" y="1043049"/>
-                  </a:lnTo>
-                  <a:lnTo>
-                    <a:pt x="280561" y="1029091"/>
-                  </a:lnTo>
-                  <a:lnTo>
-                    <a:pt x="350702" y="1015132"/>
-                  </a:lnTo>
-                  <a:lnTo>
-                    <a:pt x="420842" y="1001173"/>
-                  </a:lnTo>
-                  <a:lnTo>
-                    <a:pt x="490982" y="987215"/>
-                  </a:lnTo>
-                  <a:lnTo>
-                    <a:pt x="561123" y="973256"/>
-                  </a:lnTo>
-                  <a:lnTo>
-                    <a:pt x="631263" y="959297"/>
-                  </a:lnTo>
-                  <a:lnTo>
-                    <a:pt x="701404" y="945339"/>
-                  </a:lnTo>
-                  <a:lnTo>
-                    <a:pt x="771544" y="931380"/>
-                  </a:lnTo>
-                  <a:lnTo>
-                    <a:pt x="841684" y="917421"/>
-                  </a:lnTo>
-                  <a:lnTo>
-                    <a:pt x="911825" y="903463"/>
-                  </a:lnTo>
-                  <a:lnTo>
-                    <a:pt x="981965" y="889504"/>
-                  </a:lnTo>
-                  <a:lnTo>
-                    <a:pt x="1052106" y="875545"/>
-                  </a:lnTo>
-                  <a:lnTo>
-                    <a:pt x="1122246" y="861587"/>
-                  </a:lnTo>
-                  <a:lnTo>
-                    <a:pt x="1192386" y="847628"/>
-                  </a:lnTo>
-                  <a:lnTo>
-                    <a:pt x="1262527" y="833669"/>
-                  </a:lnTo>
-                  <a:lnTo>
-                    <a:pt x="1332667" y="819711"/>
-                  </a:lnTo>
-                  <a:lnTo>
-                    <a:pt x="1402808" y="805752"/>
-                  </a:lnTo>
-                  <a:lnTo>
-                    <a:pt x="1472948" y="791793"/>
-                  </a:lnTo>
-                  <a:lnTo>
-                    <a:pt x="1543089" y="777834"/>
-                  </a:lnTo>
-                  <a:lnTo>
-                    <a:pt x="1613229" y="763876"/>
-                  </a:lnTo>
-                  <a:lnTo>
-                    <a:pt x="1683369" y="749917"/>
-                  </a:lnTo>
-                  <a:lnTo>
-                    <a:pt x="1753510" y="735958"/>
-                  </a:lnTo>
-                  <a:lnTo>
-                    <a:pt x="1823650" y="722000"/>
-                  </a:lnTo>
-                  <a:lnTo>
-                    <a:pt x="1893791" y="708041"/>
-                  </a:lnTo>
-                  <a:lnTo>
-                    <a:pt x="1963931" y="694082"/>
-                  </a:lnTo>
-                  <a:lnTo>
-                    <a:pt x="2034071" y="680124"/>
-                  </a:lnTo>
-                  <a:lnTo>
-                    <a:pt x="2018467" y="608374"/>
-                  </a:lnTo>
-                  <a:lnTo>
-                    <a:pt x="2000333" y="537221"/>
-                  </a:lnTo>
-                  <a:lnTo>
-                    <a:pt x="1979691" y="466755"/>
-                  </a:lnTo>
-                  <a:lnTo>
-                    <a:pt x="1956568" y="397064"/>
-                  </a:lnTo>
-                  <a:lnTo>
-                    <a:pt x="1930992" y="328235"/>
-                  </a:lnTo>
-                  <a:lnTo>
-                    <a:pt x="1902996" y="260355"/>
-                  </a:lnTo>
-                  <a:lnTo>
-                    <a:pt x="1872615" y="193508"/>
-                  </a:lnTo>
-                  <a:lnTo>
-                    <a:pt x="1839886" y="127778"/>
-                  </a:lnTo>
-                  <a:lnTo>
-                    <a:pt x="1804851" y="63249"/>
-                  </a:lnTo>
-                  <a:lnTo>
-                    <a:pt x="1767554" y="0"/>
-                  </a:lnTo>
-                  <a:lnTo>
-                    <a:pt x="1706604" y="37411"/>
-                  </a:lnTo>
-                  <a:lnTo>
-                    <a:pt x="1645654" y="74822"/>
-                  </a:lnTo>
-                  <a:lnTo>
-                    <a:pt x="1584703" y="112233"/>
-                  </a:lnTo>
-                  <a:lnTo>
-                    <a:pt x="1523753" y="149644"/>
-                  </a:lnTo>
-                  <a:lnTo>
-                    <a:pt x="1462803" y="187056"/>
-                  </a:lnTo>
-                  <a:lnTo>
-                    <a:pt x="1401853" y="224467"/>
-                  </a:lnTo>
-                  <a:lnTo>
-                    <a:pt x="1340903" y="261878"/>
-                  </a:lnTo>
-                  <a:lnTo>
-                    <a:pt x="1279953" y="299289"/>
-                  </a:lnTo>
-                  <a:lnTo>
-                    <a:pt x="1219003" y="336701"/>
-                  </a:lnTo>
-                  <a:lnTo>
-                    <a:pt x="1158052" y="374112"/>
-                  </a:lnTo>
-                  <a:lnTo>
-                    <a:pt x="1097102" y="411523"/>
-                  </a:lnTo>
-                  <a:lnTo>
-                    <a:pt x="1036152" y="448934"/>
-                  </a:lnTo>
-                  <a:lnTo>
-                    <a:pt x="975202" y="486346"/>
-                  </a:lnTo>
-                  <a:lnTo>
-                    <a:pt x="914252" y="523757"/>
-                  </a:lnTo>
-                  <a:lnTo>
-                    <a:pt x="853302" y="561168"/>
-                  </a:lnTo>
-                  <a:lnTo>
-                    <a:pt x="792351" y="598579"/>
-                  </a:lnTo>
-                  <a:lnTo>
-                    <a:pt x="731401" y="635991"/>
-                  </a:lnTo>
-                  <a:lnTo>
-                    <a:pt x="670451" y="673402"/>
-                  </a:lnTo>
-                  <a:lnTo>
-                    <a:pt x="609501" y="710813"/>
-                  </a:lnTo>
-                  <a:lnTo>
-                    <a:pt x="548551" y="748224"/>
-                  </a:lnTo>
-                  <a:lnTo>
-                    <a:pt x="487601" y="785636"/>
-                  </a:lnTo>
-                  <a:lnTo>
-                    <a:pt x="426651" y="823047"/>
-                  </a:lnTo>
-                  <a:lnTo>
-                    <a:pt x="365700" y="860458"/>
-                  </a:lnTo>
-                  <a:lnTo>
-                    <a:pt x="304750" y="897869"/>
-                  </a:lnTo>
-                  <a:lnTo>
-                    <a:pt x="243800" y="935280"/>
-                  </a:lnTo>
-                  <a:lnTo>
-                    <a:pt x="182850" y="972692"/>
-                  </a:lnTo>
-                  <a:lnTo>
-                    <a:pt x="121900" y="1010103"/>
-                  </a:lnTo>
-                  <a:lnTo>
-                    <a:pt x="60950" y="1047514"/>
+                    <a:pt x="62275" y="950885"/>
+                  </a:lnTo>
+                  <a:lnTo>
+                    <a:pt x="124551" y="938492"/>
+                  </a:lnTo>
+                  <a:lnTo>
+                    <a:pt x="186827" y="926098"/>
+                  </a:lnTo>
+                  <a:lnTo>
+                    <a:pt x="249103" y="913705"/>
+                  </a:lnTo>
+                  <a:lnTo>
+                    <a:pt x="311379" y="901311"/>
+                  </a:lnTo>
+                  <a:lnTo>
+                    <a:pt x="373655" y="888918"/>
+                  </a:lnTo>
+                  <a:lnTo>
+                    <a:pt x="435931" y="876524"/>
+                  </a:lnTo>
+                  <a:lnTo>
+                    <a:pt x="498207" y="864130"/>
+                  </a:lnTo>
+                  <a:lnTo>
+                    <a:pt x="560483" y="851737"/>
+                  </a:lnTo>
+                  <a:lnTo>
+                    <a:pt x="622759" y="839343"/>
+                  </a:lnTo>
+                  <a:lnTo>
+                    <a:pt x="685035" y="826950"/>
+                  </a:lnTo>
+                  <a:lnTo>
+                    <a:pt x="747311" y="814556"/>
+                  </a:lnTo>
+                  <a:lnTo>
+                    <a:pt x="809587" y="802163"/>
+                  </a:lnTo>
+                  <a:lnTo>
+                    <a:pt x="871863" y="789769"/>
+                  </a:lnTo>
+                  <a:lnTo>
+                    <a:pt x="934139" y="777375"/>
+                  </a:lnTo>
+                  <a:lnTo>
+                    <a:pt x="996415" y="764982"/>
+                  </a:lnTo>
+                  <a:lnTo>
+                    <a:pt x="1058691" y="752588"/>
+                  </a:lnTo>
+                  <a:lnTo>
+                    <a:pt x="1120967" y="740195"/>
+                  </a:lnTo>
+                  <a:lnTo>
+                    <a:pt x="1183243" y="727801"/>
+                  </a:lnTo>
+                  <a:lnTo>
+                    <a:pt x="1245519" y="715408"/>
+                  </a:lnTo>
+                  <a:lnTo>
+                    <a:pt x="1307795" y="703014"/>
+                  </a:lnTo>
+                  <a:lnTo>
+                    <a:pt x="1370071" y="690620"/>
+                  </a:lnTo>
+                  <a:lnTo>
+                    <a:pt x="1432347" y="678227"/>
+                  </a:lnTo>
+                  <a:lnTo>
+                    <a:pt x="1494623" y="665833"/>
+                  </a:lnTo>
+                  <a:lnTo>
+                    <a:pt x="1556899" y="653440"/>
+                  </a:lnTo>
+                  <a:lnTo>
+                    <a:pt x="1619175" y="641046"/>
+                  </a:lnTo>
+                  <a:lnTo>
+                    <a:pt x="1681451" y="628653"/>
+                  </a:lnTo>
+                  <a:lnTo>
+                    <a:pt x="1743727" y="616259"/>
+                  </a:lnTo>
+                  <a:lnTo>
+                    <a:pt x="1806003" y="603865"/>
+                  </a:lnTo>
+                  <a:lnTo>
+                    <a:pt x="1792148" y="540160"/>
+                  </a:lnTo>
+                  <a:lnTo>
+                    <a:pt x="1776047" y="476986"/>
+                  </a:lnTo>
+                  <a:lnTo>
+                    <a:pt x="1757720" y="414421"/>
+                  </a:lnTo>
+                  <a:lnTo>
+                    <a:pt x="1737189" y="352544"/>
+                  </a:lnTo>
+                  <a:lnTo>
+                    <a:pt x="1714481" y="291432"/>
+                  </a:lnTo>
+                  <a:lnTo>
+                    <a:pt x="1689624" y="231163"/>
+                  </a:lnTo>
+                  <a:lnTo>
+                    <a:pt x="1662649" y="171811"/>
+                  </a:lnTo>
+                  <a:lnTo>
+                    <a:pt x="1633590" y="113451"/>
+                  </a:lnTo>
+                  <a:lnTo>
+                    <a:pt x="1602484" y="56157"/>
+                  </a:lnTo>
+                  <a:lnTo>
+                    <a:pt x="1569368" y="0"/>
+                  </a:lnTo>
+                  <a:lnTo>
+                    <a:pt x="1515252" y="33216"/>
+                  </a:lnTo>
+                  <a:lnTo>
+                    <a:pt x="1461136" y="66433"/>
+                  </a:lnTo>
+                  <a:lnTo>
+                    <a:pt x="1407020" y="99649"/>
+                  </a:lnTo>
+                  <a:lnTo>
+                    <a:pt x="1352904" y="132866"/>
+                  </a:lnTo>
+                  <a:lnTo>
+                    <a:pt x="1298788" y="166082"/>
+                  </a:lnTo>
+                  <a:lnTo>
+                    <a:pt x="1244671" y="199299"/>
+                  </a:lnTo>
+                  <a:lnTo>
+                    <a:pt x="1190555" y="232515"/>
+                  </a:lnTo>
+                  <a:lnTo>
+                    <a:pt x="1136439" y="265732"/>
+                  </a:lnTo>
+                  <a:lnTo>
+                    <a:pt x="1082323" y="298948"/>
+                  </a:lnTo>
+                  <a:lnTo>
+                    <a:pt x="1028207" y="332165"/>
+                  </a:lnTo>
+                  <a:lnTo>
+                    <a:pt x="974091" y="365381"/>
+                  </a:lnTo>
+                  <a:lnTo>
+                    <a:pt x="919974" y="398598"/>
+                  </a:lnTo>
+                  <a:lnTo>
+                    <a:pt x="865858" y="431814"/>
+                  </a:lnTo>
+                  <a:lnTo>
+                    <a:pt x="811742" y="465031"/>
+                  </a:lnTo>
+                  <a:lnTo>
+                    <a:pt x="757626" y="498248"/>
+                  </a:lnTo>
+                  <a:lnTo>
+                    <a:pt x="703510" y="531464"/>
+                  </a:lnTo>
+                  <a:lnTo>
+                    <a:pt x="649394" y="564681"/>
+                  </a:lnTo>
+                  <a:lnTo>
+                    <a:pt x="595277" y="597897"/>
+                  </a:lnTo>
+                  <a:lnTo>
+                    <a:pt x="541161" y="631114"/>
+                  </a:lnTo>
+                  <a:lnTo>
+                    <a:pt x="487045" y="664330"/>
+                  </a:lnTo>
+                  <a:lnTo>
+                    <a:pt x="432929" y="697547"/>
+                  </a:lnTo>
+                  <a:lnTo>
+                    <a:pt x="378813" y="730763"/>
+                  </a:lnTo>
+                  <a:lnTo>
+                    <a:pt x="324697" y="763980"/>
+                  </a:lnTo>
+                  <a:lnTo>
+                    <a:pt x="270580" y="797196"/>
+                  </a:lnTo>
+                  <a:lnTo>
+                    <a:pt x="216464" y="830413"/>
+                  </a:lnTo>
+                  <a:lnTo>
+                    <a:pt x="162348" y="863629"/>
+                  </a:lnTo>
+                  <a:lnTo>
+                    <a:pt x="108232" y="896846"/>
+                  </a:lnTo>
+                  <a:lnTo>
+                    <a:pt x="54116" y="930063"/>
                   </a:lnTo>
                   <a:close/>
                 </a:path>
@@ -5482,225 +5936,225 @@
           </p:nvSpPr>
           <p:spPr>
             <a:xfrm>
-              <a:off x="6225266" y="3691865"/>
-              <a:ext cx="2073834" cy="924046"/>
+              <a:off x="6225266" y="3446576"/>
+              <a:ext cx="1841307" cy="820438"/>
             </a:xfrm>
             <a:custGeom>
               <a:avLst/>
               <a:pathLst>
-                <a:path w="2073834" h="924046">
+                <a:path w="1841307" h="820438">
                   <a:moveTo>
-                    <a:pt x="0" y="404801"/>
+                    <a:pt x="0" y="359413"/>
                   </a:moveTo>
                   <a:lnTo>
-                    <a:pt x="69238" y="422706"/>
-                  </a:lnTo>
-                  <a:lnTo>
-                    <a:pt x="138476" y="440611"/>
-                  </a:lnTo>
-                  <a:lnTo>
-                    <a:pt x="207714" y="458516"/>
-                  </a:lnTo>
-                  <a:lnTo>
-                    <a:pt x="276952" y="476421"/>
-                  </a:lnTo>
-                  <a:lnTo>
-                    <a:pt x="346191" y="494326"/>
-                  </a:lnTo>
-                  <a:lnTo>
-                    <a:pt x="415429" y="512231"/>
-                  </a:lnTo>
-                  <a:lnTo>
-                    <a:pt x="484667" y="530136"/>
-                  </a:lnTo>
-                  <a:lnTo>
-                    <a:pt x="553905" y="548041"/>
-                  </a:lnTo>
-                  <a:lnTo>
-                    <a:pt x="623144" y="565946"/>
-                  </a:lnTo>
-                  <a:lnTo>
-                    <a:pt x="692382" y="583851"/>
-                  </a:lnTo>
-                  <a:lnTo>
-                    <a:pt x="761620" y="601756"/>
-                  </a:lnTo>
-                  <a:lnTo>
-                    <a:pt x="830858" y="619661"/>
-                  </a:lnTo>
-                  <a:lnTo>
-                    <a:pt x="900097" y="637566"/>
-                  </a:lnTo>
-                  <a:lnTo>
-                    <a:pt x="969335" y="655471"/>
-                  </a:lnTo>
-                  <a:lnTo>
-                    <a:pt x="1038573" y="673376"/>
-                  </a:lnTo>
-                  <a:lnTo>
-                    <a:pt x="1107811" y="691281"/>
-                  </a:lnTo>
-                  <a:lnTo>
-                    <a:pt x="1177050" y="709186"/>
-                  </a:lnTo>
-                  <a:lnTo>
-                    <a:pt x="1246288" y="727091"/>
-                  </a:lnTo>
-                  <a:lnTo>
-                    <a:pt x="1315526" y="744996"/>
-                  </a:lnTo>
-                  <a:lnTo>
-                    <a:pt x="1384764" y="762901"/>
-                  </a:lnTo>
-                  <a:lnTo>
-                    <a:pt x="1454002" y="780806"/>
-                  </a:lnTo>
-                  <a:lnTo>
-                    <a:pt x="1523241" y="798711"/>
-                  </a:lnTo>
-                  <a:lnTo>
-                    <a:pt x="1592479" y="816616"/>
-                  </a:lnTo>
-                  <a:lnTo>
-                    <a:pt x="1661717" y="834521"/>
-                  </a:lnTo>
-                  <a:lnTo>
-                    <a:pt x="1730955" y="852426"/>
-                  </a:lnTo>
-                  <a:lnTo>
-                    <a:pt x="1800194" y="870331"/>
-                  </a:lnTo>
-                  <a:lnTo>
-                    <a:pt x="1869432" y="888236"/>
-                  </a:lnTo>
-                  <a:lnTo>
-                    <a:pt x="1938670" y="906141"/>
-                  </a:lnTo>
-                  <a:lnTo>
-                    <a:pt x="2007908" y="924046"/>
-                  </a:lnTo>
-                  <a:lnTo>
-                    <a:pt x="2024658" y="854322"/>
-                  </a:lnTo>
-                  <a:lnTo>
-                    <a:pt x="2038988" y="784061"/>
-                  </a:lnTo>
-                  <a:lnTo>
-                    <a:pt x="2050880" y="713346"/>
-                  </a:lnTo>
-                  <a:lnTo>
-                    <a:pt x="2060321" y="642263"/>
-                  </a:lnTo>
-                  <a:lnTo>
-                    <a:pt x="2067299" y="570895"/>
-                  </a:lnTo>
-                  <a:lnTo>
-                    <a:pt x="2071805" y="499330"/>
-                  </a:lnTo>
-                  <a:lnTo>
-                    <a:pt x="2073834" y="427651"/>
-                  </a:lnTo>
-                  <a:lnTo>
-                    <a:pt x="2073385" y="355944"/>
-                  </a:lnTo>
-                  <a:lnTo>
-                    <a:pt x="2070456" y="284297"/>
-                  </a:lnTo>
-                  <a:lnTo>
-                    <a:pt x="2065053" y="212793"/>
-                  </a:lnTo>
-                  <a:lnTo>
-                    <a:pt x="2057181" y="141519"/>
-                  </a:lnTo>
-                  <a:lnTo>
-                    <a:pt x="2046850" y="70559"/>
-                  </a:lnTo>
-                  <a:lnTo>
-                    <a:pt x="2034071" y="0"/>
-                  </a:lnTo>
-                  <a:lnTo>
-                    <a:pt x="1963931" y="13958"/>
-                  </a:lnTo>
-                  <a:lnTo>
-                    <a:pt x="1893791" y="27917"/>
-                  </a:lnTo>
-                  <a:lnTo>
-                    <a:pt x="1823650" y="41876"/>
-                  </a:lnTo>
-                  <a:lnTo>
-                    <a:pt x="1753510" y="55834"/>
-                  </a:lnTo>
-                  <a:lnTo>
-                    <a:pt x="1683369" y="69793"/>
-                  </a:lnTo>
-                  <a:lnTo>
-                    <a:pt x="1613229" y="83752"/>
-                  </a:lnTo>
-                  <a:lnTo>
-                    <a:pt x="1543089" y="97710"/>
-                  </a:lnTo>
-                  <a:lnTo>
-                    <a:pt x="1472948" y="111669"/>
-                  </a:lnTo>
-                  <a:lnTo>
-                    <a:pt x="1402808" y="125628"/>
-                  </a:lnTo>
-                  <a:lnTo>
-                    <a:pt x="1332667" y="139586"/>
-                  </a:lnTo>
-                  <a:lnTo>
-                    <a:pt x="1262527" y="153545"/>
-                  </a:lnTo>
-                  <a:lnTo>
-                    <a:pt x="1192386" y="167504"/>
-                  </a:lnTo>
-                  <a:lnTo>
-                    <a:pt x="1122246" y="181462"/>
-                  </a:lnTo>
-                  <a:lnTo>
-                    <a:pt x="1052106" y="195421"/>
-                  </a:lnTo>
-                  <a:lnTo>
-                    <a:pt x="981965" y="209380"/>
-                  </a:lnTo>
-                  <a:lnTo>
-                    <a:pt x="911825" y="223338"/>
-                  </a:lnTo>
-                  <a:lnTo>
-                    <a:pt x="841684" y="237297"/>
-                  </a:lnTo>
-                  <a:lnTo>
-                    <a:pt x="771544" y="251256"/>
-                  </a:lnTo>
-                  <a:lnTo>
-                    <a:pt x="701404" y="265214"/>
-                  </a:lnTo>
-                  <a:lnTo>
-                    <a:pt x="631263" y="279173"/>
-                  </a:lnTo>
-                  <a:lnTo>
-                    <a:pt x="561123" y="293132"/>
-                  </a:lnTo>
-                  <a:lnTo>
-                    <a:pt x="490982" y="307090"/>
-                  </a:lnTo>
-                  <a:lnTo>
-                    <a:pt x="420842" y="321049"/>
-                  </a:lnTo>
-                  <a:lnTo>
-                    <a:pt x="350702" y="335008"/>
-                  </a:lnTo>
-                  <a:lnTo>
-                    <a:pt x="280561" y="348966"/>
-                  </a:lnTo>
-                  <a:lnTo>
-                    <a:pt x="210421" y="362925"/>
-                  </a:lnTo>
-                  <a:lnTo>
-                    <a:pt x="140280" y="376884"/>
-                  </a:lnTo>
-                  <a:lnTo>
-                    <a:pt x="70140" y="390843"/>
+                    <a:pt x="61474" y="375311"/>
+                  </a:lnTo>
+                  <a:lnTo>
+                    <a:pt x="122949" y="391208"/>
+                  </a:lnTo>
+                  <a:lnTo>
+                    <a:pt x="184424" y="407105"/>
+                  </a:lnTo>
+                  <a:lnTo>
+                    <a:pt x="245899" y="423003"/>
+                  </a:lnTo>
+                  <a:lnTo>
+                    <a:pt x="307374" y="438900"/>
+                  </a:lnTo>
+                  <a:lnTo>
+                    <a:pt x="368849" y="454798"/>
+                  </a:lnTo>
+                  <a:lnTo>
+                    <a:pt x="430324" y="470695"/>
+                  </a:lnTo>
+                  <a:lnTo>
+                    <a:pt x="491799" y="486592"/>
+                  </a:lnTo>
+                  <a:lnTo>
+                    <a:pt x="553274" y="502490"/>
+                  </a:lnTo>
+                  <a:lnTo>
+                    <a:pt x="614749" y="518387"/>
+                  </a:lnTo>
+                  <a:lnTo>
+                    <a:pt x="676224" y="534285"/>
+                  </a:lnTo>
+                  <a:lnTo>
+                    <a:pt x="737699" y="550182"/>
+                  </a:lnTo>
+                  <a:lnTo>
+                    <a:pt x="799174" y="566079"/>
+                  </a:lnTo>
+                  <a:lnTo>
+                    <a:pt x="860649" y="581977"/>
+                  </a:lnTo>
+                  <a:lnTo>
+                    <a:pt x="922124" y="597874"/>
+                  </a:lnTo>
+                  <a:lnTo>
+                    <a:pt x="983599" y="613772"/>
+                  </a:lnTo>
+                  <a:lnTo>
+                    <a:pt x="1045074" y="629669"/>
+                  </a:lnTo>
+                  <a:lnTo>
+                    <a:pt x="1106549" y="645566"/>
+                  </a:lnTo>
+                  <a:lnTo>
+                    <a:pt x="1168024" y="661464"/>
+                  </a:lnTo>
+                  <a:lnTo>
+                    <a:pt x="1229499" y="677361"/>
+                  </a:lnTo>
+                  <a:lnTo>
+                    <a:pt x="1290974" y="693259"/>
+                  </a:lnTo>
+                  <a:lnTo>
+                    <a:pt x="1352449" y="709156"/>
+                  </a:lnTo>
+                  <a:lnTo>
+                    <a:pt x="1413924" y="725053"/>
+                  </a:lnTo>
+                  <a:lnTo>
+                    <a:pt x="1475399" y="740951"/>
+                  </a:lnTo>
+                  <a:lnTo>
+                    <a:pt x="1536873" y="756848"/>
+                  </a:lnTo>
+                  <a:lnTo>
+                    <a:pt x="1598348" y="772746"/>
+                  </a:lnTo>
+                  <a:lnTo>
+                    <a:pt x="1659823" y="788643"/>
+                  </a:lnTo>
+                  <a:lnTo>
+                    <a:pt x="1721298" y="804540"/>
+                  </a:lnTo>
+                  <a:lnTo>
+                    <a:pt x="1782773" y="820438"/>
+                  </a:lnTo>
+                  <a:lnTo>
+                    <a:pt x="1797645" y="758532"/>
+                  </a:lnTo>
+                  <a:lnTo>
+                    <a:pt x="1810368" y="696148"/>
+                  </a:lnTo>
+                  <a:lnTo>
+                    <a:pt x="1820927" y="633363"/>
+                  </a:lnTo>
+                  <a:lnTo>
+                    <a:pt x="1829309" y="570249"/>
+                  </a:lnTo>
+                  <a:lnTo>
+                    <a:pt x="1835504" y="506884"/>
+                  </a:lnTo>
+                  <a:lnTo>
+                    <a:pt x="1839505" y="443343"/>
+                  </a:lnTo>
+                  <a:lnTo>
+                    <a:pt x="1841307" y="379701"/>
+                  </a:lnTo>
+                  <a:lnTo>
+                    <a:pt x="1840908" y="316034"/>
+                  </a:lnTo>
+                  <a:lnTo>
+                    <a:pt x="1838308" y="252420"/>
+                  </a:lnTo>
+                  <a:lnTo>
+                    <a:pt x="1833511" y="188934"/>
+                  </a:lnTo>
+                  <a:lnTo>
+                    <a:pt x="1826521" y="125651"/>
+                  </a:lnTo>
+                  <a:lnTo>
+                    <a:pt x="1817348" y="62648"/>
+                  </a:lnTo>
+                  <a:lnTo>
+                    <a:pt x="1806003" y="0"/>
+                  </a:lnTo>
+                  <a:lnTo>
+                    <a:pt x="1743727" y="12393"/>
+                  </a:lnTo>
+                  <a:lnTo>
+                    <a:pt x="1681451" y="24787"/>
+                  </a:lnTo>
+                  <a:lnTo>
+                    <a:pt x="1619175" y="37180"/>
+                  </a:lnTo>
+                  <a:lnTo>
+                    <a:pt x="1556899" y="49574"/>
+                  </a:lnTo>
+                  <a:lnTo>
+                    <a:pt x="1494623" y="61967"/>
+                  </a:lnTo>
+                  <a:lnTo>
+                    <a:pt x="1432347" y="74361"/>
+                  </a:lnTo>
+                  <a:lnTo>
+                    <a:pt x="1370071" y="86755"/>
+                  </a:lnTo>
+                  <a:lnTo>
+                    <a:pt x="1307795" y="99148"/>
+                  </a:lnTo>
+                  <a:lnTo>
+                    <a:pt x="1245519" y="111542"/>
+                  </a:lnTo>
+                  <a:lnTo>
+                    <a:pt x="1183243" y="123935"/>
+                  </a:lnTo>
+                  <a:lnTo>
+                    <a:pt x="1120967" y="136329"/>
+                  </a:lnTo>
+                  <a:lnTo>
+                    <a:pt x="1058691" y="148722"/>
+                  </a:lnTo>
+                  <a:lnTo>
+                    <a:pt x="996415" y="161116"/>
+                  </a:lnTo>
+                  <a:lnTo>
+                    <a:pt x="934139" y="173510"/>
+                  </a:lnTo>
+                  <a:lnTo>
+                    <a:pt x="871863" y="185903"/>
+                  </a:lnTo>
+                  <a:lnTo>
+                    <a:pt x="809587" y="198297"/>
+                  </a:lnTo>
+                  <a:lnTo>
+                    <a:pt x="747311" y="210690"/>
+                  </a:lnTo>
+                  <a:lnTo>
+                    <a:pt x="685035" y="223084"/>
+                  </a:lnTo>
+                  <a:lnTo>
+                    <a:pt x="622759" y="235477"/>
+                  </a:lnTo>
+                  <a:lnTo>
+                    <a:pt x="560483" y="247871"/>
+                  </a:lnTo>
+                  <a:lnTo>
+                    <a:pt x="498207" y="260265"/>
+                  </a:lnTo>
+                  <a:lnTo>
+                    <a:pt x="435931" y="272658"/>
+                  </a:lnTo>
+                  <a:lnTo>
+                    <a:pt x="373655" y="285052"/>
+                  </a:lnTo>
+                  <a:lnTo>
+                    <a:pt x="311379" y="297445"/>
+                  </a:lnTo>
+                  <a:lnTo>
+                    <a:pt x="249103" y="309839"/>
+                  </a:lnTo>
+                  <a:lnTo>
+                    <a:pt x="186827" y="322232"/>
+                  </a:lnTo>
+                  <a:lnTo>
+                    <a:pt x="124551" y="334626"/>
+                  </a:lnTo>
+                  <a:lnTo>
+                    <a:pt x="62275" y="347020"/>
                   </a:lnTo>
                   <a:close/>
                 </a:path>
@@ -5735,234 +6189,234 @@
           </p:nvSpPr>
           <p:spPr>
             <a:xfrm>
-              <a:off x="6225266" y="4096666"/>
-              <a:ext cx="2007908" cy="1506758"/>
+              <a:off x="6225266" y="3805990"/>
+              <a:ext cx="1782773" cy="1337814"/>
             </a:xfrm>
             <a:custGeom>
               <a:avLst/>
               <a:pathLst>
-                <a:path w="2007908" h="1506758">
+                <a:path w="1782773" h="1337814">
                   <a:moveTo>
                     <a:pt x="0" y="0"/>
                   </a:moveTo>
                   <a:lnTo>
-                    <a:pt x="49142" y="51957"/>
-                  </a:lnTo>
-                  <a:lnTo>
-                    <a:pt x="98284" y="103914"/>
-                  </a:lnTo>
-                  <a:lnTo>
-                    <a:pt x="147427" y="155871"/>
-                  </a:lnTo>
-                  <a:lnTo>
-                    <a:pt x="196569" y="207828"/>
-                  </a:lnTo>
-                  <a:lnTo>
-                    <a:pt x="245711" y="259785"/>
-                  </a:lnTo>
-                  <a:lnTo>
-                    <a:pt x="294854" y="311743"/>
-                  </a:lnTo>
-                  <a:lnTo>
-                    <a:pt x="343996" y="363700"/>
-                  </a:lnTo>
-                  <a:lnTo>
-                    <a:pt x="393139" y="415657"/>
-                  </a:lnTo>
-                  <a:lnTo>
-                    <a:pt x="442281" y="467614"/>
-                  </a:lnTo>
-                  <a:lnTo>
-                    <a:pt x="491423" y="519571"/>
-                  </a:lnTo>
-                  <a:lnTo>
-                    <a:pt x="540566" y="571528"/>
-                  </a:lnTo>
-                  <a:lnTo>
-                    <a:pt x="589708" y="623486"/>
-                  </a:lnTo>
-                  <a:lnTo>
-                    <a:pt x="638850" y="675443"/>
-                  </a:lnTo>
-                  <a:lnTo>
-                    <a:pt x="687993" y="727400"/>
-                  </a:lnTo>
-                  <a:lnTo>
-                    <a:pt x="737135" y="779357"/>
-                  </a:lnTo>
-                  <a:lnTo>
-                    <a:pt x="786278" y="831314"/>
-                  </a:lnTo>
-                  <a:lnTo>
-                    <a:pt x="835420" y="883272"/>
-                  </a:lnTo>
-                  <a:lnTo>
-                    <a:pt x="884562" y="935229"/>
-                  </a:lnTo>
-                  <a:lnTo>
-                    <a:pt x="933705" y="987186"/>
-                  </a:lnTo>
-                  <a:lnTo>
-                    <a:pt x="982847" y="1039143"/>
-                  </a:lnTo>
-                  <a:lnTo>
-                    <a:pt x="1031989" y="1091100"/>
-                  </a:lnTo>
-                  <a:lnTo>
-                    <a:pt x="1081132" y="1143057"/>
-                  </a:lnTo>
-                  <a:lnTo>
-                    <a:pt x="1130274" y="1195015"/>
-                  </a:lnTo>
-                  <a:lnTo>
-                    <a:pt x="1179417" y="1246972"/>
-                  </a:lnTo>
-                  <a:lnTo>
-                    <a:pt x="1228559" y="1298929"/>
-                  </a:lnTo>
-                  <a:lnTo>
-                    <a:pt x="1277701" y="1350886"/>
-                  </a:lnTo>
-                  <a:lnTo>
-                    <a:pt x="1326844" y="1402843"/>
-                  </a:lnTo>
-                  <a:lnTo>
-                    <a:pt x="1375986" y="1454800"/>
-                  </a:lnTo>
-                  <a:lnTo>
-                    <a:pt x="1425129" y="1506758"/>
-                  </a:lnTo>
-                  <a:lnTo>
-                    <a:pt x="1476998" y="1455949"/>
-                  </a:lnTo>
-                  <a:lnTo>
-                    <a:pt x="1527056" y="1403356"/>
-                  </a:lnTo>
-                  <a:lnTo>
-                    <a:pt x="1575244" y="1349043"/>
-                  </a:lnTo>
-                  <a:lnTo>
-                    <a:pt x="1621500" y="1293077"/>
-                  </a:lnTo>
-                  <a:lnTo>
-                    <a:pt x="1665769" y="1235526"/>
-                  </a:lnTo>
-                  <a:lnTo>
-                    <a:pt x="1707996" y="1176460"/>
-                  </a:lnTo>
-                  <a:lnTo>
-                    <a:pt x="1748130" y="1115952"/>
-                  </a:lnTo>
-                  <a:lnTo>
-                    <a:pt x="1786122" y="1054077"/>
-                  </a:lnTo>
-                  <a:lnTo>
-                    <a:pt x="1821924" y="990910"/>
-                  </a:lnTo>
-                  <a:lnTo>
-                    <a:pt x="1855493" y="926528"/>
-                  </a:lnTo>
-                  <a:lnTo>
-                    <a:pt x="1886788" y="861011"/>
-                  </a:lnTo>
-                  <a:lnTo>
-                    <a:pt x="1915771" y="794438"/>
-                  </a:lnTo>
-                  <a:lnTo>
-                    <a:pt x="1942405" y="726892"/>
-                  </a:lnTo>
-                  <a:lnTo>
-                    <a:pt x="1966659" y="658455"/>
-                  </a:lnTo>
-                  <a:lnTo>
-                    <a:pt x="1988502" y="589210"/>
-                  </a:lnTo>
-                  <a:lnTo>
-                    <a:pt x="2007908" y="519244"/>
-                  </a:lnTo>
-                  <a:lnTo>
-                    <a:pt x="1938670" y="501339"/>
-                  </a:lnTo>
-                  <a:lnTo>
-                    <a:pt x="1869432" y="483434"/>
-                  </a:lnTo>
-                  <a:lnTo>
-                    <a:pt x="1800194" y="465529"/>
-                  </a:lnTo>
-                  <a:lnTo>
-                    <a:pt x="1730955" y="447624"/>
-                  </a:lnTo>
-                  <a:lnTo>
-                    <a:pt x="1661717" y="429719"/>
-                  </a:lnTo>
-                  <a:lnTo>
-                    <a:pt x="1592479" y="411814"/>
-                  </a:lnTo>
-                  <a:lnTo>
-                    <a:pt x="1523241" y="393909"/>
-                  </a:lnTo>
-                  <a:lnTo>
-                    <a:pt x="1454002" y="376004"/>
-                  </a:lnTo>
-                  <a:lnTo>
-                    <a:pt x="1384764" y="358099"/>
-                  </a:lnTo>
-                  <a:lnTo>
-                    <a:pt x="1315526" y="340194"/>
-                  </a:lnTo>
-                  <a:lnTo>
-                    <a:pt x="1246288" y="322289"/>
-                  </a:lnTo>
-                  <a:lnTo>
-                    <a:pt x="1177050" y="304384"/>
-                  </a:lnTo>
-                  <a:lnTo>
-                    <a:pt x="1107811" y="286479"/>
-                  </a:lnTo>
-                  <a:lnTo>
-                    <a:pt x="1038573" y="268574"/>
-                  </a:lnTo>
-                  <a:lnTo>
-                    <a:pt x="969335" y="250669"/>
-                  </a:lnTo>
-                  <a:lnTo>
-                    <a:pt x="900097" y="232764"/>
-                  </a:lnTo>
-                  <a:lnTo>
-                    <a:pt x="830858" y="214859"/>
-                  </a:lnTo>
-                  <a:lnTo>
-                    <a:pt x="761620" y="196954"/>
-                  </a:lnTo>
-                  <a:lnTo>
-                    <a:pt x="692382" y="179049"/>
-                  </a:lnTo>
-                  <a:lnTo>
-                    <a:pt x="623144" y="161144"/>
-                  </a:lnTo>
-                  <a:lnTo>
-                    <a:pt x="553905" y="143239"/>
-                  </a:lnTo>
-                  <a:lnTo>
-                    <a:pt x="484667" y="125334"/>
-                  </a:lnTo>
-                  <a:lnTo>
-                    <a:pt x="415429" y="107429"/>
-                  </a:lnTo>
-                  <a:lnTo>
-                    <a:pt x="346191" y="89524"/>
-                  </a:lnTo>
-                  <a:lnTo>
-                    <a:pt x="276952" y="71619"/>
-                  </a:lnTo>
-                  <a:lnTo>
-                    <a:pt x="207714" y="53714"/>
-                  </a:lnTo>
-                  <a:lnTo>
-                    <a:pt x="138476" y="35809"/>
-                  </a:lnTo>
-                  <a:lnTo>
-                    <a:pt x="69238" y="17904"/>
+                    <a:pt x="43632" y="46131"/>
+                  </a:lnTo>
+                  <a:lnTo>
+                    <a:pt x="87264" y="92263"/>
+                  </a:lnTo>
+                  <a:lnTo>
+                    <a:pt x="130897" y="138394"/>
+                  </a:lnTo>
+                  <a:lnTo>
+                    <a:pt x="174529" y="184526"/>
+                  </a:lnTo>
+                  <a:lnTo>
+                    <a:pt x="218161" y="230657"/>
+                  </a:lnTo>
+                  <a:lnTo>
+                    <a:pt x="261794" y="276789"/>
+                  </a:lnTo>
+                  <a:lnTo>
+                    <a:pt x="305426" y="322920"/>
+                  </a:lnTo>
+                  <a:lnTo>
+                    <a:pt x="349058" y="369052"/>
+                  </a:lnTo>
+                  <a:lnTo>
+                    <a:pt x="392691" y="415183"/>
+                  </a:lnTo>
+                  <a:lnTo>
+                    <a:pt x="436323" y="461315"/>
+                  </a:lnTo>
+                  <a:lnTo>
+                    <a:pt x="479955" y="507446"/>
+                  </a:lnTo>
+                  <a:lnTo>
+                    <a:pt x="523588" y="553578"/>
+                  </a:lnTo>
+                  <a:lnTo>
+                    <a:pt x="567220" y="599709"/>
+                  </a:lnTo>
+                  <a:lnTo>
+                    <a:pt x="610852" y="645841"/>
+                  </a:lnTo>
+                  <a:lnTo>
+                    <a:pt x="654485" y="691972"/>
+                  </a:lnTo>
+                  <a:lnTo>
+                    <a:pt x="698117" y="738104"/>
+                  </a:lnTo>
+                  <a:lnTo>
+                    <a:pt x="741749" y="784235"/>
+                  </a:lnTo>
+                  <a:lnTo>
+                    <a:pt x="785382" y="830367"/>
+                  </a:lnTo>
+                  <a:lnTo>
+                    <a:pt x="829014" y="876498"/>
+                  </a:lnTo>
+                  <a:lnTo>
+                    <a:pt x="872646" y="922630"/>
+                  </a:lnTo>
+                  <a:lnTo>
+                    <a:pt x="916279" y="968762"/>
+                  </a:lnTo>
+                  <a:lnTo>
+                    <a:pt x="959911" y="1014893"/>
+                  </a:lnTo>
+                  <a:lnTo>
+                    <a:pt x="1003543" y="1061025"/>
+                  </a:lnTo>
+                  <a:lnTo>
+                    <a:pt x="1047176" y="1107156"/>
+                  </a:lnTo>
+                  <a:lnTo>
+                    <a:pt x="1090808" y="1153288"/>
+                  </a:lnTo>
+                  <a:lnTo>
+                    <a:pt x="1134440" y="1199419"/>
+                  </a:lnTo>
+                  <a:lnTo>
+                    <a:pt x="1178073" y="1245551"/>
+                  </a:lnTo>
+                  <a:lnTo>
+                    <a:pt x="1221705" y="1291682"/>
+                  </a:lnTo>
+                  <a:lnTo>
+                    <a:pt x="1265337" y="1337814"/>
+                  </a:lnTo>
+                  <a:lnTo>
+                    <a:pt x="1311390" y="1292702"/>
+                  </a:lnTo>
+                  <a:lnTo>
+                    <a:pt x="1355836" y="1246006"/>
+                  </a:lnTo>
+                  <a:lnTo>
+                    <a:pt x="1398621" y="1197783"/>
+                  </a:lnTo>
+                  <a:lnTo>
+                    <a:pt x="1439691" y="1148092"/>
+                  </a:lnTo>
+                  <a:lnTo>
+                    <a:pt x="1478996" y="1096993"/>
+                  </a:lnTo>
+                  <a:lnTo>
+                    <a:pt x="1516489" y="1044550"/>
+                  </a:lnTo>
+                  <a:lnTo>
+                    <a:pt x="1552123" y="990827"/>
+                  </a:lnTo>
+                  <a:lnTo>
+                    <a:pt x="1585854" y="935890"/>
+                  </a:lnTo>
+                  <a:lnTo>
+                    <a:pt x="1617642" y="879805"/>
+                  </a:lnTo>
+                  <a:lnTo>
+                    <a:pt x="1647448" y="822642"/>
+                  </a:lnTo>
+                  <a:lnTo>
+                    <a:pt x="1675234" y="764471"/>
+                  </a:lnTo>
+                  <a:lnTo>
+                    <a:pt x="1700967" y="705363"/>
+                  </a:lnTo>
+                  <a:lnTo>
+                    <a:pt x="1724615" y="645390"/>
+                  </a:lnTo>
+                  <a:lnTo>
+                    <a:pt x="1746149" y="584626"/>
+                  </a:lnTo>
+                  <a:lnTo>
+                    <a:pt x="1765543" y="523146"/>
+                  </a:lnTo>
+                  <a:lnTo>
+                    <a:pt x="1782773" y="461024"/>
+                  </a:lnTo>
+                  <a:lnTo>
+                    <a:pt x="1721298" y="445127"/>
+                  </a:lnTo>
+                  <a:lnTo>
+                    <a:pt x="1659823" y="429229"/>
+                  </a:lnTo>
+                  <a:lnTo>
+                    <a:pt x="1598348" y="413332"/>
+                  </a:lnTo>
+                  <a:lnTo>
+                    <a:pt x="1536873" y="397435"/>
+                  </a:lnTo>
+                  <a:lnTo>
+                    <a:pt x="1475399" y="381537"/>
+                  </a:lnTo>
+                  <a:lnTo>
+                    <a:pt x="1413924" y="365640"/>
+                  </a:lnTo>
+                  <a:lnTo>
+                    <a:pt x="1352449" y="349742"/>
+                  </a:lnTo>
+                  <a:lnTo>
+                    <a:pt x="1290974" y="333845"/>
+                  </a:lnTo>
+                  <a:lnTo>
+                    <a:pt x="1229499" y="317948"/>
+                  </a:lnTo>
+                  <a:lnTo>
+                    <a:pt x="1168024" y="302050"/>
+                  </a:lnTo>
+                  <a:lnTo>
+                    <a:pt x="1106549" y="286153"/>
+                  </a:lnTo>
+                  <a:lnTo>
+                    <a:pt x="1045074" y="270255"/>
+                  </a:lnTo>
+                  <a:lnTo>
+                    <a:pt x="983599" y="254358"/>
+                  </a:lnTo>
+                  <a:lnTo>
+                    <a:pt x="922124" y="238461"/>
+                  </a:lnTo>
+                  <a:lnTo>
+                    <a:pt x="860649" y="222563"/>
+                  </a:lnTo>
+                  <a:lnTo>
+                    <a:pt x="799174" y="206666"/>
+                  </a:lnTo>
+                  <a:lnTo>
+                    <a:pt x="737699" y="190768"/>
+                  </a:lnTo>
+                  <a:lnTo>
+                    <a:pt x="676224" y="174871"/>
+                  </a:lnTo>
+                  <a:lnTo>
+                    <a:pt x="614749" y="158974"/>
+                  </a:lnTo>
+                  <a:lnTo>
+                    <a:pt x="553274" y="143076"/>
+                  </a:lnTo>
+                  <a:lnTo>
+                    <a:pt x="491799" y="127179"/>
+                  </a:lnTo>
+                  <a:lnTo>
+                    <a:pt x="430324" y="111281"/>
+                  </a:lnTo>
+                  <a:lnTo>
+                    <a:pt x="368849" y="95384"/>
+                  </a:lnTo>
+                  <a:lnTo>
+                    <a:pt x="307374" y="79487"/>
+                  </a:lnTo>
+                  <a:lnTo>
+                    <a:pt x="245899" y="63589"/>
+                  </a:lnTo>
+                  <a:lnTo>
+                    <a:pt x="184424" y="47692"/>
+                  </a:lnTo>
+                  <a:lnTo>
+                    <a:pt x="122949" y="31794"/>
+                  </a:lnTo>
+                  <a:lnTo>
+                    <a:pt x="61474" y="15897"/>
                   </a:lnTo>
                   <a:close/>
                 </a:path>
@@ -5997,240 +6451,240 @@
           </p:nvSpPr>
           <p:spPr>
             <a:xfrm>
-              <a:off x="6225266" y="4096666"/>
-              <a:ext cx="1425129" cy="2056738"/>
+              <a:off x="6225266" y="3805990"/>
+              <a:ext cx="1265337" cy="1826128"/>
             </a:xfrm>
             <a:custGeom>
               <a:avLst/>
               <a:pathLst>
-                <a:path w="1425129" h="2056738">
+                <a:path w="1265337" h="1826128">
                   <a:moveTo>
                     <a:pt x="0" y="0"/>
                   </a:moveTo>
                   <a:lnTo>
-                    <a:pt x="9197" y="70922"/>
-                  </a:lnTo>
-                  <a:lnTo>
-                    <a:pt x="18394" y="141844"/>
-                  </a:lnTo>
-                  <a:lnTo>
-                    <a:pt x="27591" y="212766"/>
-                  </a:lnTo>
-                  <a:lnTo>
-                    <a:pt x="36788" y="283688"/>
-                  </a:lnTo>
-                  <a:lnTo>
-                    <a:pt x="45986" y="354610"/>
-                  </a:lnTo>
-                  <a:lnTo>
-                    <a:pt x="55183" y="425532"/>
-                  </a:lnTo>
-                  <a:lnTo>
-                    <a:pt x="64380" y="496454"/>
-                  </a:lnTo>
-                  <a:lnTo>
-                    <a:pt x="73577" y="567376"/>
-                  </a:lnTo>
-                  <a:lnTo>
-                    <a:pt x="82774" y="638298"/>
-                  </a:lnTo>
-                  <a:lnTo>
-                    <a:pt x="91972" y="709220"/>
-                  </a:lnTo>
-                  <a:lnTo>
-                    <a:pt x="101169" y="780142"/>
-                  </a:lnTo>
-                  <a:lnTo>
-                    <a:pt x="110366" y="851064"/>
-                  </a:lnTo>
-                  <a:lnTo>
-                    <a:pt x="119563" y="921986"/>
-                  </a:lnTo>
-                  <a:lnTo>
-                    <a:pt x="128760" y="992908"/>
-                  </a:lnTo>
-                  <a:lnTo>
-                    <a:pt x="137958" y="1063830"/>
-                  </a:lnTo>
-                  <a:lnTo>
-                    <a:pt x="147155" y="1134752"/>
-                  </a:lnTo>
-                  <a:lnTo>
-                    <a:pt x="156352" y="1205674"/>
-                  </a:lnTo>
-                  <a:lnTo>
-                    <a:pt x="165549" y="1276596"/>
-                  </a:lnTo>
-                  <a:lnTo>
-                    <a:pt x="174746" y="1347518"/>
-                  </a:lnTo>
-                  <a:lnTo>
-                    <a:pt x="183944" y="1418440"/>
-                  </a:lnTo>
-                  <a:lnTo>
-                    <a:pt x="193141" y="1489362"/>
-                  </a:lnTo>
-                  <a:lnTo>
-                    <a:pt x="202338" y="1560284"/>
-                  </a:lnTo>
-                  <a:lnTo>
-                    <a:pt x="211535" y="1631206"/>
-                  </a:lnTo>
-                  <a:lnTo>
-                    <a:pt x="220732" y="1702128"/>
-                  </a:lnTo>
-                  <a:lnTo>
-                    <a:pt x="229930" y="1773050"/>
-                  </a:lnTo>
-                  <a:lnTo>
-                    <a:pt x="239127" y="1843972"/>
-                  </a:lnTo>
-                  <a:lnTo>
-                    <a:pt x="248324" y="1914894"/>
-                  </a:lnTo>
-                  <a:lnTo>
-                    <a:pt x="257521" y="1985816"/>
-                  </a:lnTo>
-                  <a:lnTo>
-                    <a:pt x="266718" y="2056738"/>
-                  </a:lnTo>
-                  <a:lnTo>
-                    <a:pt x="338367" y="2046172"/>
-                  </a:lnTo>
-                  <a:lnTo>
-                    <a:pt x="409604" y="2033110"/>
-                  </a:lnTo>
-                  <a:lnTo>
-                    <a:pt x="480341" y="2017569"/>
-                  </a:lnTo>
-                  <a:lnTo>
-                    <a:pt x="550492" y="1999567"/>
-                  </a:lnTo>
-                  <a:lnTo>
-                    <a:pt x="619971" y="1979127"/>
-                  </a:lnTo>
-                  <a:lnTo>
-                    <a:pt x="688695" y="1956274"/>
-                  </a:lnTo>
-                  <a:lnTo>
-                    <a:pt x="756579" y="1931035"/>
-                  </a:lnTo>
-                  <a:lnTo>
-                    <a:pt x="823541" y="1903442"/>
-                  </a:lnTo>
-                  <a:lnTo>
-                    <a:pt x="889498" y="1873527"/>
-                  </a:lnTo>
-                  <a:lnTo>
-                    <a:pt x="954370" y="1841328"/>
-                  </a:lnTo>
-                  <a:lnTo>
-                    <a:pt x="1018079" y="1806883"/>
-                  </a:lnTo>
-                  <a:lnTo>
-                    <a:pt x="1080546" y="1770235"/>
-                  </a:lnTo>
-                  <a:lnTo>
-                    <a:pt x="1141695" y="1731428"/>
-                  </a:lnTo>
-                  <a:lnTo>
-                    <a:pt x="1201452" y="1690509"/>
-                  </a:lnTo>
-                  <a:lnTo>
-                    <a:pt x="1259744" y="1647530"/>
-                  </a:lnTo>
-                  <a:lnTo>
-                    <a:pt x="1316500" y="1602541"/>
-                  </a:lnTo>
-                  <a:lnTo>
-                    <a:pt x="1371651" y="1555598"/>
-                  </a:lnTo>
-                  <a:lnTo>
-                    <a:pt x="1425129" y="1506758"/>
-                  </a:lnTo>
-                  <a:lnTo>
-                    <a:pt x="1375986" y="1454800"/>
-                  </a:lnTo>
-                  <a:lnTo>
-                    <a:pt x="1326844" y="1402843"/>
-                  </a:lnTo>
-                  <a:lnTo>
-                    <a:pt x="1277701" y="1350886"/>
-                  </a:lnTo>
-                  <a:lnTo>
-                    <a:pt x="1228559" y="1298929"/>
-                  </a:lnTo>
-                  <a:lnTo>
-                    <a:pt x="1179417" y="1246972"/>
-                  </a:lnTo>
-                  <a:lnTo>
-                    <a:pt x="1130274" y="1195015"/>
-                  </a:lnTo>
-                  <a:lnTo>
-                    <a:pt x="1081132" y="1143057"/>
-                  </a:lnTo>
-                  <a:lnTo>
-                    <a:pt x="1031989" y="1091100"/>
-                  </a:lnTo>
-                  <a:lnTo>
-                    <a:pt x="982847" y="1039143"/>
-                  </a:lnTo>
-                  <a:lnTo>
-                    <a:pt x="933705" y="987186"/>
-                  </a:lnTo>
-                  <a:lnTo>
-                    <a:pt x="884562" y="935229"/>
-                  </a:lnTo>
-                  <a:lnTo>
-                    <a:pt x="835420" y="883272"/>
-                  </a:lnTo>
-                  <a:lnTo>
-                    <a:pt x="786278" y="831314"/>
-                  </a:lnTo>
-                  <a:lnTo>
-                    <a:pt x="737135" y="779357"/>
-                  </a:lnTo>
-                  <a:lnTo>
-                    <a:pt x="687993" y="727400"/>
-                  </a:lnTo>
-                  <a:lnTo>
-                    <a:pt x="638850" y="675443"/>
-                  </a:lnTo>
-                  <a:lnTo>
-                    <a:pt x="589708" y="623486"/>
-                  </a:lnTo>
-                  <a:lnTo>
-                    <a:pt x="540566" y="571528"/>
-                  </a:lnTo>
-                  <a:lnTo>
-                    <a:pt x="491423" y="519571"/>
-                  </a:lnTo>
-                  <a:lnTo>
-                    <a:pt x="442281" y="467614"/>
-                  </a:lnTo>
-                  <a:lnTo>
-                    <a:pt x="393139" y="415657"/>
-                  </a:lnTo>
-                  <a:lnTo>
-                    <a:pt x="343996" y="363700"/>
-                  </a:lnTo>
-                  <a:lnTo>
-                    <a:pt x="294854" y="311743"/>
-                  </a:lnTo>
-                  <a:lnTo>
-                    <a:pt x="245711" y="259785"/>
-                  </a:lnTo>
-                  <a:lnTo>
-                    <a:pt x="196569" y="207828"/>
-                  </a:lnTo>
-                  <a:lnTo>
-                    <a:pt x="147427" y="155871"/>
-                  </a:lnTo>
-                  <a:lnTo>
-                    <a:pt x="98284" y="103914"/>
-                  </a:lnTo>
-                  <a:lnTo>
-                    <a:pt x="49142" y="51957"/>
+                    <a:pt x="8165" y="62969"/>
+                  </a:lnTo>
+                  <a:lnTo>
+                    <a:pt x="16331" y="125939"/>
+                  </a:lnTo>
+                  <a:lnTo>
+                    <a:pt x="24497" y="188909"/>
+                  </a:lnTo>
+                  <a:lnTo>
+                    <a:pt x="32663" y="251879"/>
+                  </a:lnTo>
+                  <a:lnTo>
+                    <a:pt x="40829" y="314849"/>
+                  </a:lnTo>
+                  <a:lnTo>
+                    <a:pt x="48995" y="377819"/>
+                  </a:lnTo>
+                  <a:lnTo>
+                    <a:pt x="57161" y="440789"/>
+                  </a:lnTo>
+                  <a:lnTo>
+                    <a:pt x="65327" y="503759"/>
+                  </a:lnTo>
+                  <a:lnTo>
+                    <a:pt x="73493" y="566729"/>
+                  </a:lnTo>
+                  <a:lnTo>
+                    <a:pt x="81659" y="629699"/>
+                  </a:lnTo>
+                  <a:lnTo>
+                    <a:pt x="89825" y="692669"/>
+                  </a:lnTo>
+                  <a:lnTo>
+                    <a:pt x="97991" y="755639"/>
+                  </a:lnTo>
+                  <a:lnTo>
+                    <a:pt x="106157" y="818609"/>
+                  </a:lnTo>
+                  <a:lnTo>
+                    <a:pt x="114323" y="881579"/>
+                  </a:lnTo>
+                  <a:lnTo>
+                    <a:pt x="122489" y="944549"/>
+                  </a:lnTo>
+                  <a:lnTo>
+                    <a:pt x="130655" y="1007519"/>
+                  </a:lnTo>
+                  <a:lnTo>
+                    <a:pt x="138821" y="1070489"/>
+                  </a:lnTo>
+                  <a:lnTo>
+                    <a:pt x="146987" y="1133459"/>
+                  </a:lnTo>
+                  <a:lnTo>
+                    <a:pt x="155153" y="1196429"/>
+                  </a:lnTo>
+                  <a:lnTo>
+                    <a:pt x="163319" y="1259399"/>
+                  </a:lnTo>
+                  <a:lnTo>
+                    <a:pt x="171485" y="1322368"/>
+                  </a:lnTo>
+                  <a:lnTo>
+                    <a:pt x="179651" y="1385338"/>
+                  </a:lnTo>
+                  <a:lnTo>
+                    <a:pt x="187817" y="1448308"/>
+                  </a:lnTo>
+                  <a:lnTo>
+                    <a:pt x="195983" y="1511278"/>
+                  </a:lnTo>
+                  <a:lnTo>
+                    <a:pt x="204149" y="1574248"/>
+                  </a:lnTo>
+                  <a:lnTo>
+                    <a:pt x="212315" y="1637218"/>
+                  </a:lnTo>
+                  <a:lnTo>
+                    <a:pt x="220481" y="1700188"/>
+                  </a:lnTo>
+                  <a:lnTo>
+                    <a:pt x="228647" y="1763158"/>
+                  </a:lnTo>
+                  <a:lnTo>
+                    <a:pt x="236813" y="1826128"/>
+                  </a:lnTo>
+                  <a:lnTo>
+                    <a:pt x="300428" y="1816746"/>
+                  </a:lnTo>
+                  <a:lnTo>
+                    <a:pt x="363677" y="1805149"/>
+                  </a:lnTo>
+                  <a:lnTo>
+                    <a:pt x="426483" y="1791350"/>
+                  </a:lnTo>
+                  <a:lnTo>
+                    <a:pt x="488768" y="1775367"/>
+                  </a:lnTo>
+                  <a:lnTo>
+                    <a:pt x="550458" y="1757219"/>
+                  </a:lnTo>
+                  <a:lnTo>
+                    <a:pt x="611476" y="1736929"/>
+                  </a:lnTo>
+                  <a:lnTo>
+                    <a:pt x="671748" y="1714520"/>
+                  </a:lnTo>
+                  <a:lnTo>
+                    <a:pt x="731202" y="1690020"/>
+                  </a:lnTo>
+                  <a:lnTo>
+                    <a:pt x="789763" y="1663459"/>
+                  </a:lnTo>
+                  <a:lnTo>
+                    <a:pt x="847362" y="1634870"/>
+                  </a:lnTo>
+                  <a:lnTo>
+                    <a:pt x="903927" y="1604288"/>
+                  </a:lnTo>
+                  <a:lnTo>
+                    <a:pt x="959390" y="1571749"/>
+                  </a:lnTo>
+                  <a:lnTo>
+                    <a:pt x="1013683" y="1537293"/>
+                  </a:lnTo>
+                  <a:lnTo>
+                    <a:pt x="1066740" y="1500963"/>
+                  </a:lnTo>
+                  <a:lnTo>
+                    <a:pt x="1118497" y="1462802"/>
+                  </a:lnTo>
+                  <a:lnTo>
+                    <a:pt x="1168889" y="1422857"/>
+                  </a:lnTo>
+                  <a:lnTo>
+                    <a:pt x="1217856" y="1381178"/>
+                  </a:lnTo>
+                  <a:lnTo>
+                    <a:pt x="1265337" y="1337814"/>
+                  </a:lnTo>
+                  <a:lnTo>
+                    <a:pt x="1221705" y="1291682"/>
+                  </a:lnTo>
+                  <a:lnTo>
+                    <a:pt x="1178073" y="1245551"/>
+                  </a:lnTo>
+                  <a:lnTo>
+                    <a:pt x="1134440" y="1199419"/>
+                  </a:lnTo>
+                  <a:lnTo>
+                    <a:pt x="1090808" y="1153288"/>
+                  </a:lnTo>
+                  <a:lnTo>
+                    <a:pt x="1047176" y="1107156"/>
+                  </a:lnTo>
+                  <a:lnTo>
+                    <a:pt x="1003543" y="1061025"/>
+                  </a:lnTo>
+                  <a:lnTo>
+                    <a:pt x="959911" y="1014893"/>
+                  </a:lnTo>
+                  <a:lnTo>
+                    <a:pt x="916279" y="968762"/>
+                  </a:lnTo>
+                  <a:lnTo>
+                    <a:pt x="872646" y="922630"/>
+                  </a:lnTo>
+                  <a:lnTo>
+                    <a:pt x="829014" y="876498"/>
+                  </a:lnTo>
+                  <a:lnTo>
+                    <a:pt x="785382" y="830367"/>
+                  </a:lnTo>
+                  <a:lnTo>
+                    <a:pt x="741749" y="784235"/>
+                  </a:lnTo>
+                  <a:lnTo>
+                    <a:pt x="698117" y="738104"/>
+                  </a:lnTo>
+                  <a:lnTo>
+                    <a:pt x="654485" y="691972"/>
+                  </a:lnTo>
+                  <a:lnTo>
+                    <a:pt x="610852" y="645841"/>
+                  </a:lnTo>
+                  <a:lnTo>
+                    <a:pt x="567220" y="599709"/>
+                  </a:lnTo>
+                  <a:lnTo>
+                    <a:pt x="523588" y="553578"/>
+                  </a:lnTo>
+                  <a:lnTo>
+                    <a:pt x="479955" y="507446"/>
+                  </a:lnTo>
+                  <a:lnTo>
+                    <a:pt x="436323" y="461315"/>
+                  </a:lnTo>
+                  <a:lnTo>
+                    <a:pt x="392691" y="415183"/>
+                  </a:lnTo>
+                  <a:lnTo>
+                    <a:pt x="349058" y="369052"/>
+                  </a:lnTo>
+                  <a:lnTo>
+                    <a:pt x="305426" y="322920"/>
+                  </a:lnTo>
+                  <a:lnTo>
+                    <a:pt x="261794" y="276789"/>
+                  </a:lnTo>
+                  <a:lnTo>
+                    <a:pt x="218161" y="230657"/>
+                  </a:lnTo>
+                  <a:lnTo>
+                    <a:pt x="174529" y="184526"/>
+                  </a:lnTo>
+                  <a:lnTo>
+                    <a:pt x="130897" y="138394"/>
+                  </a:lnTo>
+                  <a:lnTo>
+                    <a:pt x="87264" y="92263"/>
+                  </a:lnTo>
+                  <a:lnTo>
+                    <a:pt x="43632" y="46131"/>
                   </a:lnTo>
                   <a:close/>
                 </a:path>
@@ -6265,255 +6719,255 @@
           </p:nvSpPr>
           <p:spPr>
             <a:xfrm>
-              <a:off x="4963257" y="4096666"/>
-              <a:ext cx="1528728" cy="2073906"/>
+              <a:off x="5104758" y="3805990"/>
+              <a:ext cx="1357321" cy="1841371"/>
             </a:xfrm>
             <a:custGeom>
               <a:avLst/>
               <a:pathLst>
-                <a:path w="1528728" h="2073906">
+                <a:path w="1357321" h="1841371">
                   <a:moveTo>
-                    <a:pt x="1262009" y="0"/>
+                    <a:pt x="1120507" y="0"/>
                   </a:moveTo>
                   <a:lnTo>
-                    <a:pt x="1218492" y="56751"/>
-                  </a:lnTo>
-                  <a:lnTo>
-                    <a:pt x="1174974" y="113503"/>
-                  </a:lnTo>
-                  <a:lnTo>
-                    <a:pt x="1131456" y="170254"/>
-                  </a:lnTo>
-                  <a:lnTo>
-                    <a:pt x="1087939" y="227006"/>
-                  </a:lnTo>
-                  <a:lnTo>
-                    <a:pt x="1044421" y="283757"/>
-                  </a:lnTo>
-                  <a:lnTo>
-                    <a:pt x="1000904" y="340509"/>
-                  </a:lnTo>
-                  <a:lnTo>
-                    <a:pt x="957386" y="397261"/>
-                  </a:lnTo>
-                  <a:lnTo>
-                    <a:pt x="913869" y="454012"/>
-                  </a:lnTo>
-                  <a:lnTo>
-                    <a:pt x="870351" y="510764"/>
-                  </a:lnTo>
-                  <a:lnTo>
-                    <a:pt x="826833" y="567515"/>
-                  </a:lnTo>
-                  <a:lnTo>
-                    <a:pt x="783316" y="624267"/>
-                  </a:lnTo>
-                  <a:lnTo>
-                    <a:pt x="739798" y="681019"/>
-                  </a:lnTo>
-                  <a:lnTo>
-                    <a:pt x="696281" y="737770"/>
-                  </a:lnTo>
-                  <a:lnTo>
-                    <a:pt x="652763" y="794522"/>
-                  </a:lnTo>
-                  <a:lnTo>
-                    <a:pt x="609246" y="851273"/>
-                  </a:lnTo>
-                  <a:lnTo>
-                    <a:pt x="565728" y="908025"/>
-                  </a:lnTo>
-                  <a:lnTo>
-                    <a:pt x="522210" y="964776"/>
-                  </a:lnTo>
-                  <a:lnTo>
-                    <a:pt x="478693" y="1021528"/>
-                  </a:lnTo>
-                  <a:lnTo>
-                    <a:pt x="435175" y="1078280"/>
-                  </a:lnTo>
-                  <a:lnTo>
-                    <a:pt x="391658" y="1135031"/>
-                  </a:lnTo>
-                  <a:lnTo>
-                    <a:pt x="348140" y="1191783"/>
-                  </a:lnTo>
-                  <a:lnTo>
-                    <a:pt x="304623" y="1248534"/>
-                  </a:lnTo>
-                  <a:lnTo>
-                    <a:pt x="261105" y="1305286"/>
-                  </a:lnTo>
-                  <a:lnTo>
-                    <a:pt x="217587" y="1362038"/>
-                  </a:lnTo>
-                  <a:lnTo>
-                    <a:pt x="174070" y="1418789"/>
-                  </a:lnTo>
-                  <a:lnTo>
-                    <a:pt x="130552" y="1475541"/>
-                  </a:lnTo>
-                  <a:lnTo>
-                    <a:pt x="87035" y="1532292"/>
-                  </a:lnTo>
-                  <a:lnTo>
-                    <a:pt x="43517" y="1589044"/>
-                  </a:lnTo>
-                  <a:lnTo>
-                    <a:pt x="0" y="1645796"/>
-                  </a:lnTo>
-                  <a:lnTo>
-                    <a:pt x="56758" y="1687804"/>
-                  </a:lnTo>
-                  <a:lnTo>
-                    <a:pt x="114914" y="1727855"/>
-                  </a:lnTo>
-                  <a:lnTo>
-                    <a:pt x="174400" y="1765904"/>
-                  </a:lnTo>
-                  <a:lnTo>
-                    <a:pt x="235146" y="1801906"/>
-                  </a:lnTo>
-                  <a:lnTo>
-                    <a:pt x="297083" y="1835818"/>
-                  </a:lnTo>
-                  <a:lnTo>
-                    <a:pt x="360139" y="1867603"/>
-                  </a:lnTo>
-                  <a:lnTo>
-                    <a:pt x="424240" y="1897223"/>
-                  </a:lnTo>
-                  <a:lnTo>
-                    <a:pt x="489312" y="1924643"/>
-                  </a:lnTo>
-                  <a:lnTo>
-                    <a:pt x="555280" y="1949832"/>
-                  </a:lnTo>
-                  <a:lnTo>
-                    <a:pt x="622067" y="1972761"/>
-                  </a:lnTo>
-                  <a:lnTo>
-                    <a:pt x="689596" y="1993403"/>
-                  </a:lnTo>
-                  <a:lnTo>
-                    <a:pt x="757788" y="2011734"/>
-                  </a:lnTo>
-                  <a:lnTo>
-                    <a:pt x="826565" y="2027733"/>
-                  </a:lnTo>
-                  <a:lnTo>
-                    <a:pt x="895847" y="2041381"/>
-                  </a:lnTo>
-                  <a:lnTo>
-                    <a:pt x="965553" y="2052663"/>
-                  </a:lnTo>
-                  <a:lnTo>
-                    <a:pt x="1035603" y="2061565"/>
-                  </a:lnTo>
-                  <a:lnTo>
-                    <a:pt x="1105916" y="2068078"/>
-                  </a:lnTo>
-                  <a:lnTo>
-                    <a:pt x="1176409" y="2072193"/>
-                  </a:lnTo>
-                  <a:lnTo>
-                    <a:pt x="1247002" y="2073906"/>
-                  </a:lnTo>
-                  <a:lnTo>
-                    <a:pt x="1317612" y="2073215"/>
-                  </a:lnTo>
-                  <a:lnTo>
-                    <a:pt x="1388157" y="2070120"/>
-                  </a:lnTo>
-                  <a:lnTo>
-                    <a:pt x="1458557" y="2064626"/>
-                  </a:lnTo>
-                  <a:lnTo>
-                    <a:pt x="1528728" y="2056738"/>
-                  </a:lnTo>
-                  <a:lnTo>
-                    <a:pt x="1519531" y="1985816"/>
-                  </a:lnTo>
-                  <a:lnTo>
-                    <a:pt x="1510334" y="1914894"/>
-                  </a:lnTo>
-                  <a:lnTo>
-                    <a:pt x="1501136" y="1843972"/>
-                  </a:lnTo>
-                  <a:lnTo>
-                    <a:pt x="1491939" y="1773050"/>
-                  </a:lnTo>
-                  <a:lnTo>
-                    <a:pt x="1482742" y="1702128"/>
-                  </a:lnTo>
-                  <a:lnTo>
-                    <a:pt x="1473545" y="1631206"/>
-                  </a:lnTo>
-                  <a:lnTo>
-                    <a:pt x="1464348" y="1560284"/>
-                  </a:lnTo>
-                  <a:lnTo>
-                    <a:pt x="1455150" y="1489362"/>
-                  </a:lnTo>
-                  <a:lnTo>
-                    <a:pt x="1445953" y="1418440"/>
-                  </a:lnTo>
-                  <a:lnTo>
-                    <a:pt x="1436756" y="1347518"/>
-                  </a:lnTo>
-                  <a:lnTo>
-                    <a:pt x="1427559" y="1276596"/>
-                  </a:lnTo>
-                  <a:lnTo>
-                    <a:pt x="1418362" y="1205674"/>
-                  </a:lnTo>
-                  <a:lnTo>
-                    <a:pt x="1409164" y="1134752"/>
-                  </a:lnTo>
-                  <a:lnTo>
-                    <a:pt x="1399967" y="1063830"/>
-                  </a:lnTo>
-                  <a:lnTo>
-                    <a:pt x="1390770" y="992908"/>
-                  </a:lnTo>
-                  <a:lnTo>
-                    <a:pt x="1381573" y="921986"/>
-                  </a:lnTo>
-                  <a:lnTo>
-                    <a:pt x="1372376" y="851064"/>
-                  </a:lnTo>
-                  <a:lnTo>
-                    <a:pt x="1363178" y="780142"/>
-                  </a:lnTo>
-                  <a:lnTo>
-                    <a:pt x="1353981" y="709220"/>
-                  </a:lnTo>
-                  <a:lnTo>
-                    <a:pt x="1344784" y="638298"/>
-                  </a:lnTo>
-                  <a:lnTo>
-                    <a:pt x="1335587" y="567376"/>
-                  </a:lnTo>
-                  <a:lnTo>
-                    <a:pt x="1326390" y="496454"/>
-                  </a:lnTo>
-                  <a:lnTo>
-                    <a:pt x="1317192" y="425532"/>
-                  </a:lnTo>
-                  <a:lnTo>
-                    <a:pt x="1307995" y="354610"/>
-                  </a:lnTo>
-                  <a:lnTo>
-                    <a:pt x="1298798" y="283688"/>
-                  </a:lnTo>
-                  <a:lnTo>
-                    <a:pt x="1289601" y="212766"/>
-                  </a:lnTo>
-                  <a:lnTo>
-                    <a:pt x="1280404" y="141844"/>
-                  </a:lnTo>
-                  <a:lnTo>
-                    <a:pt x="1271206" y="70922"/>
+                    <a:pt x="1081869" y="50388"/>
+                  </a:lnTo>
+                  <a:lnTo>
+                    <a:pt x="1043231" y="100776"/>
+                  </a:lnTo>
+                  <a:lnTo>
+                    <a:pt x="1004593" y="151165"/>
+                  </a:lnTo>
+                  <a:lnTo>
+                    <a:pt x="965955" y="201553"/>
+                  </a:lnTo>
+                  <a:lnTo>
+                    <a:pt x="927316" y="251941"/>
+                  </a:lnTo>
+                  <a:lnTo>
+                    <a:pt x="888678" y="302330"/>
+                  </a:lnTo>
+                  <a:lnTo>
+                    <a:pt x="850040" y="352718"/>
+                  </a:lnTo>
+                  <a:lnTo>
+                    <a:pt x="811402" y="403106"/>
+                  </a:lnTo>
+                  <a:lnTo>
+                    <a:pt x="772764" y="453495"/>
+                  </a:lnTo>
+                  <a:lnTo>
+                    <a:pt x="734125" y="503883"/>
+                  </a:lnTo>
+                  <a:lnTo>
+                    <a:pt x="695487" y="554272"/>
+                  </a:lnTo>
+                  <a:lnTo>
+                    <a:pt x="656849" y="604660"/>
+                  </a:lnTo>
+                  <a:lnTo>
+                    <a:pt x="618211" y="655048"/>
+                  </a:lnTo>
+                  <a:lnTo>
+                    <a:pt x="579573" y="705437"/>
+                  </a:lnTo>
+                  <a:lnTo>
+                    <a:pt x="540934" y="755825"/>
+                  </a:lnTo>
+                  <a:lnTo>
+                    <a:pt x="502296" y="806213"/>
+                  </a:lnTo>
+                  <a:lnTo>
+                    <a:pt x="463658" y="856602"/>
+                  </a:lnTo>
+                  <a:lnTo>
+                    <a:pt x="425020" y="906990"/>
+                  </a:lnTo>
+                  <a:lnTo>
+                    <a:pt x="386382" y="957378"/>
+                  </a:lnTo>
+                  <a:lnTo>
+                    <a:pt x="347743" y="1007767"/>
+                  </a:lnTo>
+                  <a:lnTo>
+                    <a:pt x="309105" y="1058155"/>
+                  </a:lnTo>
+                  <a:lnTo>
+                    <a:pt x="270467" y="1108544"/>
+                  </a:lnTo>
+                  <a:lnTo>
+                    <a:pt x="231829" y="1158932"/>
+                  </a:lnTo>
+                  <a:lnTo>
+                    <a:pt x="193191" y="1209320"/>
+                  </a:lnTo>
+                  <a:lnTo>
+                    <a:pt x="154552" y="1259709"/>
+                  </a:lnTo>
+                  <a:lnTo>
+                    <a:pt x="115914" y="1310097"/>
+                  </a:lnTo>
+                  <a:lnTo>
+                    <a:pt x="77276" y="1360485"/>
+                  </a:lnTo>
+                  <a:lnTo>
+                    <a:pt x="38638" y="1410874"/>
+                  </a:lnTo>
+                  <a:lnTo>
+                    <a:pt x="0" y="1461262"/>
+                  </a:lnTo>
+                  <a:lnTo>
+                    <a:pt x="50394" y="1498560"/>
+                  </a:lnTo>
+                  <a:lnTo>
+                    <a:pt x="102029" y="1534121"/>
+                  </a:lnTo>
+                  <a:lnTo>
+                    <a:pt x="154845" y="1567904"/>
+                  </a:lnTo>
+                  <a:lnTo>
+                    <a:pt x="208781" y="1599868"/>
+                  </a:lnTo>
+                  <a:lnTo>
+                    <a:pt x="263773" y="1629979"/>
+                  </a:lnTo>
+                  <a:lnTo>
+                    <a:pt x="319758" y="1658200"/>
+                  </a:lnTo>
+                  <a:lnTo>
+                    <a:pt x="376672" y="1684498"/>
+                  </a:lnTo>
+                  <a:lnTo>
+                    <a:pt x="434448" y="1708844"/>
+                  </a:lnTo>
+                  <a:lnTo>
+                    <a:pt x="493019" y="1731209"/>
+                  </a:lnTo>
+                  <a:lnTo>
+                    <a:pt x="552318" y="1751567"/>
+                  </a:lnTo>
+                  <a:lnTo>
+                    <a:pt x="612275" y="1769894"/>
+                  </a:lnTo>
+                  <a:lnTo>
+                    <a:pt x="672822" y="1786170"/>
+                  </a:lnTo>
+                  <a:lnTo>
+                    <a:pt x="733887" y="1800375"/>
+                  </a:lnTo>
+                  <a:lnTo>
+                    <a:pt x="795401" y="1812493"/>
+                  </a:lnTo>
+                  <a:lnTo>
+                    <a:pt x="857291" y="1822510"/>
+                  </a:lnTo>
+                  <a:lnTo>
+                    <a:pt x="919487" y="1830414"/>
+                  </a:lnTo>
+                  <a:lnTo>
+                    <a:pt x="981916" y="1836196"/>
+                  </a:lnTo>
+                  <a:lnTo>
+                    <a:pt x="1044505" y="1839850"/>
+                  </a:lnTo>
+                  <a:lnTo>
+                    <a:pt x="1107183" y="1841371"/>
+                  </a:lnTo>
+                  <a:lnTo>
+                    <a:pt x="1169876" y="1840757"/>
+                  </a:lnTo>
+                  <a:lnTo>
+                    <a:pt x="1232511" y="1838010"/>
+                  </a:lnTo>
+                  <a:lnTo>
+                    <a:pt x="1295017" y="1833131"/>
+                  </a:lnTo>
+                  <a:lnTo>
+                    <a:pt x="1357321" y="1826128"/>
+                  </a:lnTo>
+                  <a:lnTo>
+                    <a:pt x="1349155" y="1763158"/>
+                  </a:lnTo>
+                  <a:lnTo>
+                    <a:pt x="1340989" y="1700188"/>
+                  </a:lnTo>
+                  <a:lnTo>
+                    <a:pt x="1332823" y="1637218"/>
+                  </a:lnTo>
+                  <a:lnTo>
+                    <a:pt x="1324657" y="1574248"/>
+                  </a:lnTo>
+                  <a:lnTo>
+                    <a:pt x="1316491" y="1511278"/>
+                  </a:lnTo>
+                  <a:lnTo>
+                    <a:pt x="1308325" y="1448308"/>
+                  </a:lnTo>
+                  <a:lnTo>
+                    <a:pt x="1300159" y="1385338"/>
+                  </a:lnTo>
+                  <a:lnTo>
+                    <a:pt x="1291993" y="1322368"/>
+                  </a:lnTo>
+                  <a:lnTo>
+                    <a:pt x="1283827" y="1259399"/>
+                  </a:lnTo>
+                  <a:lnTo>
+                    <a:pt x="1275661" y="1196429"/>
+                  </a:lnTo>
+                  <a:lnTo>
+                    <a:pt x="1267495" y="1133459"/>
+                  </a:lnTo>
+                  <a:lnTo>
+                    <a:pt x="1259329" y="1070489"/>
+                  </a:lnTo>
+                  <a:lnTo>
+                    <a:pt x="1251163" y="1007519"/>
+                  </a:lnTo>
+                  <a:lnTo>
+                    <a:pt x="1242997" y="944549"/>
+                  </a:lnTo>
+                  <a:lnTo>
+                    <a:pt x="1234831" y="881579"/>
+                  </a:lnTo>
+                  <a:lnTo>
+                    <a:pt x="1226665" y="818609"/>
+                  </a:lnTo>
+                  <a:lnTo>
+                    <a:pt x="1218499" y="755639"/>
+                  </a:lnTo>
+                  <a:lnTo>
+                    <a:pt x="1210333" y="692669"/>
+                  </a:lnTo>
+                  <a:lnTo>
+                    <a:pt x="1202167" y="629699"/>
+                  </a:lnTo>
+                  <a:lnTo>
+                    <a:pt x="1194001" y="566729"/>
+                  </a:lnTo>
+                  <a:lnTo>
+                    <a:pt x="1185835" y="503759"/>
+                  </a:lnTo>
+                  <a:lnTo>
+                    <a:pt x="1177669" y="440789"/>
+                  </a:lnTo>
+                  <a:lnTo>
+                    <a:pt x="1169503" y="377819"/>
+                  </a:lnTo>
+                  <a:lnTo>
+                    <a:pt x="1161337" y="314849"/>
+                  </a:lnTo>
+                  <a:lnTo>
+                    <a:pt x="1153171" y="251879"/>
+                  </a:lnTo>
+                  <a:lnTo>
+                    <a:pt x="1145005" y="188909"/>
+                  </a:lnTo>
+                  <a:lnTo>
+                    <a:pt x="1136839" y="125939"/>
+                  </a:lnTo>
+                  <a:lnTo>
+                    <a:pt x="1128673" y="62969"/>
                   </a:lnTo>
                   <a:close/>
                 </a:path>
@@ -6548,252 +7002,252 @@
           </p:nvSpPr>
           <p:spPr>
             <a:xfrm>
-              <a:off x="4181075" y="4096666"/>
-              <a:ext cx="2044190" cy="1645796"/>
+              <a:off x="4410278" y="3805990"/>
+              <a:ext cx="1814987" cy="1461262"/>
             </a:xfrm>
             <a:custGeom>
               <a:avLst/>
               <a:pathLst>
-                <a:path w="2044190" h="1645796">
+                <a:path w="1814987" h="1461262">
                   <a:moveTo>
-                    <a:pt x="2044190" y="0"/>
+                    <a:pt x="1814987" y="0"/>
                   </a:moveTo>
                   <a:lnTo>
-                    <a:pt x="1973701" y="12073"/>
-                  </a:lnTo>
-                  <a:lnTo>
-                    <a:pt x="1903212" y="24147"/>
-                  </a:lnTo>
-                  <a:lnTo>
-                    <a:pt x="1832722" y="36221"/>
-                  </a:lnTo>
-                  <a:lnTo>
-                    <a:pt x="1762233" y="48294"/>
-                  </a:lnTo>
-                  <a:lnTo>
-                    <a:pt x="1691744" y="60368"/>
-                  </a:lnTo>
-                  <a:lnTo>
-                    <a:pt x="1621254" y="72442"/>
-                  </a:lnTo>
-                  <a:lnTo>
-                    <a:pt x="1550765" y="84515"/>
-                  </a:lnTo>
-                  <a:lnTo>
-                    <a:pt x="1480276" y="96589"/>
-                  </a:lnTo>
-                  <a:lnTo>
-                    <a:pt x="1409786" y="108663"/>
-                  </a:lnTo>
-                  <a:lnTo>
-                    <a:pt x="1339297" y="120737"/>
-                  </a:lnTo>
-                  <a:lnTo>
-                    <a:pt x="1268808" y="132810"/>
-                  </a:lnTo>
-                  <a:lnTo>
-                    <a:pt x="1198318" y="144884"/>
-                  </a:lnTo>
-                  <a:lnTo>
-                    <a:pt x="1127829" y="156958"/>
-                  </a:lnTo>
-                  <a:lnTo>
-                    <a:pt x="1057340" y="169031"/>
-                  </a:lnTo>
-                  <a:lnTo>
-                    <a:pt x="986850" y="181105"/>
-                  </a:lnTo>
-                  <a:lnTo>
-                    <a:pt x="916361" y="193179"/>
-                  </a:lnTo>
-                  <a:lnTo>
-                    <a:pt x="845872" y="205253"/>
-                  </a:lnTo>
-                  <a:lnTo>
-                    <a:pt x="775382" y="217326"/>
-                  </a:lnTo>
-                  <a:lnTo>
-                    <a:pt x="704893" y="229400"/>
-                  </a:lnTo>
-                  <a:lnTo>
-                    <a:pt x="634404" y="241474"/>
-                  </a:lnTo>
-                  <a:lnTo>
-                    <a:pt x="563914" y="253547"/>
-                  </a:lnTo>
-                  <a:lnTo>
-                    <a:pt x="493425" y="265621"/>
-                  </a:lnTo>
-                  <a:lnTo>
-                    <a:pt x="422936" y="277695"/>
-                  </a:lnTo>
-                  <a:lnTo>
-                    <a:pt x="352446" y="289769"/>
-                  </a:lnTo>
-                  <a:lnTo>
-                    <a:pt x="281957" y="301842"/>
-                  </a:lnTo>
-                  <a:lnTo>
-                    <a:pt x="211468" y="313916"/>
-                  </a:lnTo>
-                  <a:lnTo>
-                    <a:pt x="140978" y="325990"/>
-                  </a:lnTo>
-                  <a:lnTo>
-                    <a:pt x="70489" y="338063"/>
-                  </a:lnTo>
-                  <a:lnTo>
-                    <a:pt x="0" y="350137"/>
-                  </a:lnTo>
-                  <a:lnTo>
-                    <a:pt x="13064" y="419330"/>
-                  </a:lnTo>
-                  <a:lnTo>
-                    <a:pt x="28470" y="488040"/>
-                  </a:lnTo>
-                  <a:lnTo>
-                    <a:pt x="46199" y="556187"/>
-                  </a:lnTo>
-                  <a:lnTo>
-                    <a:pt x="66232" y="623693"/>
-                  </a:lnTo>
-                  <a:lnTo>
-                    <a:pt x="88545" y="690480"/>
-                  </a:lnTo>
-                  <a:lnTo>
-                    <a:pt x="113112" y="756472"/>
-                  </a:lnTo>
-                  <a:lnTo>
-                    <a:pt x="139906" y="821591"/>
-                  </a:lnTo>
-                  <a:lnTo>
-                    <a:pt x="168894" y="885763"/>
-                  </a:lnTo>
-                  <a:lnTo>
-                    <a:pt x="200044" y="948914"/>
-                  </a:lnTo>
-                  <a:lnTo>
-                    <a:pt x="233320" y="1010971"/>
-                  </a:lnTo>
-                  <a:lnTo>
-                    <a:pt x="268684" y="1071862"/>
-                  </a:lnTo>
-                  <a:lnTo>
-                    <a:pt x="306094" y="1131518"/>
-                  </a:lnTo>
-                  <a:lnTo>
-                    <a:pt x="345508" y="1189870"/>
-                  </a:lnTo>
-                  <a:lnTo>
-                    <a:pt x="386880" y="1246850"/>
-                  </a:lnTo>
-                  <a:lnTo>
-                    <a:pt x="430163" y="1302393"/>
-                  </a:lnTo>
-                  <a:lnTo>
-                    <a:pt x="475306" y="1356434"/>
-                  </a:lnTo>
-                  <a:lnTo>
-                    <a:pt x="522258" y="1408912"/>
-                  </a:lnTo>
-                  <a:lnTo>
-                    <a:pt x="570964" y="1459765"/>
-                  </a:lnTo>
-                  <a:lnTo>
-                    <a:pt x="621368" y="1508936"/>
-                  </a:lnTo>
-                  <a:lnTo>
-                    <a:pt x="673413" y="1556368"/>
-                  </a:lnTo>
-                  <a:lnTo>
-                    <a:pt x="727038" y="1602005"/>
-                  </a:lnTo>
-                  <a:lnTo>
-                    <a:pt x="782181" y="1645796"/>
-                  </a:lnTo>
-                  <a:lnTo>
-                    <a:pt x="825698" y="1589044"/>
-                  </a:lnTo>
-                  <a:lnTo>
-                    <a:pt x="869216" y="1532292"/>
-                  </a:lnTo>
-                  <a:lnTo>
-                    <a:pt x="912734" y="1475541"/>
-                  </a:lnTo>
-                  <a:lnTo>
-                    <a:pt x="956251" y="1418789"/>
-                  </a:lnTo>
-                  <a:lnTo>
-                    <a:pt x="999769" y="1362038"/>
-                  </a:lnTo>
-                  <a:lnTo>
-                    <a:pt x="1043286" y="1305286"/>
-                  </a:lnTo>
-                  <a:lnTo>
-                    <a:pt x="1086804" y="1248534"/>
-                  </a:lnTo>
-                  <a:lnTo>
-                    <a:pt x="1130321" y="1191783"/>
-                  </a:lnTo>
-                  <a:lnTo>
-                    <a:pt x="1173839" y="1135031"/>
-                  </a:lnTo>
-                  <a:lnTo>
-                    <a:pt x="1217357" y="1078280"/>
-                  </a:lnTo>
-                  <a:lnTo>
-                    <a:pt x="1260874" y="1021528"/>
-                  </a:lnTo>
-                  <a:lnTo>
-                    <a:pt x="1304392" y="964776"/>
-                  </a:lnTo>
-                  <a:lnTo>
-                    <a:pt x="1347909" y="908025"/>
-                  </a:lnTo>
-                  <a:lnTo>
-                    <a:pt x="1391427" y="851273"/>
-                  </a:lnTo>
-                  <a:lnTo>
-                    <a:pt x="1434944" y="794522"/>
-                  </a:lnTo>
-                  <a:lnTo>
-                    <a:pt x="1478462" y="737770"/>
-                  </a:lnTo>
-                  <a:lnTo>
-                    <a:pt x="1521980" y="681019"/>
-                  </a:lnTo>
-                  <a:lnTo>
-                    <a:pt x="1565497" y="624267"/>
-                  </a:lnTo>
-                  <a:lnTo>
-                    <a:pt x="1609015" y="567515"/>
-                  </a:lnTo>
-                  <a:lnTo>
-                    <a:pt x="1652532" y="510764"/>
-                  </a:lnTo>
-                  <a:lnTo>
-                    <a:pt x="1696050" y="454012"/>
-                  </a:lnTo>
-                  <a:lnTo>
-                    <a:pt x="1739567" y="397261"/>
-                  </a:lnTo>
-                  <a:lnTo>
-                    <a:pt x="1783085" y="340509"/>
-                  </a:lnTo>
-                  <a:lnTo>
-                    <a:pt x="1826603" y="283757"/>
-                  </a:lnTo>
-                  <a:lnTo>
-                    <a:pt x="1870120" y="227006"/>
-                  </a:lnTo>
-                  <a:lnTo>
-                    <a:pt x="1913638" y="170254"/>
-                  </a:lnTo>
-                  <a:lnTo>
-                    <a:pt x="1957155" y="113503"/>
-                  </a:lnTo>
-                  <a:lnTo>
-                    <a:pt x="2000673" y="56751"/>
+                    <a:pt x="1752401" y="10719"/>
+                  </a:lnTo>
+                  <a:lnTo>
+                    <a:pt x="1689816" y="21439"/>
+                  </a:lnTo>
+                  <a:lnTo>
+                    <a:pt x="1627230" y="32159"/>
+                  </a:lnTo>
+                  <a:lnTo>
+                    <a:pt x="1564644" y="42879"/>
+                  </a:lnTo>
+                  <a:lnTo>
+                    <a:pt x="1502058" y="53599"/>
+                  </a:lnTo>
+                  <a:lnTo>
+                    <a:pt x="1439473" y="64319"/>
+                  </a:lnTo>
+                  <a:lnTo>
+                    <a:pt x="1376887" y="75039"/>
+                  </a:lnTo>
+                  <a:lnTo>
+                    <a:pt x="1314301" y="85759"/>
+                  </a:lnTo>
+                  <a:lnTo>
+                    <a:pt x="1251715" y="96479"/>
+                  </a:lnTo>
+                  <a:lnTo>
+                    <a:pt x="1189129" y="107199"/>
+                  </a:lnTo>
+                  <a:lnTo>
+                    <a:pt x="1126544" y="117919"/>
+                  </a:lnTo>
+                  <a:lnTo>
+                    <a:pt x="1063958" y="128639"/>
+                  </a:lnTo>
+                  <a:lnTo>
+                    <a:pt x="1001372" y="139359"/>
+                  </a:lnTo>
+                  <a:lnTo>
+                    <a:pt x="938786" y="150079"/>
+                  </a:lnTo>
+                  <a:lnTo>
+                    <a:pt x="876200" y="160799"/>
+                  </a:lnTo>
+                  <a:lnTo>
+                    <a:pt x="813615" y="171519"/>
+                  </a:lnTo>
+                  <a:lnTo>
+                    <a:pt x="751029" y="182239"/>
+                  </a:lnTo>
+                  <a:lnTo>
+                    <a:pt x="688443" y="192959"/>
+                  </a:lnTo>
+                  <a:lnTo>
+                    <a:pt x="625857" y="203679"/>
+                  </a:lnTo>
+                  <a:lnTo>
+                    <a:pt x="563272" y="214399"/>
+                  </a:lnTo>
+                  <a:lnTo>
+                    <a:pt x="500686" y="225119"/>
+                  </a:lnTo>
+                  <a:lnTo>
+                    <a:pt x="438100" y="235839"/>
+                  </a:lnTo>
+                  <a:lnTo>
+                    <a:pt x="375514" y="246559"/>
+                  </a:lnTo>
+                  <a:lnTo>
+                    <a:pt x="312928" y="257278"/>
+                  </a:lnTo>
+                  <a:lnTo>
+                    <a:pt x="250343" y="267998"/>
+                  </a:lnTo>
+                  <a:lnTo>
+                    <a:pt x="187757" y="278718"/>
+                  </a:lnTo>
+                  <a:lnTo>
+                    <a:pt x="125171" y="289438"/>
+                  </a:lnTo>
+                  <a:lnTo>
+                    <a:pt x="62585" y="300158"/>
+                  </a:lnTo>
+                  <a:lnTo>
+                    <a:pt x="0" y="310878"/>
+                  </a:lnTo>
+                  <a:lnTo>
+                    <a:pt x="11599" y="372313"/>
+                  </a:lnTo>
+                  <a:lnTo>
+                    <a:pt x="25278" y="433319"/>
+                  </a:lnTo>
+                  <a:lnTo>
+                    <a:pt x="41019" y="493825"/>
+                  </a:lnTo>
+                  <a:lnTo>
+                    <a:pt x="58806" y="553762"/>
+                  </a:lnTo>
+                  <a:lnTo>
+                    <a:pt x="78617" y="613061"/>
+                  </a:lnTo>
+                  <a:lnTo>
+                    <a:pt x="100430" y="671653"/>
+                  </a:lnTo>
+                  <a:lnTo>
+                    <a:pt x="124219" y="729470"/>
+                  </a:lnTo>
+                  <a:lnTo>
+                    <a:pt x="149957" y="786447"/>
+                  </a:lnTo>
+                  <a:lnTo>
+                    <a:pt x="177614" y="842517"/>
+                  </a:lnTo>
+                  <a:lnTo>
+                    <a:pt x="207159" y="897616"/>
+                  </a:lnTo>
+                  <a:lnTo>
+                    <a:pt x="238558" y="951681"/>
+                  </a:lnTo>
+                  <a:lnTo>
+                    <a:pt x="271774" y="1004648"/>
+                  </a:lnTo>
+                  <a:lnTo>
+                    <a:pt x="306768" y="1056457"/>
+                  </a:lnTo>
+                  <a:lnTo>
+                    <a:pt x="343502" y="1107048"/>
+                  </a:lnTo>
+                  <a:lnTo>
+                    <a:pt x="381931" y="1156363"/>
+                  </a:lnTo>
+                  <a:lnTo>
+                    <a:pt x="422013" y="1204345"/>
+                  </a:lnTo>
+                  <a:lnTo>
+                    <a:pt x="463700" y="1250939"/>
+                  </a:lnTo>
+                  <a:lnTo>
+                    <a:pt x="506945" y="1296090"/>
+                  </a:lnTo>
+                  <a:lnTo>
+                    <a:pt x="551698" y="1339748"/>
+                  </a:lnTo>
+                  <a:lnTo>
+                    <a:pt x="597907" y="1381861"/>
+                  </a:lnTo>
+                  <a:lnTo>
+                    <a:pt x="645519" y="1422381"/>
+                  </a:lnTo>
+                  <a:lnTo>
+                    <a:pt x="694479" y="1461262"/>
+                  </a:lnTo>
+                  <a:lnTo>
+                    <a:pt x="733118" y="1410874"/>
+                  </a:lnTo>
+                  <a:lnTo>
+                    <a:pt x="771756" y="1360485"/>
+                  </a:lnTo>
+                  <a:lnTo>
+                    <a:pt x="810394" y="1310097"/>
+                  </a:lnTo>
+                  <a:lnTo>
+                    <a:pt x="849032" y="1259709"/>
+                  </a:lnTo>
+                  <a:lnTo>
+                    <a:pt x="887670" y="1209320"/>
+                  </a:lnTo>
+                  <a:lnTo>
+                    <a:pt x="926309" y="1158932"/>
+                  </a:lnTo>
+                  <a:lnTo>
+                    <a:pt x="964947" y="1108544"/>
+                  </a:lnTo>
+                  <a:lnTo>
+                    <a:pt x="1003585" y="1058155"/>
+                  </a:lnTo>
+                  <a:lnTo>
+                    <a:pt x="1042223" y="1007767"/>
+                  </a:lnTo>
+                  <a:lnTo>
+                    <a:pt x="1080861" y="957378"/>
+                  </a:lnTo>
+                  <a:lnTo>
+                    <a:pt x="1119500" y="906990"/>
+                  </a:lnTo>
+                  <a:lnTo>
+                    <a:pt x="1158138" y="856602"/>
+                  </a:lnTo>
+                  <a:lnTo>
+                    <a:pt x="1196776" y="806213"/>
+                  </a:lnTo>
+                  <a:lnTo>
+                    <a:pt x="1235414" y="755825"/>
+                  </a:lnTo>
+                  <a:lnTo>
+                    <a:pt x="1274052" y="705437"/>
+                  </a:lnTo>
+                  <a:lnTo>
+                    <a:pt x="1312691" y="655048"/>
+                  </a:lnTo>
+                  <a:lnTo>
+                    <a:pt x="1351329" y="604660"/>
+                  </a:lnTo>
+                  <a:lnTo>
+                    <a:pt x="1389967" y="554272"/>
+                  </a:lnTo>
+                  <a:lnTo>
+                    <a:pt x="1428605" y="503883"/>
+                  </a:lnTo>
+                  <a:lnTo>
+                    <a:pt x="1467243" y="453495"/>
+                  </a:lnTo>
+                  <a:lnTo>
+                    <a:pt x="1505882" y="403106"/>
+                  </a:lnTo>
+                  <a:lnTo>
+                    <a:pt x="1544520" y="352718"/>
+                  </a:lnTo>
+                  <a:lnTo>
+                    <a:pt x="1583158" y="302330"/>
+                  </a:lnTo>
+                  <a:lnTo>
+                    <a:pt x="1621796" y="251941"/>
+                  </a:lnTo>
+                  <a:lnTo>
+                    <a:pt x="1660434" y="201553"/>
+                  </a:lnTo>
+                  <a:lnTo>
+                    <a:pt x="1699073" y="151165"/>
+                  </a:lnTo>
+                  <a:lnTo>
+                    <a:pt x="1737711" y="100776"/>
+                  </a:lnTo>
+                  <a:lnTo>
+                    <a:pt x="1776349" y="50388"/>
                   </a:lnTo>
                   <a:close/>
                 </a:path>
@@ -6828,237 +7282,237 @@
           </p:nvSpPr>
           <p:spPr>
             <a:xfrm>
-              <a:off x="4151308" y="3265988"/>
-              <a:ext cx="2073958" cy="1180815"/>
+              <a:off x="4383848" y="3068451"/>
+              <a:ext cx="1841417" cy="1048417"/>
             </a:xfrm>
             <a:custGeom>
               <a:avLst/>
               <a:pathLst>
-                <a:path w="2073958" h="1180815">
+                <a:path w="1841417" h="1048417">
                   <a:moveTo>
-                    <a:pt x="2073958" y="830678"/>
+                    <a:pt x="1841417" y="737539"/>
                   </a:moveTo>
                   <a:lnTo>
-                    <a:pt x="2008429" y="802034"/>
-                  </a:lnTo>
-                  <a:lnTo>
-                    <a:pt x="1942900" y="773389"/>
-                  </a:lnTo>
-                  <a:lnTo>
-                    <a:pt x="1877371" y="744745"/>
-                  </a:lnTo>
-                  <a:lnTo>
-                    <a:pt x="1811842" y="716101"/>
-                  </a:lnTo>
-                  <a:lnTo>
-                    <a:pt x="1746313" y="687457"/>
-                  </a:lnTo>
-                  <a:lnTo>
-                    <a:pt x="1680784" y="658813"/>
-                  </a:lnTo>
-                  <a:lnTo>
-                    <a:pt x="1615256" y="630169"/>
-                  </a:lnTo>
-                  <a:lnTo>
-                    <a:pt x="1549727" y="601525"/>
-                  </a:lnTo>
-                  <a:lnTo>
-                    <a:pt x="1484198" y="572881"/>
-                  </a:lnTo>
-                  <a:lnTo>
-                    <a:pt x="1418669" y="544237"/>
-                  </a:lnTo>
-                  <a:lnTo>
-                    <a:pt x="1353140" y="515593"/>
-                  </a:lnTo>
-                  <a:lnTo>
-                    <a:pt x="1287611" y="486949"/>
-                  </a:lnTo>
-                  <a:lnTo>
-                    <a:pt x="1222082" y="458305"/>
-                  </a:lnTo>
-                  <a:lnTo>
-                    <a:pt x="1156553" y="429661"/>
-                  </a:lnTo>
-                  <a:lnTo>
-                    <a:pt x="1091024" y="401017"/>
-                  </a:lnTo>
-                  <a:lnTo>
-                    <a:pt x="1025495" y="372372"/>
-                  </a:lnTo>
-                  <a:lnTo>
-                    <a:pt x="959966" y="343728"/>
-                  </a:lnTo>
-                  <a:lnTo>
-                    <a:pt x="894437" y="315084"/>
-                  </a:lnTo>
-                  <a:lnTo>
-                    <a:pt x="828909" y="286440"/>
-                  </a:lnTo>
-                  <a:lnTo>
-                    <a:pt x="763380" y="257796"/>
-                  </a:lnTo>
-                  <a:lnTo>
-                    <a:pt x="697851" y="229152"/>
-                  </a:lnTo>
-                  <a:lnTo>
-                    <a:pt x="632322" y="200508"/>
-                  </a:lnTo>
-                  <a:lnTo>
-                    <a:pt x="566793" y="171864"/>
-                  </a:lnTo>
-                  <a:lnTo>
-                    <a:pt x="501264" y="143220"/>
-                  </a:lnTo>
-                  <a:lnTo>
-                    <a:pt x="435735" y="114576"/>
-                  </a:lnTo>
-                  <a:lnTo>
-                    <a:pt x="370206" y="85932"/>
-                  </a:lnTo>
-                  <a:lnTo>
-                    <a:pt x="304677" y="57288"/>
-                  </a:lnTo>
-                  <a:lnTo>
-                    <a:pt x="239148" y="28644"/>
-                  </a:lnTo>
-                  <a:lnTo>
-                    <a:pt x="173619" y="0"/>
-                  </a:lnTo>
-                  <a:lnTo>
-                    <a:pt x="146312" y="65502"/>
-                  </a:lnTo>
-                  <a:lnTo>
-                    <a:pt x="121262" y="131900"/>
-                  </a:lnTo>
-                  <a:lnTo>
-                    <a:pt x="98498" y="199116"/>
-                  </a:lnTo>
-                  <a:lnTo>
-                    <a:pt x="78047" y="267072"/>
-                  </a:lnTo>
-                  <a:lnTo>
-                    <a:pt x="59933" y="335687"/>
-                  </a:lnTo>
-                  <a:lnTo>
-                    <a:pt x="44177" y="404882"/>
-                  </a:lnTo>
-                  <a:lnTo>
-                    <a:pt x="30798" y="474576"/>
-                  </a:lnTo>
-                  <a:lnTo>
-                    <a:pt x="19810" y="544687"/>
-                  </a:lnTo>
-                  <a:lnTo>
-                    <a:pt x="11228" y="615132"/>
-                  </a:lnTo>
-                  <a:lnTo>
-                    <a:pt x="5062" y="685830"/>
-                  </a:lnTo>
-                  <a:lnTo>
-                    <a:pt x="1317" y="756697"/>
-                  </a:lnTo>
-                  <a:lnTo>
-                    <a:pt x="0" y="827651"/>
-                  </a:lnTo>
-                  <a:lnTo>
-                    <a:pt x="1110" y="898609"/>
-                  </a:lnTo>
-                  <a:lnTo>
-                    <a:pt x="4648" y="969487"/>
-                  </a:lnTo>
-                  <a:lnTo>
-                    <a:pt x="10608" y="1040203"/>
-                  </a:lnTo>
-                  <a:lnTo>
-                    <a:pt x="18985" y="1110673"/>
-                  </a:lnTo>
-                  <a:lnTo>
-                    <a:pt x="29767" y="1180815"/>
-                  </a:lnTo>
-                  <a:lnTo>
-                    <a:pt x="100256" y="1168742"/>
-                  </a:lnTo>
-                  <a:lnTo>
-                    <a:pt x="170746" y="1156668"/>
-                  </a:lnTo>
-                  <a:lnTo>
-                    <a:pt x="241235" y="1144594"/>
-                  </a:lnTo>
-                  <a:lnTo>
-                    <a:pt x="311724" y="1132520"/>
-                  </a:lnTo>
-                  <a:lnTo>
-                    <a:pt x="382214" y="1120447"/>
-                  </a:lnTo>
-                  <a:lnTo>
-                    <a:pt x="452703" y="1108373"/>
-                  </a:lnTo>
-                  <a:lnTo>
-                    <a:pt x="523192" y="1096299"/>
-                  </a:lnTo>
-                  <a:lnTo>
-                    <a:pt x="593682" y="1084226"/>
-                  </a:lnTo>
-                  <a:lnTo>
-                    <a:pt x="664171" y="1072152"/>
-                  </a:lnTo>
-                  <a:lnTo>
-                    <a:pt x="734660" y="1060078"/>
-                  </a:lnTo>
-                  <a:lnTo>
-                    <a:pt x="805150" y="1048004"/>
-                  </a:lnTo>
-                  <a:lnTo>
-                    <a:pt x="875639" y="1035931"/>
-                  </a:lnTo>
-                  <a:lnTo>
-                    <a:pt x="946128" y="1023857"/>
-                  </a:lnTo>
-                  <a:lnTo>
-                    <a:pt x="1016618" y="1011783"/>
-                  </a:lnTo>
-                  <a:lnTo>
-                    <a:pt x="1087107" y="999710"/>
-                  </a:lnTo>
-                  <a:lnTo>
-                    <a:pt x="1157597" y="987636"/>
-                  </a:lnTo>
-                  <a:lnTo>
-                    <a:pt x="1228086" y="975562"/>
-                  </a:lnTo>
-                  <a:lnTo>
-                    <a:pt x="1298575" y="963488"/>
-                  </a:lnTo>
-                  <a:lnTo>
-                    <a:pt x="1369065" y="951415"/>
-                  </a:lnTo>
-                  <a:lnTo>
-                    <a:pt x="1439554" y="939341"/>
-                  </a:lnTo>
-                  <a:lnTo>
-                    <a:pt x="1510043" y="927267"/>
-                  </a:lnTo>
-                  <a:lnTo>
-                    <a:pt x="1580533" y="915194"/>
-                  </a:lnTo>
-                  <a:lnTo>
-                    <a:pt x="1651022" y="903120"/>
-                  </a:lnTo>
-                  <a:lnTo>
-                    <a:pt x="1721511" y="891046"/>
-                  </a:lnTo>
-                  <a:lnTo>
-                    <a:pt x="1792001" y="878972"/>
-                  </a:lnTo>
-                  <a:lnTo>
-                    <a:pt x="1862490" y="866899"/>
-                  </a:lnTo>
-                  <a:lnTo>
-                    <a:pt x="1932979" y="854825"/>
-                  </a:lnTo>
-                  <a:lnTo>
-                    <a:pt x="2003469" y="842751"/>
+                    <a:pt x="1783236" y="712106"/>
+                  </a:lnTo>
+                  <a:lnTo>
+                    <a:pt x="1725054" y="686674"/>
+                  </a:lnTo>
+                  <a:lnTo>
+                    <a:pt x="1666873" y="661241"/>
+                  </a:lnTo>
+                  <a:lnTo>
+                    <a:pt x="1608691" y="635809"/>
+                  </a:lnTo>
+                  <a:lnTo>
+                    <a:pt x="1550509" y="610377"/>
+                  </a:lnTo>
+                  <a:lnTo>
+                    <a:pt x="1492328" y="584944"/>
+                  </a:lnTo>
+                  <a:lnTo>
+                    <a:pt x="1434146" y="559512"/>
+                  </a:lnTo>
+                  <a:lnTo>
+                    <a:pt x="1375965" y="534079"/>
+                  </a:lnTo>
+                  <a:lnTo>
+                    <a:pt x="1317783" y="508647"/>
+                  </a:lnTo>
+                  <a:lnTo>
+                    <a:pt x="1259602" y="483215"/>
+                  </a:lnTo>
+                  <a:lnTo>
+                    <a:pt x="1201420" y="457782"/>
+                  </a:lnTo>
+                  <a:lnTo>
+                    <a:pt x="1143239" y="432350"/>
+                  </a:lnTo>
+                  <a:lnTo>
+                    <a:pt x="1085057" y="406918"/>
+                  </a:lnTo>
+                  <a:lnTo>
+                    <a:pt x="1026876" y="381485"/>
+                  </a:lnTo>
+                  <a:lnTo>
+                    <a:pt x="968694" y="356053"/>
+                  </a:lnTo>
+                  <a:lnTo>
+                    <a:pt x="910512" y="330620"/>
+                  </a:lnTo>
+                  <a:lnTo>
+                    <a:pt x="852331" y="305188"/>
+                  </a:lnTo>
+                  <a:lnTo>
+                    <a:pt x="794149" y="279756"/>
+                  </a:lnTo>
+                  <a:lnTo>
+                    <a:pt x="735968" y="254323"/>
+                  </a:lnTo>
+                  <a:lnTo>
+                    <a:pt x="677786" y="228891"/>
+                  </a:lnTo>
+                  <a:lnTo>
+                    <a:pt x="619605" y="203459"/>
+                  </a:lnTo>
+                  <a:lnTo>
+                    <a:pt x="561423" y="178026"/>
+                  </a:lnTo>
+                  <a:lnTo>
+                    <a:pt x="503242" y="152594"/>
+                  </a:lnTo>
+                  <a:lnTo>
+                    <a:pt x="445060" y="127161"/>
+                  </a:lnTo>
+                  <a:lnTo>
+                    <a:pt x="386879" y="101729"/>
+                  </a:lnTo>
+                  <a:lnTo>
+                    <a:pt x="328697" y="76297"/>
+                  </a:lnTo>
+                  <a:lnTo>
+                    <a:pt x="270515" y="50864"/>
+                  </a:lnTo>
+                  <a:lnTo>
+                    <a:pt x="212334" y="25432"/>
+                  </a:lnTo>
+                  <a:lnTo>
+                    <a:pt x="154152" y="0"/>
+                  </a:lnTo>
+                  <a:lnTo>
+                    <a:pt x="129907" y="58157"/>
+                  </a:lnTo>
+                  <a:lnTo>
+                    <a:pt x="107665" y="117110"/>
+                  </a:lnTo>
+                  <a:lnTo>
+                    <a:pt x="87454" y="176790"/>
+                  </a:lnTo>
+                  <a:lnTo>
+                    <a:pt x="69296" y="237126"/>
+                  </a:lnTo>
+                  <a:lnTo>
+                    <a:pt x="53213" y="298048"/>
+                  </a:lnTo>
+                  <a:lnTo>
+                    <a:pt x="39224" y="359485"/>
+                  </a:lnTo>
+                  <a:lnTo>
+                    <a:pt x="27344" y="421364"/>
+                  </a:lnTo>
+                  <a:lnTo>
+                    <a:pt x="17589" y="483614"/>
+                  </a:lnTo>
+                  <a:lnTo>
+                    <a:pt x="9969" y="546161"/>
+                  </a:lnTo>
+                  <a:lnTo>
+                    <a:pt x="4494" y="608932"/>
+                  </a:lnTo>
+                  <a:lnTo>
+                    <a:pt x="1169" y="671853"/>
+                  </a:lnTo>
+                  <a:lnTo>
+                    <a:pt x="0" y="734852"/>
+                  </a:lnTo>
+                  <a:lnTo>
+                    <a:pt x="986" y="797853"/>
+                  </a:lnTo>
+                  <a:lnTo>
+                    <a:pt x="4127" y="860784"/>
+                  </a:lnTo>
+                  <a:lnTo>
+                    <a:pt x="9419" y="923571"/>
+                  </a:lnTo>
+                  <a:lnTo>
+                    <a:pt x="16856" y="986140"/>
+                  </a:lnTo>
+                  <a:lnTo>
+                    <a:pt x="26429" y="1048417"/>
+                  </a:lnTo>
+                  <a:lnTo>
+                    <a:pt x="89015" y="1037697"/>
+                  </a:lnTo>
+                  <a:lnTo>
+                    <a:pt x="151601" y="1026977"/>
+                  </a:lnTo>
+                  <a:lnTo>
+                    <a:pt x="214187" y="1016257"/>
+                  </a:lnTo>
+                  <a:lnTo>
+                    <a:pt x="276773" y="1005537"/>
+                  </a:lnTo>
+                  <a:lnTo>
+                    <a:pt x="339358" y="994818"/>
+                  </a:lnTo>
+                  <a:lnTo>
+                    <a:pt x="401944" y="984098"/>
+                  </a:lnTo>
+                  <a:lnTo>
+                    <a:pt x="464530" y="973378"/>
+                  </a:lnTo>
+                  <a:lnTo>
+                    <a:pt x="527116" y="962658"/>
+                  </a:lnTo>
+                  <a:lnTo>
+                    <a:pt x="589701" y="951938"/>
+                  </a:lnTo>
+                  <a:lnTo>
+                    <a:pt x="652287" y="941218"/>
+                  </a:lnTo>
+                  <a:lnTo>
+                    <a:pt x="714873" y="930498"/>
+                  </a:lnTo>
+                  <a:lnTo>
+                    <a:pt x="777459" y="919778"/>
+                  </a:lnTo>
+                  <a:lnTo>
+                    <a:pt x="840045" y="909058"/>
+                  </a:lnTo>
+                  <a:lnTo>
+                    <a:pt x="902630" y="898338"/>
+                  </a:lnTo>
+                  <a:lnTo>
+                    <a:pt x="965216" y="887618"/>
+                  </a:lnTo>
+                  <a:lnTo>
+                    <a:pt x="1027802" y="876898"/>
+                  </a:lnTo>
+                  <a:lnTo>
+                    <a:pt x="1090388" y="866178"/>
+                  </a:lnTo>
+                  <a:lnTo>
+                    <a:pt x="1152974" y="855458"/>
+                  </a:lnTo>
+                  <a:lnTo>
+                    <a:pt x="1215559" y="844738"/>
+                  </a:lnTo>
+                  <a:lnTo>
+                    <a:pt x="1278145" y="834018"/>
+                  </a:lnTo>
+                  <a:lnTo>
+                    <a:pt x="1340731" y="823298"/>
+                  </a:lnTo>
+                  <a:lnTo>
+                    <a:pt x="1403317" y="812578"/>
+                  </a:lnTo>
+                  <a:lnTo>
+                    <a:pt x="1465902" y="801858"/>
+                  </a:lnTo>
+                  <a:lnTo>
+                    <a:pt x="1528488" y="791138"/>
+                  </a:lnTo>
+                  <a:lnTo>
+                    <a:pt x="1591074" y="780418"/>
+                  </a:lnTo>
+                  <a:lnTo>
+                    <a:pt x="1653660" y="769698"/>
+                  </a:lnTo>
+                  <a:lnTo>
+                    <a:pt x="1716246" y="758978"/>
+                  </a:lnTo>
+                  <a:lnTo>
+                    <a:pt x="1778831" y="748258"/>
                   </a:lnTo>
                   <a:close/>
                 </a:path>
@@ -7093,222 +7547,222 @@
           </p:nvSpPr>
           <p:spPr>
             <a:xfrm>
-              <a:off x="4324928" y="2558582"/>
-              <a:ext cx="1900338" cy="1538084"/>
+              <a:off x="4538001" y="2440362"/>
+              <a:ext cx="1687264" cy="1365628"/>
             </a:xfrm>
             <a:custGeom>
               <a:avLst/>
               <a:pathLst>
-                <a:path w="1900338" h="1538084">
+                <a:path w="1687264" h="1365628">
                   <a:moveTo>
-                    <a:pt x="1900338" y="1538084"/>
+                    <a:pt x="1687264" y="1365628"/>
                   </a:moveTo>
                   <a:lnTo>
-                    <a:pt x="1852364" y="1485047"/>
-                  </a:lnTo>
-                  <a:lnTo>
-                    <a:pt x="1804389" y="1432009"/>
-                  </a:lnTo>
-                  <a:lnTo>
-                    <a:pt x="1756414" y="1378972"/>
-                  </a:lnTo>
-                  <a:lnTo>
-                    <a:pt x="1708440" y="1325934"/>
-                  </a:lnTo>
-                  <a:lnTo>
-                    <a:pt x="1660465" y="1272897"/>
-                  </a:lnTo>
-                  <a:lnTo>
-                    <a:pt x="1612491" y="1219860"/>
-                  </a:lnTo>
-                  <a:lnTo>
-                    <a:pt x="1564516" y="1166822"/>
-                  </a:lnTo>
-                  <a:lnTo>
-                    <a:pt x="1516542" y="1113785"/>
-                  </a:lnTo>
-                  <a:lnTo>
-                    <a:pt x="1468567" y="1060747"/>
-                  </a:lnTo>
-                  <a:lnTo>
-                    <a:pt x="1420593" y="1007710"/>
-                  </a:lnTo>
-                  <a:lnTo>
-                    <a:pt x="1372618" y="954673"/>
-                  </a:lnTo>
-                  <a:lnTo>
-                    <a:pt x="1324644" y="901635"/>
-                  </a:lnTo>
-                  <a:lnTo>
-                    <a:pt x="1276669" y="848598"/>
-                  </a:lnTo>
-                  <a:lnTo>
-                    <a:pt x="1228695" y="795560"/>
-                  </a:lnTo>
-                  <a:lnTo>
-                    <a:pt x="1180720" y="742523"/>
-                  </a:lnTo>
-                  <a:lnTo>
-                    <a:pt x="1132745" y="689486"/>
-                  </a:lnTo>
-                  <a:lnTo>
-                    <a:pt x="1084771" y="636448"/>
-                  </a:lnTo>
-                  <a:lnTo>
-                    <a:pt x="1036796" y="583411"/>
-                  </a:lnTo>
-                  <a:lnTo>
-                    <a:pt x="988822" y="530373"/>
-                  </a:lnTo>
-                  <a:lnTo>
-                    <a:pt x="940847" y="477336"/>
-                  </a:lnTo>
-                  <a:lnTo>
-                    <a:pt x="892873" y="424299"/>
-                  </a:lnTo>
-                  <a:lnTo>
-                    <a:pt x="844898" y="371261"/>
-                  </a:lnTo>
-                  <a:lnTo>
-                    <a:pt x="796924" y="318224"/>
-                  </a:lnTo>
-                  <a:lnTo>
-                    <a:pt x="748949" y="265186"/>
-                  </a:lnTo>
-                  <a:lnTo>
-                    <a:pt x="700975" y="212149"/>
-                  </a:lnTo>
-                  <a:lnTo>
-                    <a:pt x="653000" y="159112"/>
-                  </a:lnTo>
-                  <a:lnTo>
-                    <a:pt x="605026" y="106074"/>
-                  </a:lnTo>
-                  <a:lnTo>
-                    <a:pt x="557051" y="53037"/>
-                  </a:lnTo>
-                  <a:lnTo>
-                    <a:pt x="509076" y="0"/>
-                  </a:lnTo>
-                  <a:lnTo>
-                    <a:pt x="455687" y="50033"/>
-                  </a:lnTo>
-                  <a:lnTo>
-                    <a:pt x="404095" y="101919"/>
-                  </a:lnTo>
-                  <a:lnTo>
-                    <a:pt x="354366" y="155592"/>
-                  </a:lnTo>
-                  <a:lnTo>
-                    <a:pt x="306561" y="210987"/>
-                  </a:lnTo>
-                  <a:lnTo>
-                    <a:pt x="260740" y="268033"/>
-                  </a:lnTo>
-                  <a:lnTo>
-                    <a:pt x="216959" y="326660"/>
-                  </a:lnTo>
-                  <a:lnTo>
-                    <a:pt x="175274" y="386794"/>
-                  </a:lnTo>
-                  <a:lnTo>
-                    <a:pt x="135736" y="448362"/>
-                  </a:lnTo>
-                  <a:lnTo>
-                    <a:pt x="98395" y="511286"/>
-                  </a:lnTo>
-                  <a:lnTo>
-                    <a:pt x="63296" y="575489"/>
-                  </a:lnTo>
-                  <a:lnTo>
-                    <a:pt x="30484" y="640889"/>
-                  </a:lnTo>
-                  <a:lnTo>
-                    <a:pt x="0" y="707406"/>
-                  </a:lnTo>
-                  <a:lnTo>
-                    <a:pt x="65528" y="736050"/>
-                  </a:lnTo>
-                  <a:lnTo>
-                    <a:pt x="131057" y="764694"/>
-                  </a:lnTo>
-                  <a:lnTo>
-                    <a:pt x="196586" y="793338"/>
-                  </a:lnTo>
-                  <a:lnTo>
-                    <a:pt x="262115" y="821982"/>
-                  </a:lnTo>
-                  <a:lnTo>
-                    <a:pt x="327644" y="850626"/>
-                  </a:lnTo>
-                  <a:lnTo>
-                    <a:pt x="393173" y="879270"/>
-                  </a:lnTo>
-                  <a:lnTo>
-                    <a:pt x="458702" y="907914"/>
-                  </a:lnTo>
-                  <a:lnTo>
-                    <a:pt x="524231" y="936559"/>
-                  </a:lnTo>
-                  <a:lnTo>
-                    <a:pt x="589760" y="965203"/>
-                  </a:lnTo>
-                  <a:lnTo>
-                    <a:pt x="655289" y="993847"/>
-                  </a:lnTo>
-                  <a:lnTo>
-                    <a:pt x="720818" y="1022491"/>
-                  </a:lnTo>
-                  <a:lnTo>
-                    <a:pt x="786346" y="1051135"/>
-                  </a:lnTo>
-                  <a:lnTo>
-                    <a:pt x="851875" y="1079779"/>
-                  </a:lnTo>
-                  <a:lnTo>
-                    <a:pt x="917404" y="1108423"/>
-                  </a:lnTo>
-                  <a:lnTo>
-                    <a:pt x="982933" y="1137067"/>
-                  </a:lnTo>
-                  <a:lnTo>
-                    <a:pt x="1048462" y="1165711"/>
-                  </a:lnTo>
-                  <a:lnTo>
-                    <a:pt x="1113991" y="1194355"/>
-                  </a:lnTo>
-                  <a:lnTo>
-                    <a:pt x="1179520" y="1222999"/>
-                  </a:lnTo>
-                  <a:lnTo>
-                    <a:pt x="1245049" y="1251643"/>
-                  </a:lnTo>
-                  <a:lnTo>
-                    <a:pt x="1310578" y="1280287"/>
-                  </a:lnTo>
-                  <a:lnTo>
-                    <a:pt x="1376107" y="1308931"/>
-                  </a:lnTo>
-                  <a:lnTo>
-                    <a:pt x="1441636" y="1337576"/>
-                  </a:lnTo>
-                  <a:lnTo>
-                    <a:pt x="1507165" y="1366220"/>
-                  </a:lnTo>
-                  <a:lnTo>
-                    <a:pt x="1572693" y="1394864"/>
-                  </a:lnTo>
-                  <a:lnTo>
-                    <a:pt x="1638222" y="1423508"/>
-                  </a:lnTo>
-                  <a:lnTo>
-                    <a:pt x="1703751" y="1452152"/>
-                  </a:lnTo>
-                  <a:lnTo>
-                    <a:pt x="1769280" y="1480796"/>
-                  </a:lnTo>
-                  <a:lnTo>
-                    <a:pt x="1834809" y="1509440"/>
+                    <a:pt x="1644669" y="1318537"/>
+                  </a:lnTo>
+                  <a:lnTo>
+                    <a:pt x="1602073" y="1271446"/>
+                  </a:lnTo>
+                  <a:lnTo>
+                    <a:pt x="1559478" y="1224356"/>
+                  </a:lnTo>
+                  <a:lnTo>
+                    <a:pt x="1516883" y="1177265"/>
+                  </a:lnTo>
+                  <a:lnTo>
+                    <a:pt x="1474287" y="1130175"/>
+                  </a:lnTo>
+                  <a:lnTo>
+                    <a:pt x="1431692" y="1083084"/>
+                  </a:lnTo>
+                  <a:lnTo>
+                    <a:pt x="1389096" y="1035993"/>
+                  </a:lnTo>
+                  <a:lnTo>
+                    <a:pt x="1346501" y="988903"/>
+                  </a:lnTo>
+                  <a:lnTo>
+                    <a:pt x="1303905" y="941812"/>
+                  </a:lnTo>
+                  <a:lnTo>
+                    <a:pt x="1261310" y="894721"/>
+                  </a:lnTo>
+                  <a:lnTo>
+                    <a:pt x="1218714" y="847631"/>
+                  </a:lnTo>
+                  <a:lnTo>
+                    <a:pt x="1176119" y="800540"/>
+                  </a:lnTo>
+                  <a:lnTo>
+                    <a:pt x="1133524" y="753450"/>
+                  </a:lnTo>
+                  <a:lnTo>
+                    <a:pt x="1090928" y="706359"/>
+                  </a:lnTo>
+                  <a:lnTo>
+                    <a:pt x="1048333" y="659268"/>
+                  </a:lnTo>
+                  <a:lnTo>
+                    <a:pt x="1005737" y="612178"/>
+                  </a:lnTo>
+                  <a:lnTo>
+                    <a:pt x="963142" y="565087"/>
+                  </a:lnTo>
+                  <a:lnTo>
+                    <a:pt x="920546" y="517996"/>
+                  </a:lnTo>
+                  <a:lnTo>
+                    <a:pt x="877951" y="470906"/>
+                  </a:lnTo>
+                  <a:lnTo>
+                    <a:pt x="835356" y="423815"/>
+                  </a:lnTo>
+                  <a:lnTo>
+                    <a:pt x="792760" y="376725"/>
+                  </a:lnTo>
+                  <a:lnTo>
+                    <a:pt x="750165" y="329634"/>
+                  </a:lnTo>
+                  <a:lnTo>
+                    <a:pt x="707569" y="282543"/>
+                  </a:lnTo>
+                  <a:lnTo>
+                    <a:pt x="664974" y="235453"/>
+                  </a:lnTo>
+                  <a:lnTo>
+                    <a:pt x="622378" y="188362"/>
+                  </a:lnTo>
+                  <a:lnTo>
+                    <a:pt x="579783" y="141271"/>
+                  </a:lnTo>
+                  <a:lnTo>
+                    <a:pt x="537188" y="94181"/>
+                  </a:lnTo>
+                  <a:lnTo>
+                    <a:pt x="494592" y="47090"/>
+                  </a:lnTo>
+                  <a:lnTo>
+                    <a:pt x="451997" y="0"/>
+                  </a:lnTo>
+                  <a:lnTo>
+                    <a:pt x="404593" y="44423"/>
+                  </a:lnTo>
+                  <a:lnTo>
+                    <a:pt x="358786" y="90491"/>
+                  </a:lnTo>
+                  <a:lnTo>
+                    <a:pt x="314633" y="138147"/>
+                  </a:lnTo>
+                  <a:lnTo>
+                    <a:pt x="272188" y="187330"/>
+                  </a:lnTo>
+                  <a:lnTo>
+                    <a:pt x="231504" y="237980"/>
+                  </a:lnTo>
+                  <a:lnTo>
+                    <a:pt x="192633" y="290033"/>
+                  </a:lnTo>
+                  <a:lnTo>
+                    <a:pt x="155622" y="343425"/>
+                  </a:lnTo>
+                  <a:lnTo>
+                    <a:pt x="120517" y="398090"/>
+                  </a:lnTo>
+                  <a:lnTo>
+                    <a:pt x="87362" y="453959"/>
+                  </a:lnTo>
+                  <a:lnTo>
+                    <a:pt x="56199" y="510962"/>
+                  </a:lnTo>
+                  <a:lnTo>
+                    <a:pt x="27066" y="569030"/>
+                  </a:lnTo>
+                  <a:lnTo>
+                    <a:pt x="0" y="628089"/>
+                  </a:lnTo>
+                  <a:lnTo>
+                    <a:pt x="58181" y="653521"/>
+                  </a:lnTo>
+                  <a:lnTo>
+                    <a:pt x="116363" y="678953"/>
+                  </a:lnTo>
+                  <a:lnTo>
+                    <a:pt x="174544" y="704386"/>
+                  </a:lnTo>
+                  <a:lnTo>
+                    <a:pt x="232726" y="729818"/>
+                  </a:lnTo>
+                  <a:lnTo>
+                    <a:pt x="290907" y="755250"/>
+                  </a:lnTo>
+                  <a:lnTo>
+                    <a:pt x="349089" y="780683"/>
+                  </a:lnTo>
+                  <a:lnTo>
+                    <a:pt x="407270" y="806115"/>
+                  </a:lnTo>
+                  <a:lnTo>
+                    <a:pt x="465452" y="831548"/>
+                  </a:lnTo>
+                  <a:lnTo>
+                    <a:pt x="523633" y="856980"/>
+                  </a:lnTo>
+                  <a:lnTo>
+                    <a:pt x="581815" y="882412"/>
+                  </a:lnTo>
+                  <a:lnTo>
+                    <a:pt x="639996" y="907845"/>
+                  </a:lnTo>
+                  <a:lnTo>
+                    <a:pt x="698178" y="933277"/>
+                  </a:lnTo>
+                  <a:lnTo>
+                    <a:pt x="756360" y="958710"/>
+                  </a:lnTo>
+                  <a:lnTo>
+                    <a:pt x="814541" y="984142"/>
+                  </a:lnTo>
+                  <a:lnTo>
+                    <a:pt x="872723" y="1009574"/>
+                  </a:lnTo>
+                  <a:lnTo>
+                    <a:pt x="930904" y="1035007"/>
+                  </a:lnTo>
+                  <a:lnTo>
+                    <a:pt x="989086" y="1060439"/>
+                  </a:lnTo>
+                  <a:lnTo>
+                    <a:pt x="1047267" y="1085871"/>
+                  </a:lnTo>
+                  <a:lnTo>
+                    <a:pt x="1105449" y="1111304"/>
+                  </a:lnTo>
+                  <a:lnTo>
+                    <a:pt x="1163630" y="1136736"/>
+                  </a:lnTo>
+                  <a:lnTo>
+                    <a:pt x="1221812" y="1162169"/>
+                  </a:lnTo>
+                  <a:lnTo>
+                    <a:pt x="1279993" y="1187601"/>
+                  </a:lnTo>
+                  <a:lnTo>
+                    <a:pt x="1338175" y="1213033"/>
+                  </a:lnTo>
+                  <a:lnTo>
+                    <a:pt x="1396357" y="1238466"/>
+                  </a:lnTo>
+                  <a:lnTo>
+                    <a:pt x="1454538" y="1263898"/>
+                  </a:lnTo>
+                  <a:lnTo>
+                    <a:pt x="1512720" y="1289330"/>
+                  </a:lnTo>
+                  <a:lnTo>
+                    <a:pt x="1570901" y="1314763"/>
+                  </a:lnTo>
+                  <a:lnTo>
+                    <a:pt x="1629083" y="1340195"/>
                   </a:lnTo>
                   <a:close/>
                 </a:path>
@@ -7343,207 +7797,207 @@
           </p:nvSpPr>
           <p:spPr>
             <a:xfrm>
-              <a:off x="4834005" y="2267299"/>
-              <a:ext cx="1391261" cy="1829367"/>
+              <a:off x="4989999" y="2181739"/>
+              <a:ext cx="1235267" cy="1624251"/>
             </a:xfrm>
             <a:custGeom>
               <a:avLst/>
               <a:pathLst>
-                <a:path w="1391261" h="1829367">
+                <a:path w="1235267" h="1624251">
                   <a:moveTo>
-                    <a:pt x="1391261" y="1829367"/>
+                    <a:pt x="1235267" y="1624251"/>
                   </a:moveTo>
                   <a:lnTo>
-                    <a:pt x="1357568" y="1766286"/>
-                  </a:lnTo>
-                  <a:lnTo>
-                    <a:pt x="1323875" y="1703204"/>
-                  </a:lnTo>
-                  <a:lnTo>
-                    <a:pt x="1290182" y="1640122"/>
-                  </a:lnTo>
-                  <a:lnTo>
-                    <a:pt x="1256488" y="1577041"/>
-                  </a:lnTo>
-                  <a:lnTo>
-                    <a:pt x="1222795" y="1513959"/>
-                  </a:lnTo>
-                  <a:lnTo>
-                    <a:pt x="1189102" y="1450877"/>
-                  </a:lnTo>
-                  <a:lnTo>
-                    <a:pt x="1155409" y="1387796"/>
-                  </a:lnTo>
-                  <a:lnTo>
-                    <a:pt x="1121716" y="1324714"/>
-                  </a:lnTo>
-                  <a:lnTo>
-                    <a:pt x="1088023" y="1261632"/>
-                  </a:lnTo>
-                  <a:lnTo>
-                    <a:pt x="1054330" y="1198551"/>
-                  </a:lnTo>
-                  <a:lnTo>
-                    <a:pt x="1020636" y="1135469"/>
-                  </a:lnTo>
-                  <a:lnTo>
-                    <a:pt x="986943" y="1072387"/>
-                  </a:lnTo>
-                  <a:lnTo>
-                    <a:pt x="953250" y="1009306"/>
-                  </a:lnTo>
-                  <a:lnTo>
-                    <a:pt x="919557" y="946224"/>
-                  </a:lnTo>
-                  <a:lnTo>
-                    <a:pt x="885864" y="883143"/>
-                  </a:lnTo>
-                  <a:lnTo>
-                    <a:pt x="852171" y="820061"/>
-                  </a:lnTo>
-                  <a:lnTo>
-                    <a:pt x="818478" y="756979"/>
-                  </a:lnTo>
-                  <a:lnTo>
-                    <a:pt x="784784" y="693898"/>
-                  </a:lnTo>
-                  <a:lnTo>
-                    <a:pt x="751091" y="630816"/>
-                  </a:lnTo>
-                  <a:lnTo>
-                    <a:pt x="717398" y="567734"/>
-                  </a:lnTo>
-                  <a:lnTo>
-                    <a:pt x="683705" y="504653"/>
-                  </a:lnTo>
-                  <a:lnTo>
-                    <a:pt x="650012" y="441571"/>
-                  </a:lnTo>
-                  <a:lnTo>
-                    <a:pt x="616319" y="378489"/>
-                  </a:lnTo>
-                  <a:lnTo>
-                    <a:pt x="582626" y="315408"/>
-                  </a:lnTo>
-                  <a:lnTo>
-                    <a:pt x="548932" y="252326"/>
-                  </a:lnTo>
-                  <a:lnTo>
-                    <a:pt x="515239" y="189244"/>
-                  </a:lnTo>
-                  <a:lnTo>
-                    <a:pt x="481546" y="126163"/>
-                  </a:lnTo>
-                  <a:lnTo>
-                    <a:pt x="447853" y="63081"/>
-                  </a:lnTo>
-                  <a:lnTo>
-                    <a:pt x="414160" y="0"/>
-                  </a:lnTo>
-                  <a:lnTo>
-                    <a:pt x="350808" y="35274"/>
-                  </a:lnTo>
-                  <a:lnTo>
-                    <a:pt x="288727" y="72742"/>
-                  </a:lnTo>
-                  <a:lnTo>
-                    <a:pt x="227995" y="112357"/>
-                  </a:lnTo>
-                  <a:lnTo>
-                    <a:pt x="168684" y="154071"/>
-                  </a:lnTo>
-                  <a:lnTo>
-                    <a:pt x="110868" y="197832"/>
-                  </a:lnTo>
-                  <a:lnTo>
-                    <a:pt x="54617" y="243588"/>
-                  </a:lnTo>
-                  <a:lnTo>
-                    <a:pt x="0" y="291283"/>
-                  </a:lnTo>
-                  <a:lnTo>
-                    <a:pt x="47974" y="344320"/>
-                  </a:lnTo>
-                  <a:lnTo>
-                    <a:pt x="95949" y="397357"/>
-                  </a:lnTo>
-                  <a:lnTo>
-                    <a:pt x="143923" y="450395"/>
-                  </a:lnTo>
-                  <a:lnTo>
-                    <a:pt x="191898" y="503432"/>
-                  </a:lnTo>
-                  <a:lnTo>
-                    <a:pt x="239872" y="556470"/>
-                  </a:lnTo>
-                  <a:lnTo>
-                    <a:pt x="287847" y="609507"/>
-                  </a:lnTo>
-                  <a:lnTo>
-                    <a:pt x="335821" y="662544"/>
-                  </a:lnTo>
-                  <a:lnTo>
-                    <a:pt x="383796" y="715582"/>
-                  </a:lnTo>
-                  <a:lnTo>
-                    <a:pt x="431770" y="768619"/>
-                  </a:lnTo>
-                  <a:lnTo>
-                    <a:pt x="479745" y="821657"/>
-                  </a:lnTo>
-                  <a:lnTo>
-                    <a:pt x="527719" y="874694"/>
-                  </a:lnTo>
-                  <a:lnTo>
-                    <a:pt x="575694" y="927731"/>
-                  </a:lnTo>
-                  <a:lnTo>
-                    <a:pt x="623668" y="980769"/>
-                  </a:lnTo>
-                  <a:lnTo>
-                    <a:pt x="671643" y="1033806"/>
-                  </a:lnTo>
-                  <a:lnTo>
-                    <a:pt x="719618" y="1086844"/>
-                  </a:lnTo>
-                  <a:lnTo>
-                    <a:pt x="767592" y="1139881"/>
-                  </a:lnTo>
-                  <a:lnTo>
-                    <a:pt x="815567" y="1192918"/>
-                  </a:lnTo>
-                  <a:lnTo>
-                    <a:pt x="863541" y="1245956"/>
-                  </a:lnTo>
-                  <a:lnTo>
-                    <a:pt x="911516" y="1298993"/>
-                  </a:lnTo>
-                  <a:lnTo>
-                    <a:pt x="959490" y="1352031"/>
-                  </a:lnTo>
-                  <a:lnTo>
-                    <a:pt x="1007465" y="1405068"/>
-                  </a:lnTo>
-                  <a:lnTo>
-                    <a:pt x="1055439" y="1458105"/>
-                  </a:lnTo>
-                  <a:lnTo>
-                    <a:pt x="1103414" y="1511143"/>
-                  </a:lnTo>
-                  <a:lnTo>
-                    <a:pt x="1151388" y="1564180"/>
-                  </a:lnTo>
-                  <a:lnTo>
-                    <a:pt x="1199363" y="1617218"/>
-                  </a:lnTo>
-                  <a:lnTo>
-                    <a:pt x="1247337" y="1670255"/>
-                  </a:lnTo>
-                  <a:lnTo>
-                    <a:pt x="1295312" y="1723292"/>
-                  </a:lnTo>
-                  <a:lnTo>
-                    <a:pt x="1343287" y="1776330"/>
+                    <a:pt x="1205352" y="1568242"/>
+                  </a:lnTo>
+                  <a:lnTo>
+                    <a:pt x="1175436" y="1512234"/>
+                  </a:lnTo>
+                  <a:lnTo>
+                    <a:pt x="1145521" y="1456225"/>
+                  </a:lnTo>
+                  <a:lnTo>
+                    <a:pt x="1115606" y="1400216"/>
+                  </a:lnTo>
+                  <a:lnTo>
+                    <a:pt x="1085690" y="1344208"/>
+                  </a:lnTo>
+                  <a:lnTo>
+                    <a:pt x="1055775" y="1288199"/>
+                  </a:lnTo>
+                  <a:lnTo>
+                    <a:pt x="1025860" y="1232190"/>
+                  </a:lnTo>
+                  <a:lnTo>
+                    <a:pt x="995944" y="1176182"/>
+                  </a:lnTo>
+                  <a:lnTo>
+                    <a:pt x="966029" y="1120173"/>
+                  </a:lnTo>
+                  <a:lnTo>
+                    <a:pt x="936114" y="1064164"/>
+                  </a:lnTo>
+                  <a:lnTo>
+                    <a:pt x="906198" y="1008156"/>
+                  </a:lnTo>
+                  <a:lnTo>
+                    <a:pt x="876283" y="952147"/>
+                  </a:lnTo>
+                  <a:lnTo>
+                    <a:pt x="846368" y="896138"/>
+                  </a:lnTo>
+                  <a:lnTo>
+                    <a:pt x="816452" y="840130"/>
+                  </a:lnTo>
+                  <a:lnTo>
+                    <a:pt x="786537" y="784121"/>
+                  </a:lnTo>
+                  <a:lnTo>
+                    <a:pt x="756622" y="728112"/>
+                  </a:lnTo>
+                  <a:lnTo>
+                    <a:pt x="726706" y="672104"/>
+                  </a:lnTo>
+                  <a:lnTo>
+                    <a:pt x="696791" y="616095"/>
+                  </a:lnTo>
+                  <a:lnTo>
+                    <a:pt x="666876" y="560086"/>
+                  </a:lnTo>
+                  <a:lnTo>
+                    <a:pt x="636960" y="504078"/>
+                  </a:lnTo>
+                  <a:lnTo>
+                    <a:pt x="607045" y="448069"/>
+                  </a:lnTo>
+                  <a:lnTo>
+                    <a:pt x="577130" y="392060"/>
+                  </a:lnTo>
+                  <a:lnTo>
+                    <a:pt x="547214" y="336052"/>
+                  </a:lnTo>
+                  <a:lnTo>
+                    <a:pt x="517299" y="280043"/>
+                  </a:lnTo>
+                  <a:lnTo>
+                    <a:pt x="487384" y="224034"/>
+                  </a:lnTo>
+                  <a:lnTo>
+                    <a:pt x="457468" y="168026"/>
+                  </a:lnTo>
+                  <a:lnTo>
+                    <a:pt x="427553" y="112017"/>
+                  </a:lnTo>
+                  <a:lnTo>
+                    <a:pt x="397638" y="56008"/>
+                  </a:lnTo>
+                  <a:lnTo>
+                    <a:pt x="367722" y="0"/>
+                  </a:lnTo>
+                  <a:lnTo>
+                    <a:pt x="311474" y="31319"/>
+                  </a:lnTo>
+                  <a:lnTo>
+                    <a:pt x="256354" y="64586"/>
+                  </a:lnTo>
+                  <a:lnTo>
+                    <a:pt x="202431" y="99759"/>
+                  </a:lnTo>
+                  <a:lnTo>
+                    <a:pt x="149770" y="136796"/>
+                  </a:lnTo>
+                  <a:lnTo>
+                    <a:pt x="98437" y="175650"/>
+                  </a:lnTo>
+                  <a:lnTo>
+                    <a:pt x="48493" y="216276"/>
+                  </a:lnTo>
+                  <a:lnTo>
+                    <a:pt x="0" y="258623"/>
+                  </a:lnTo>
+                  <a:lnTo>
+                    <a:pt x="42595" y="305713"/>
+                  </a:lnTo>
+                  <a:lnTo>
+                    <a:pt x="85190" y="352804"/>
+                  </a:lnTo>
+                  <a:lnTo>
+                    <a:pt x="127786" y="399895"/>
+                  </a:lnTo>
+                  <a:lnTo>
+                    <a:pt x="170381" y="446985"/>
+                  </a:lnTo>
+                  <a:lnTo>
+                    <a:pt x="212977" y="494076"/>
+                  </a:lnTo>
+                  <a:lnTo>
+                    <a:pt x="255572" y="541167"/>
+                  </a:lnTo>
+                  <a:lnTo>
+                    <a:pt x="298168" y="588257"/>
+                  </a:lnTo>
+                  <a:lnTo>
+                    <a:pt x="340763" y="635348"/>
+                  </a:lnTo>
+                  <a:lnTo>
+                    <a:pt x="383358" y="682438"/>
+                  </a:lnTo>
+                  <a:lnTo>
+                    <a:pt x="425954" y="729529"/>
+                  </a:lnTo>
+                  <a:lnTo>
+                    <a:pt x="468549" y="776620"/>
+                  </a:lnTo>
+                  <a:lnTo>
+                    <a:pt x="511145" y="823710"/>
+                  </a:lnTo>
+                  <a:lnTo>
+                    <a:pt x="553740" y="870801"/>
+                  </a:lnTo>
+                  <a:lnTo>
+                    <a:pt x="596336" y="917892"/>
+                  </a:lnTo>
+                  <a:lnTo>
+                    <a:pt x="638931" y="964982"/>
+                  </a:lnTo>
+                  <a:lnTo>
+                    <a:pt x="681526" y="1012073"/>
+                  </a:lnTo>
+                  <a:lnTo>
+                    <a:pt x="724122" y="1059163"/>
+                  </a:lnTo>
+                  <a:lnTo>
+                    <a:pt x="766717" y="1106254"/>
+                  </a:lnTo>
+                  <a:lnTo>
+                    <a:pt x="809313" y="1153345"/>
+                  </a:lnTo>
+                  <a:lnTo>
+                    <a:pt x="851908" y="1200435"/>
+                  </a:lnTo>
+                  <a:lnTo>
+                    <a:pt x="894504" y="1247526"/>
+                  </a:lnTo>
+                  <a:lnTo>
+                    <a:pt x="937099" y="1294617"/>
+                  </a:lnTo>
+                  <a:lnTo>
+                    <a:pt x="979694" y="1341707"/>
+                  </a:lnTo>
+                  <a:lnTo>
+                    <a:pt x="1022290" y="1388798"/>
+                  </a:lnTo>
+                  <a:lnTo>
+                    <a:pt x="1064885" y="1435888"/>
+                  </a:lnTo>
+                  <a:lnTo>
+                    <a:pt x="1107481" y="1482979"/>
+                  </a:lnTo>
+                  <a:lnTo>
+                    <a:pt x="1150076" y="1530070"/>
+                  </a:lnTo>
+                  <a:lnTo>
+                    <a:pt x="1192672" y="1577160"/>
                   </a:lnTo>
                   <a:close/>
                 </a:path>
@@ -7578,201 +8032,201 @@
           </p:nvSpPr>
           <p:spPr>
             <a:xfrm>
-              <a:off x="5248165" y="2121355"/>
-              <a:ext cx="977101" cy="1975311"/>
+              <a:off x="5357722" y="2052159"/>
+              <a:ext cx="867544" cy="1753831"/>
             </a:xfrm>
             <a:custGeom>
               <a:avLst/>
               <a:pathLst>
-                <a:path w="977101" h="1975311">
+                <a:path w="867544" h="1753831">
                   <a:moveTo>
-                    <a:pt x="977101" y="1975311"/>
+                    <a:pt x="867544" y="1753831"/>
                   </a:moveTo>
                   <a:lnTo>
-                    <a:pt x="955307" y="1907197"/>
-                  </a:lnTo>
-                  <a:lnTo>
-                    <a:pt x="933513" y="1839083"/>
-                  </a:lnTo>
-                  <a:lnTo>
-                    <a:pt x="911719" y="1770968"/>
-                  </a:lnTo>
-                  <a:lnTo>
-                    <a:pt x="889925" y="1702854"/>
-                  </a:lnTo>
-                  <a:lnTo>
-                    <a:pt x="868131" y="1634740"/>
-                  </a:lnTo>
-                  <a:lnTo>
-                    <a:pt x="846337" y="1566626"/>
-                  </a:lnTo>
-                  <a:lnTo>
-                    <a:pt x="824543" y="1498512"/>
-                  </a:lnTo>
-                  <a:lnTo>
-                    <a:pt x="802749" y="1430397"/>
-                  </a:lnTo>
-                  <a:lnTo>
-                    <a:pt x="780955" y="1362283"/>
-                  </a:lnTo>
-                  <a:lnTo>
-                    <a:pt x="759161" y="1294169"/>
-                  </a:lnTo>
-                  <a:lnTo>
-                    <a:pt x="737366" y="1226055"/>
-                  </a:lnTo>
-                  <a:lnTo>
-                    <a:pt x="715572" y="1157941"/>
-                  </a:lnTo>
-                  <a:lnTo>
-                    <a:pt x="693778" y="1089826"/>
-                  </a:lnTo>
-                  <a:lnTo>
-                    <a:pt x="671984" y="1021712"/>
-                  </a:lnTo>
-                  <a:lnTo>
-                    <a:pt x="650190" y="953598"/>
-                  </a:lnTo>
-                  <a:lnTo>
-                    <a:pt x="628396" y="885484"/>
-                  </a:lnTo>
-                  <a:lnTo>
-                    <a:pt x="606602" y="817370"/>
-                  </a:lnTo>
-                  <a:lnTo>
-                    <a:pt x="584808" y="749256"/>
-                  </a:lnTo>
-                  <a:lnTo>
-                    <a:pt x="563014" y="681141"/>
-                  </a:lnTo>
-                  <a:lnTo>
-                    <a:pt x="541220" y="613027"/>
-                  </a:lnTo>
-                  <a:lnTo>
-                    <a:pt x="519426" y="544913"/>
-                  </a:lnTo>
-                  <a:lnTo>
-                    <a:pt x="497632" y="476799"/>
-                  </a:lnTo>
-                  <a:lnTo>
-                    <a:pt x="475838" y="408685"/>
-                  </a:lnTo>
-                  <a:lnTo>
-                    <a:pt x="454044" y="340570"/>
-                  </a:lnTo>
-                  <a:lnTo>
-                    <a:pt x="432250" y="272456"/>
-                  </a:lnTo>
-                  <a:lnTo>
-                    <a:pt x="410456" y="204342"/>
-                  </a:lnTo>
-                  <a:lnTo>
-                    <a:pt x="388662" y="136228"/>
-                  </a:lnTo>
-                  <a:lnTo>
-                    <a:pt x="366868" y="68114"/>
-                  </a:lnTo>
-                  <a:lnTo>
-                    <a:pt x="345074" y="0"/>
-                  </a:lnTo>
-                  <a:lnTo>
-                    <a:pt x="274037" y="24154"/>
-                  </a:lnTo>
-                  <a:lnTo>
-                    <a:pt x="203919" y="50862"/>
-                  </a:lnTo>
-                  <a:lnTo>
-                    <a:pt x="134814" y="80089"/>
-                  </a:lnTo>
-                  <a:lnTo>
-                    <a:pt x="66811" y="111797"/>
-                  </a:lnTo>
-                  <a:lnTo>
-                    <a:pt x="0" y="145943"/>
-                  </a:lnTo>
-                  <a:lnTo>
-                    <a:pt x="33693" y="209025"/>
-                  </a:lnTo>
-                  <a:lnTo>
-                    <a:pt x="67386" y="272107"/>
-                  </a:lnTo>
-                  <a:lnTo>
-                    <a:pt x="101079" y="335188"/>
-                  </a:lnTo>
-                  <a:lnTo>
-                    <a:pt x="134772" y="398270"/>
-                  </a:lnTo>
-                  <a:lnTo>
-                    <a:pt x="168465" y="461351"/>
-                  </a:lnTo>
-                  <a:lnTo>
-                    <a:pt x="202158" y="524433"/>
-                  </a:lnTo>
-                  <a:lnTo>
-                    <a:pt x="235852" y="587515"/>
-                  </a:lnTo>
-                  <a:lnTo>
-                    <a:pt x="269545" y="650596"/>
-                  </a:lnTo>
-                  <a:lnTo>
-                    <a:pt x="303238" y="713678"/>
-                  </a:lnTo>
-                  <a:lnTo>
-                    <a:pt x="336931" y="776760"/>
-                  </a:lnTo>
-                  <a:lnTo>
-                    <a:pt x="370624" y="839841"/>
-                  </a:lnTo>
-                  <a:lnTo>
-                    <a:pt x="404317" y="902923"/>
-                  </a:lnTo>
-                  <a:lnTo>
-                    <a:pt x="438010" y="966005"/>
-                  </a:lnTo>
-                  <a:lnTo>
-                    <a:pt x="471704" y="1029086"/>
-                  </a:lnTo>
-                  <a:lnTo>
-                    <a:pt x="505397" y="1092168"/>
-                  </a:lnTo>
-                  <a:lnTo>
-                    <a:pt x="539090" y="1155250"/>
-                  </a:lnTo>
-                  <a:lnTo>
-                    <a:pt x="572783" y="1218331"/>
-                  </a:lnTo>
-                  <a:lnTo>
-                    <a:pt x="606476" y="1281413"/>
-                  </a:lnTo>
-                  <a:lnTo>
-                    <a:pt x="640169" y="1344494"/>
-                  </a:lnTo>
-                  <a:lnTo>
-                    <a:pt x="673862" y="1407576"/>
-                  </a:lnTo>
-                  <a:lnTo>
-                    <a:pt x="707556" y="1470658"/>
-                  </a:lnTo>
-                  <a:lnTo>
-                    <a:pt x="741249" y="1533739"/>
-                  </a:lnTo>
-                  <a:lnTo>
-                    <a:pt x="774942" y="1596821"/>
-                  </a:lnTo>
-                  <a:lnTo>
-                    <a:pt x="808635" y="1659903"/>
-                  </a:lnTo>
-                  <a:lnTo>
-                    <a:pt x="842328" y="1722984"/>
-                  </a:lnTo>
-                  <a:lnTo>
-                    <a:pt x="876021" y="1786066"/>
-                  </a:lnTo>
-                  <a:lnTo>
-                    <a:pt x="909714" y="1849148"/>
-                  </a:lnTo>
-                  <a:lnTo>
-                    <a:pt x="943408" y="1912229"/>
+                    <a:pt x="848194" y="1693354"/>
+                  </a:lnTo>
+                  <a:lnTo>
+                    <a:pt x="828843" y="1632877"/>
+                  </a:lnTo>
+                  <a:lnTo>
+                    <a:pt x="809493" y="1572400"/>
+                  </a:lnTo>
+                  <a:lnTo>
+                    <a:pt x="790143" y="1511923"/>
+                  </a:lnTo>
+                  <a:lnTo>
+                    <a:pt x="770792" y="1451446"/>
+                  </a:lnTo>
+                  <a:lnTo>
+                    <a:pt x="751442" y="1390969"/>
+                  </a:lnTo>
+                  <a:lnTo>
+                    <a:pt x="732091" y="1330492"/>
+                  </a:lnTo>
+                  <a:lnTo>
+                    <a:pt x="712741" y="1270015"/>
+                  </a:lnTo>
+                  <a:lnTo>
+                    <a:pt x="693391" y="1209538"/>
+                  </a:lnTo>
+                  <a:lnTo>
+                    <a:pt x="674040" y="1149061"/>
+                  </a:lnTo>
+                  <a:lnTo>
+                    <a:pt x="654690" y="1088584"/>
+                  </a:lnTo>
+                  <a:lnTo>
+                    <a:pt x="635339" y="1028108"/>
+                  </a:lnTo>
+                  <a:lnTo>
+                    <a:pt x="615989" y="967631"/>
+                  </a:lnTo>
+                  <a:lnTo>
+                    <a:pt x="596639" y="907154"/>
+                  </a:lnTo>
+                  <a:lnTo>
+                    <a:pt x="577288" y="846677"/>
+                  </a:lnTo>
+                  <a:lnTo>
+                    <a:pt x="557938" y="786200"/>
+                  </a:lnTo>
+                  <a:lnTo>
+                    <a:pt x="538588" y="725723"/>
+                  </a:lnTo>
+                  <a:lnTo>
+                    <a:pt x="519237" y="665246"/>
+                  </a:lnTo>
+                  <a:lnTo>
+                    <a:pt x="499887" y="604769"/>
+                  </a:lnTo>
+                  <a:lnTo>
+                    <a:pt x="480536" y="544292"/>
+                  </a:lnTo>
+                  <a:lnTo>
+                    <a:pt x="461186" y="483815"/>
+                  </a:lnTo>
+                  <a:lnTo>
+                    <a:pt x="441836" y="423338"/>
+                  </a:lnTo>
+                  <a:lnTo>
+                    <a:pt x="422485" y="362861"/>
+                  </a:lnTo>
+                  <a:lnTo>
+                    <a:pt x="403135" y="302384"/>
+                  </a:lnTo>
+                  <a:lnTo>
+                    <a:pt x="383784" y="241907"/>
+                  </a:lnTo>
+                  <a:lnTo>
+                    <a:pt x="364434" y="181430"/>
+                  </a:lnTo>
+                  <a:lnTo>
+                    <a:pt x="345084" y="120953"/>
+                  </a:lnTo>
+                  <a:lnTo>
+                    <a:pt x="325733" y="60476"/>
+                  </a:lnTo>
+                  <a:lnTo>
+                    <a:pt x="306383" y="0"/>
+                  </a:lnTo>
+                  <a:lnTo>
+                    <a:pt x="243310" y="21446"/>
+                  </a:lnTo>
+                  <a:lnTo>
+                    <a:pt x="181055" y="45159"/>
+                  </a:lnTo>
+                  <a:lnTo>
+                    <a:pt x="119698" y="71109"/>
+                  </a:lnTo>
+                  <a:lnTo>
+                    <a:pt x="59320" y="99261"/>
+                  </a:lnTo>
+                  <a:lnTo>
+                    <a:pt x="0" y="129579"/>
+                  </a:lnTo>
+                  <a:lnTo>
+                    <a:pt x="29915" y="185588"/>
+                  </a:lnTo>
+                  <a:lnTo>
+                    <a:pt x="59830" y="241597"/>
+                  </a:lnTo>
+                  <a:lnTo>
+                    <a:pt x="89745" y="297605"/>
+                  </a:lnTo>
+                  <a:lnTo>
+                    <a:pt x="119661" y="353614"/>
+                  </a:lnTo>
+                  <a:lnTo>
+                    <a:pt x="149576" y="409623"/>
+                  </a:lnTo>
+                  <a:lnTo>
+                    <a:pt x="179491" y="465631"/>
+                  </a:lnTo>
+                  <a:lnTo>
+                    <a:pt x="209407" y="521640"/>
+                  </a:lnTo>
+                  <a:lnTo>
+                    <a:pt x="239322" y="577649"/>
+                  </a:lnTo>
+                  <a:lnTo>
+                    <a:pt x="269237" y="633657"/>
+                  </a:lnTo>
+                  <a:lnTo>
+                    <a:pt x="299153" y="689666"/>
+                  </a:lnTo>
+                  <a:lnTo>
+                    <a:pt x="329068" y="745675"/>
+                  </a:lnTo>
+                  <a:lnTo>
+                    <a:pt x="358983" y="801683"/>
+                  </a:lnTo>
+                  <a:lnTo>
+                    <a:pt x="388899" y="857692"/>
+                  </a:lnTo>
+                  <a:lnTo>
+                    <a:pt x="418814" y="913701"/>
+                  </a:lnTo>
+                  <a:lnTo>
+                    <a:pt x="448729" y="969709"/>
+                  </a:lnTo>
+                  <a:lnTo>
+                    <a:pt x="478645" y="1025718"/>
+                  </a:lnTo>
+                  <a:lnTo>
+                    <a:pt x="508560" y="1081727"/>
+                  </a:lnTo>
+                  <a:lnTo>
+                    <a:pt x="538475" y="1137735"/>
+                  </a:lnTo>
+                  <a:lnTo>
+                    <a:pt x="568391" y="1193744"/>
+                  </a:lnTo>
+                  <a:lnTo>
+                    <a:pt x="598306" y="1249753"/>
+                  </a:lnTo>
+                  <a:lnTo>
+                    <a:pt x="628221" y="1305761"/>
+                  </a:lnTo>
+                  <a:lnTo>
+                    <a:pt x="658137" y="1361770"/>
+                  </a:lnTo>
+                  <a:lnTo>
+                    <a:pt x="688052" y="1417779"/>
+                  </a:lnTo>
+                  <a:lnTo>
+                    <a:pt x="717967" y="1473787"/>
+                  </a:lnTo>
+                  <a:lnTo>
+                    <a:pt x="747883" y="1529796"/>
+                  </a:lnTo>
+                  <a:lnTo>
+                    <a:pt x="777798" y="1585805"/>
+                  </a:lnTo>
+                  <a:lnTo>
+                    <a:pt x="807713" y="1641813"/>
+                  </a:lnTo>
+                  <a:lnTo>
+                    <a:pt x="837629" y="1697822"/>
                   </a:lnTo>
                   <a:close/>
                 </a:path>
@@ -7807,195 +8261,195 @@
           </p:nvSpPr>
           <p:spPr>
             <a:xfrm>
-              <a:off x="5593240" y="2059462"/>
-              <a:ext cx="632026" cy="2037204"/>
+              <a:off x="5664105" y="1997205"/>
+              <a:ext cx="561161" cy="1808784"/>
             </a:xfrm>
             <a:custGeom>
               <a:avLst/>
               <a:pathLst>
-                <a:path w="632026" h="2037204">
+                <a:path w="561161" h="1808784">
                   <a:moveTo>
-                    <a:pt x="632026" y="2037204"/>
+                    <a:pt x="561161" y="1808784"/>
                   </a:moveTo>
                   <a:lnTo>
-                    <a:pt x="618622" y="1966956"/>
-                  </a:lnTo>
-                  <a:lnTo>
-                    <a:pt x="605217" y="1896707"/>
-                  </a:lnTo>
-                  <a:lnTo>
-                    <a:pt x="591813" y="1826459"/>
-                  </a:lnTo>
-                  <a:lnTo>
-                    <a:pt x="578408" y="1756210"/>
-                  </a:lnTo>
-                  <a:lnTo>
-                    <a:pt x="565004" y="1685962"/>
-                  </a:lnTo>
-                  <a:lnTo>
-                    <a:pt x="551599" y="1615713"/>
-                  </a:lnTo>
-                  <a:lnTo>
-                    <a:pt x="538195" y="1545465"/>
-                  </a:lnTo>
-                  <a:lnTo>
-                    <a:pt x="524790" y="1475217"/>
-                  </a:lnTo>
-                  <a:lnTo>
-                    <a:pt x="511386" y="1404968"/>
-                  </a:lnTo>
-                  <a:lnTo>
-                    <a:pt x="497981" y="1334720"/>
-                  </a:lnTo>
-                  <a:lnTo>
-                    <a:pt x="484577" y="1264471"/>
-                  </a:lnTo>
-                  <a:lnTo>
-                    <a:pt x="471172" y="1194223"/>
-                  </a:lnTo>
-                  <a:lnTo>
-                    <a:pt x="457768" y="1123974"/>
-                  </a:lnTo>
-                  <a:lnTo>
-                    <a:pt x="444363" y="1053726"/>
-                  </a:lnTo>
-                  <a:lnTo>
-                    <a:pt x="430959" y="983478"/>
-                  </a:lnTo>
-                  <a:lnTo>
-                    <a:pt x="417555" y="913229"/>
-                  </a:lnTo>
-                  <a:lnTo>
-                    <a:pt x="404150" y="842981"/>
-                  </a:lnTo>
-                  <a:lnTo>
-                    <a:pt x="390746" y="772732"/>
-                  </a:lnTo>
-                  <a:lnTo>
-                    <a:pt x="377341" y="702484"/>
-                  </a:lnTo>
-                  <a:lnTo>
-                    <a:pt x="363937" y="632235"/>
-                  </a:lnTo>
-                  <a:lnTo>
-                    <a:pt x="350532" y="561987"/>
-                  </a:lnTo>
-                  <a:lnTo>
-                    <a:pt x="337128" y="491739"/>
-                  </a:lnTo>
-                  <a:lnTo>
-                    <a:pt x="323723" y="421490"/>
-                  </a:lnTo>
-                  <a:lnTo>
-                    <a:pt x="310319" y="351242"/>
-                  </a:lnTo>
-                  <a:lnTo>
-                    <a:pt x="296914" y="280993"/>
-                  </a:lnTo>
-                  <a:lnTo>
-                    <a:pt x="283510" y="210745"/>
-                  </a:lnTo>
-                  <a:lnTo>
-                    <a:pt x="270105" y="140496"/>
-                  </a:lnTo>
-                  <a:lnTo>
-                    <a:pt x="256701" y="70248"/>
-                  </a:lnTo>
-                  <a:lnTo>
-                    <a:pt x="243296" y="0"/>
-                  </a:lnTo>
-                  <a:lnTo>
-                    <a:pt x="161386" y="17350"/>
-                  </a:lnTo>
-                  <a:lnTo>
-                    <a:pt x="80243" y="37992"/>
-                  </a:lnTo>
-                  <a:lnTo>
-                    <a:pt x="0" y="61893"/>
-                  </a:lnTo>
-                  <a:lnTo>
-                    <a:pt x="21794" y="130007"/>
-                  </a:lnTo>
-                  <a:lnTo>
-                    <a:pt x="43588" y="198121"/>
-                  </a:lnTo>
-                  <a:lnTo>
-                    <a:pt x="65382" y="266235"/>
-                  </a:lnTo>
-                  <a:lnTo>
-                    <a:pt x="87176" y="334349"/>
-                  </a:lnTo>
-                  <a:lnTo>
-                    <a:pt x="108970" y="402463"/>
-                  </a:lnTo>
-                  <a:lnTo>
-                    <a:pt x="130764" y="470578"/>
-                  </a:lnTo>
-                  <a:lnTo>
-                    <a:pt x="152558" y="538692"/>
-                  </a:lnTo>
-                  <a:lnTo>
-                    <a:pt x="174352" y="606806"/>
-                  </a:lnTo>
-                  <a:lnTo>
-                    <a:pt x="196146" y="674920"/>
-                  </a:lnTo>
-                  <a:lnTo>
-                    <a:pt x="217940" y="743034"/>
-                  </a:lnTo>
-                  <a:lnTo>
-                    <a:pt x="239734" y="811149"/>
-                  </a:lnTo>
-                  <a:lnTo>
-                    <a:pt x="261528" y="879263"/>
-                  </a:lnTo>
-                  <a:lnTo>
-                    <a:pt x="283322" y="947377"/>
-                  </a:lnTo>
-                  <a:lnTo>
-                    <a:pt x="305116" y="1015491"/>
-                  </a:lnTo>
-                  <a:lnTo>
-                    <a:pt x="326910" y="1083605"/>
-                  </a:lnTo>
-                  <a:lnTo>
-                    <a:pt x="348704" y="1151720"/>
-                  </a:lnTo>
-                  <a:lnTo>
-                    <a:pt x="370498" y="1219834"/>
-                  </a:lnTo>
-                  <a:lnTo>
-                    <a:pt x="392292" y="1287948"/>
-                  </a:lnTo>
-                  <a:lnTo>
-                    <a:pt x="414086" y="1356062"/>
-                  </a:lnTo>
-                  <a:lnTo>
-                    <a:pt x="435880" y="1424176"/>
-                  </a:lnTo>
-                  <a:lnTo>
-                    <a:pt x="457674" y="1492290"/>
-                  </a:lnTo>
-                  <a:lnTo>
-                    <a:pt x="479468" y="1560405"/>
-                  </a:lnTo>
-                  <a:lnTo>
-                    <a:pt x="501262" y="1628519"/>
-                  </a:lnTo>
-                  <a:lnTo>
-                    <a:pt x="523056" y="1696633"/>
-                  </a:lnTo>
-                  <a:lnTo>
-                    <a:pt x="544850" y="1764747"/>
-                  </a:lnTo>
-                  <a:lnTo>
-                    <a:pt x="566644" y="1832861"/>
-                  </a:lnTo>
-                  <a:lnTo>
-                    <a:pt x="588438" y="1900976"/>
-                  </a:lnTo>
-                  <a:lnTo>
-                    <a:pt x="610232" y="1969090"/>
+                    <a:pt x="549259" y="1746412"/>
+                  </a:lnTo>
+                  <a:lnTo>
+                    <a:pt x="537358" y="1684040"/>
+                  </a:lnTo>
+                  <a:lnTo>
+                    <a:pt x="525456" y="1621669"/>
+                  </a:lnTo>
+                  <a:lnTo>
+                    <a:pt x="513555" y="1559297"/>
+                  </a:lnTo>
+                  <a:lnTo>
+                    <a:pt x="501653" y="1496925"/>
+                  </a:lnTo>
+                  <a:lnTo>
+                    <a:pt x="489752" y="1434553"/>
+                  </a:lnTo>
+                  <a:lnTo>
+                    <a:pt x="477850" y="1372181"/>
+                  </a:lnTo>
+                  <a:lnTo>
+                    <a:pt x="465949" y="1309809"/>
+                  </a:lnTo>
+                  <a:lnTo>
+                    <a:pt x="454047" y="1247437"/>
+                  </a:lnTo>
+                  <a:lnTo>
+                    <a:pt x="442146" y="1185065"/>
+                  </a:lnTo>
+                  <a:lnTo>
+                    <a:pt x="430244" y="1122693"/>
+                  </a:lnTo>
+                  <a:lnTo>
+                    <a:pt x="418343" y="1060322"/>
+                  </a:lnTo>
+                  <a:lnTo>
+                    <a:pt x="406441" y="997950"/>
+                  </a:lnTo>
+                  <a:lnTo>
+                    <a:pt x="394540" y="935578"/>
+                  </a:lnTo>
+                  <a:lnTo>
+                    <a:pt x="382638" y="873206"/>
+                  </a:lnTo>
+                  <a:lnTo>
+                    <a:pt x="370737" y="810834"/>
+                  </a:lnTo>
+                  <a:lnTo>
+                    <a:pt x="358835" y="748462"/>
+                  </a:lnTo>
+                  <a:lnTo>
+                    <a:pt x="346933" y="686090"/>
+                  </a:lnTo>
+                  <a:lnTo>
+                    <a:pt x="335032" y="623718"/>
+                  </a:lnTo>
+                  <a:lnTo>
+                    <a:pt x="323130" y="561346"/>
+                  </a:lnTo>
+                  <a:lnTo>
+                    <a:pt x="311229" y="498975"/>
+                  </a:lnTo>
+                  <a:lnTo>
+                    <a:pt x="299327" y="436603"/>
+                  </a:lnTo>
+                  <a:lnTo>
+                    <a:pt x="287426" y="374231"/>
+                  </a:lnTo>
+                  <a:lnTo>
+                    <a:pt x="275524" y="311859"/>
+                  </a:lnTo>
+                  <a:lnTo>
+                    <a:pt x="263623" y="249487"/>
+                  </a:lnTo>
+                  <a:lnTo>
+                    <a:pt x="251721" y="187115"/>
+                  </a:lnTo>
+                  <a:lnTo>
+                    <a:pt x="239820" y="124743"/>
+                  </a:lnTo>
+                  <a:lnTo>
+                    <a:pt x="227918" y="62371"/>
+                  </a:lnTo>
+                  <a:lnTo>
+                    <a:pt x="216017" y="0"/>
+                  </a:lnTo>
+                  <a:lnTo>
+                    <a:pt x="143291" y="15404"/>
+                  </a:lnTo>
+                  <a:lnTo>
+                    <a:pt x="71246" y="33732"/>
+                  </a:lnTo>
+                  <a:lnTo>
+                    <a:pt x="0" y="54953"/>
+                  </a:lnTo>
+                  <a:lnTo>
+                    <a:pt x="19350" y="115430"/>
+                  </a:lnTo>
+                  <a:lnTo>
+                    <a:pt x="38700" y="175907"/>
+                  </a:lnTo>
+                  <a:lnTo>
+                    <a:pt x="58051" y="236384"/>
+                  </a:lnTo>
+                  <a:lnTo>
+                    <a:pt x="77401" y="296861"/>
+                  </a:lnTo>
+                  <a:lnTo>
+                    <a:pt x="96751" y="357338"/>
+                  </a:lnTo>
+                  <a:lnTo>
+                    <a:pt x="116102" y="417814"/>
+                  </a:lnTo>
+                  <a:lnTo>
+                    <a:pt x="135452" y="478291"/>
+                  </a:lnTo>
+                  <a:lnTo>
+                    <a:pt x="154803" y="538768"/>
+                  </a:lnTo>
+                  <a:lnTo>
+                    <a:pt x="174153" y="599245"/>
+                  </a:lnTo>
+                  <a:lnTo>
+                    <a:pt x="193503" y="659722"/>
+                  </a:lnTo>
+                  <a:lnTo>
+                    <a:pt x="212854" y="720199"/>
+                  </a:lnTo>
+                  <a:lnTo>
+                    <a:pt x="232204" y="780676"/>
+                  </a:lnTo>
+                  <a:lnTo>
+                    <a:pt x="251555" y="841153"/>
+                  </a:lnTo>
+                  <a:lnTo>
+                    <a:pt x="270905" y="901630"/>
+                  </a:lnTo>
+                  <a:lnTo>
+                    <a:pt x="290255" y="962107"/>
+                  </a:lnTo>
+                  <a:lnTo>
+                    <a:pt x="309606" y="1022584"/>
+                  </a:lnTo>
+                  <a:lnTo>
+                    <a:pt x="328956" y="1083061"/>
+                  </a:lnTo>
+                  <a:lnTo>
+                    <a:pt x="348306" y="1143538"/>
+                  </a:lnTo>
+                  <a:lnTo>
+                    <a:pt x="367657" y="1204015"/>
+                  </a:lnTo>
+                  <a:lnTo>
+                    <a:pt x="387007" y="1264492"/>
+                  </a:lnTo>
+                  <a:lnTo>
+                    <a:pt x="406358" y="1324969"/>
+                  </a:lnTo>
+                  <a:lnTo>
+                    <a:pt x="425708" y="1385446"/>
+                  </a:lnTo>
+                  <a:lnTo>
+                    <a:pt x="445058" y="1445923"/>
+                  </a:lnTo>
+                  <a:lnTo>
+                    <a:pt x="464409" y="1506399"/>
+                  </a:lnTo>
+                  <a:lnTo>
+                    <a:pt x="483759" y="1566876"/>
+                  </a:lnTo>
+                  <a:lnTo>
+                    <a:pt x="503110" y="1627353"/>
+                  </a:lnTo>
+                  <a:lnTo>
+                    <a:pt x="522460" y="1687830"/>
+                  </a:lnTo>
+                  <a:lnTo>
+                    <a:pt x="541810" y="1748307"/>
                   </a:lnTo>
                   <a:close/>
                 </a:path>
@@ -8030,192 +8484,192 @@
           </p:nvSpPr>
           <p:spPr>
             <a:xfrm>
-              <a:off x="5836536" y="2033566"/>
-              <a:ext cx="388729" cy="2063100"/>
+              <a:off x="5880122" y="1974213"/>
+              <a:ext cx="345143" cy="1831777"/>
             </a:xfrm>
             <a:custGeom>
               <a:avLst/>
               <a:pathLst>
-                <a:path w="388729" h="2063100">
+                <a:path w="345143" h="1831777">
                   <a:moveTo>
-                    <a:pt x="388729" y="2063100"/>
+                    <a:pt x="345143" y="1831777"/>
                   </a:moveTo>
                   <a:lnTo>
-                    <a:pt x="381420" y="1991959"/>
-                  </a:lnTo>
-                  <a:lnTo>
-                    <a:pt x="374111" y="1920817"/>
-                  </a:lnTo>
-                  <a:lnTo>
-                    <a:pt x="366802" y="1849676"/>
-                  </a:lnTo>
-                  <a:lnTo>
-                    <a:pt x="359493" y="1778534"/>
-                  </a:lnTo>
-                  <a:lnTo>
-                    <a:pt x="352184" y="1707393"/>
-                  </a:lnTo>
-                  <a:lnTo>
-                    <a:pt x="344875" y="1636252"/>
-                  </a:lnTo>
-                  <a:lnTo>
-                    <a:pt x="337565" y="1565110"/>
-                  </a:lnTo>
-                  <a:lnTo>
-                    <a:pt x="330256" y="1493969"/>
-                  </a:lnTo>
-                  <a:lnTo>
-                    <a:pt x="322947" y="1422827"/>
-                  </a:lnTo>
-                  <a:lnTo>
-                    <a:pt x="315638" y="1351686"/>
-                  </a:lnTo>
-                  <a:lnTo>
-                    <a:pt x="308329" y="1280545"/>
-                  </a:lnTo>
-                  <a:lnTo>
-                    <a:pt x="301020" y="1209403"/>
-                  </a:lnTo>
-                  <a:lnTo>
-                    <a:pt x="293711" y="1138262"/>
-                  </a:lnTo>
-                  <a:lnTo>
-                    <a:pt x="286401" y="1067120"/>
-                  </a:lnTo>
-                  <a:lnTo>
-                    <a:pt x="279092" y="995979"/>
-                  </a:lnTo>
-                  <a:lnTo>
-                    <a:pt x="271783" y="924838"/>
-                  </a:lnTo>
-                  <a:lnTo>
-                    <a:pt x="264474" y="853696"/>
-                  </a:lnTo>
-                  <a:lnTo>
-                    <a:pt x="257165" y="782555"/>
-                  </a:lnTo>
-                  <a:lnTo>
-                    <a:pt x="249856" y="711413"/>
-                  </a:lnTo>
-                  <a:lnTo>
-                    <a:pt x="242547" y="640272"/>
-                  </a:lnTo>
-                  <a:lnTo>
-                    <a:pt x="235237" y="569131"/>
-                  </a:lnTo>
-                  <a:lnTo>
-                    <a:pt x="227928" y="497989"/>
-                  </a:lnTo>
-                  <a:lnTo>
-                    <a:pt x="220619" y="426848"/>
-                  </a:lnTo>
-                  <a:lnTo>
-                    <a:pt x="213310" y="355706"/>
-                  </a:lnTo>
-                  <a:lnTo>
-                    <a:pt x="206001" y="284565"/>
-                  </a:lnTo>
-                  <a:lnTo>
-                    <a:pt x="198692" y="213424"/>
-                  </a:lnTo>
-                  <a:lnTo>
-                    <a:pt x="191383" y="142282"/>
-                  </a:lnTo>
-                  <a:lnTo>
-                    <a:pt x="184073" y="71141"/>
-                  </a:lnTo>
-                  <a:lnTo>
-                    <a:pt x="176764" y="0"/>
-                  </a:lnTo>
-                  <a:lnTo>
-                    <a:pt x="88103" y="11043"/>
-                  </a:lnTo>
-                  <a:lnTo>
-                    <a:pt x="0" y="25896"/>
-                  </a:lnTo>
-                  <a:lnTo>
-                    <a:pt x="13404" y="96144"/>
-                  </a:lnTo>
-                  <a:lnTo>
-                    <a:pt x="26808" y="166392"/>
-                  </a:lnTo>
-                  <a:lnTo>
-                    <a:pt x="40213" y="236641"/>
-                  </a:lnTo>
-                  <a:lnTo>
-                    <a:pt x="53617" y="306889"/>
-                  </a:lnTo>
-                  <a:lnTo>
-                    <a:pt x="67022" y="377138"/>
-                  </a:lnTo>
-                  <a:lnTo>
-                    <a:pt x="80426" y="447386"/>
-                  </a:lnTo>
-                  <a:lnTo>
-                    <a:pt x="93831" y="517635"/>
-                  </a:lnTo>
-                  <a:lnTo>
-                    <a:pt x="107235" y="587883"/>
-                  </a:lnTo>
-                  <a:lnTo>
-                    <a:pt x="120640" y="658131"/>
-                  </a:lnTo>
-                  <a:lnTo>
-                    <a:pt x="134044" y="728380"/>
-                  </a:lnTo>
-                  <a:lnTo>
-                    <a:pt x="147449" y="798628"/>
-                  </a:lnTo>
-                  <a:lnTo>
-                    <a:pt x="160853" y="868877"/>
-                  </a:lnTo>
-                  <a:lnTo>
-                    <a:pt x="174258" y="939125"/>
-                  </a:lnTo>
-                  <a:lnTo>
-                    <a:pt x="187662" y="1009374"/>
-                  </a:lnTo>
-                  <a:lnTo>
-                    <a:pt x="201067" y="1079622"/>
-                  </a:lnTo>
-                  <a:lnTo>
-                    <a:pt x="214471" y="1149870"/>
-                  </a:lnTo>
-                  <a:lnTo>
-                    <a:pt x="227876" y="1220119"/>
-                  </a:lnTo>
-                  <a:lnTo>
-                    <a:pt x="241280" y="1290367"/>
-                  </a:lnTo>
-                  <a:lnTo>
-                    <a:pt x="254685" y="1360616"/>
-                  </a:lnTo>
-                  <a:lnTo>
-                    <a:pt x="268089" y="1430864"/>
-                  </a:lnTo>
-                  <a:lnTo>
-                    <a:pt x="281494" y="1501113"/>
-                  </a:lnTo>
-                  <a:lnTo>
-                    <a:pt x="294898" y="1571361"/>
-                  </a:lnTo>
-                  <a:lnTo>
-                    <a:pt x="308302" y="1641609"/>
-                  </a:lnTo>
-                  <a:lnTo>
-                    <a:pt x="321707" y="1711858"/>
-                  </a:lnTo>
-                  <a:lnTo>
-                    <a:pt x="335111" y="1782106"/>
-                  </a:lnTo>
-                  <a:lnTo>
-                    <a:pt x="348516" y="1852355"/>
-                  </a:lnTo>
-                  <a:lnTo>
-                    <a:pt x="361920" y="1922603"/>
-                  </a:lnTo>
-                  <a:lnTo>
-                    <a:pt x="375325" y="1992852"/>
+                    <a:pt x="338654" y="1768612"/>
+                  </a:lnTo>
+                  <a:lnTo>
+                    <a:pt x="332164" y="1705447"/>
+                  </a:lnTo>
+                  <a:lnTo>
+                    <a:pt x="325675" y="1642282"/>
+                  </a:lnTo>
+                  <a:lnTo>
+                    <a:pt x="319185" y="1579118"/>
+                  </a:lnTo>
+                  <a:lnTo>
+                    <a:pt x="312695" y="1515953"/>
+                  </a:lnTo>
+                  <a:lnTo>
+                    <a:pt x="306206" y="1452788"/>
+                  </a:lnTo>
+                  <a:lnTo>
+                    <a:pt x="299716" y="1389624"/>
+                  </a:lnTo>
+                  <a:lnTo>
+                    <a:pt x="293226" y="1326459"/>
+                  </a:lnTo>
+                  <a:lnTo>
+                    <a:pt x="286737" y="1263294"/>
+                  </a:lnTo>
+                  <a:lnTo>
+                    <a:pt x="280247" y="1200129"/>
+                  </a:lnTo>
+                  <a:lnTo>
+                    <a:pt x="273758" y="1136965"/>
+                  </a:lnTo>
+                  <a:lnTo>
+                    <a:pt x="267268" y="1073800"/>
+                  </a:lnTo>
+                  <a:lnTo>
+                    <a:pt x="260778" y="1010635"/>
+                  </a:lnTo>
+                  <a:lnTo>
+                    <a:pt x="254289" y="947470"/>
+                  </a:lnTo>
+                  <a:lnTo>
+                    <a:pt x="247799" y="884306"/>
+                  </a:lnTo>
+                  <a:lnTo>
+                    <a:pt x="241310" y="821141"/>
+                  </a:lnTo>
+                  <a:lnTo>
+                    <a:pt x="234820" y="757976"/>
+                  </a:lnTo>
+                  <a:lnTo>
+                    <a:pt x="228330" y="694812"/>
+                  </a:lnTo>
+                  <a:lnTo>
+                    <a:pt x="221841" y="631647"/>
+                  </a:lnTo>
+                  <a:lnTo>
+                    <a:pt x="215351" y="568482"/>
+                  </a:lnTo>
+                  <a:lnTo>
+                    <a:pt x="208862" y="505317"/>
+                  </a:lnTo>
+                  <a:lnTo>
+                    <a:pt x="202372" y="442153"/>
+                  </a:lnTo>
+                  <a:lnTo>
+                    <a:pt x="195882" y="378988"/>
+                  </a:lnTo>
+                  <a:lnTo>
+                    <a:pt x="189393" y="315823"/>
+                  </a:lnTo>
+                  <a:lnTo>
+                    <a:pt x="182903" y="252658"/>
+                  </a:lnTo>
+                  <a:lnTo>
+                    <a:pt x="176414" y="189494"/>
+                  </a:lnTo>
+                  <a:lnTo>
+                    <a:pt x="169924" y="126329"/>
+                  </a:lnTo>
+                  <a:lnTo>
+                    <a:pt x="163434" y="63164"/>
+                  </a:lnTo>
+                  <a:lnTo>
+                    <a:pt x="156945" y="0"/>
+                  </a:lnTo>
+                  <a:lnTo>
+                    <a:pt x="78224" y="9805"/>
+                  </a:lnTo>
+                  <a:lnTo>
+                    <a:pt x="0" y="22992"/>
+                  </a:lnTo>
+                  <a:lnTo>
+                    <a:pt x="11901" y="85364"/>
+                  </a:lnTo>
+                  <a:lnTo>
+                    <a:pt x="23803" y="147736"/>
+                  </a:lnTo>
+                  <a:lnTo>
+                    <a:pt x="35704" y="210108"/>
+                  </a:lnTo>
+                  <a:lnTo>
+                    <a:pt x="47606" y="272480"/>
+                  </a:lnTo>
+                  <a:lnTo>
+                    <a:pt x="59507" y="334851"/>
+                  </a:lnTo>
+                  <a:lnTo>
+                    <a:pt x="71409" y="397223"/>
+                  </a:lnTo>
+                  <a:lnTo>
+                    <a:pt x="83310" y="459595"/>
+                  </a:lnTo>
+                  <a:lnTo>
+                    <a:pt x="95212" y="521967"/>
+                  </a:lnTo>
+                  <a:lnTo>
+                    <a:pt x="107113" y="584339"/>
+                  </a:lnTo>
+                  <a:lnTo>
+                    <a:pt x="119015" y="646711"/>
+                  </a:lnTo>
+                  <a:lnTo>
+                    <a:pt x="130916" y="709083"/>
+                  </a:lnTo>
+                  <a:lnTo>
+                    <a:pt x="142818" y="771455"/>
+                  </a:lnTo>
+                  <a:lnTo>
+                    <a:pt x="154719" y="833826"/>
+                  </a:lnTo>
+                  <a:lnTo>
+                    <a:pt x="166621" y="896198"/>
+                  </a:lnTo>
+                  <a:lnTo>
+                    <a:pt x="178522" y="958570"/>
+                  </a:lnTo>
+                  <a:lnTo>
+                    <a:pt x="190424" y="1020942"/>
+                  </a:lnTo>
+                  <a:lnTo>
+                    <a:pt x="202325" y="1083314"/>
+                  </a:lnTo>
+                  <a:lnTo>
+                    <a:pt x="214227" y="1145686"/>
+                  </a:lnTo>
+                  <a:lnTo>
+                    <a:pt x="226128" y="1208058"/>
+                  </a:lnTo>
+                  <a:lnTo>
+                    <a:pt x="238030" y="1270430"/>
+                  </a:lnTo>
+                  <a:lnTo>
+                    <a:pt x="249931" y="1332802"/>
+                  </a:lnTo>
+                  <a:lnTo>
+                    <a:pt x="261833" y="1395173"/>
+                  </a:lnTo>
+                  <a:lnTo>
+                    <a:pt x="273734" y="1457545"/>
+                  </a:lnTo>
+                  <a:lnTo>
+                    <a:pt x="285636" y="1519917"/>
+                  </a:lnTo>
+                  <a:lnTo>
+                    <a:pt x="297537" y="1582289"/>
+                  </a:lnTo>
+                  <a:lnTo>
+                    <a:pt x="309439" y="1644661"/>
+                  </a:lnTo>
+                  <a:lnTo>
+                    <a:pt x="321340" y="1707033"/>
+                  </a:lnTo>
+                  <a:lnTo>
+                    <a:pt x="333242" y="1769405"/>
                   </a:lnTo>
                   <a:close/>
                 </a:path>
@@ -8250,189 +8704,189 @@
           </p:nvSpPr>
           <p:spPr>
             <a:xfrm>
-              <a:off x="6013301" y="2025002"/>
-              <a:ext cx="211965" cy="2071664"/>
+              <a:off x="6037067" y="1966609"/>
+              <a:ext cx="188198" cy="1839380"/>
             </a:xfrm>
             <a:custGeom>
               <a:avLst/>
               <a:pathLst>
-                <a:path w="211965" h="2071664">
+                <a:path w="188198" h="1839380">
                   <a:moveTo>
-                    <a:pt x="211965" y="2071664"/>
+                    <a:pt x="188198" y="1839380"/>
                   </a:moveTo>
                   <a:lnTo>
-                    <a:pt x="208600" y="2000227"/>
-                  </a:lnTo>
-                  <a:lnTo>
-                    <a:pt x="205236" y="1928790"/>
-                  </a:lnTo>
-                  <a:lnTo>
-                    <a:pt x="201871" y="1857354"/>
-                  </a:lnTo>
-                  <a:lnTo>
-                    <a:pt x="198507" y="1785917"/>
-                  </a:lnTo>
-                  <a:lnTo>
-                    <a:pt x="195142" y="1714480"/>
-                  </a:lnTo>
-                  <a:lnTo>
-                    <a:pt x="191778" y="1643044"/>
-                  </a:lnTo>
-                  <a:lnTo>
-                    <a:pt x="188414" y="1571607"/>
-                  </a:lnTo>
-                  <a:lnTo>
-                    <a:pt x="185049" y="1500170"/>
-                  </a:lnTo>
-                  <a:lnTo>
-                    <a:pt x="181685" y="1428734"/>
-                  </a:lnTo>
-                  <a:lnTo>
-                    <a:pt x="178320" y="1357297"/>
-                  </a:lnTo>
-                  <a:lnTo>
-                    <a:pt x="174956" y="1285860"/>
-                  </a:lnTo>
-                  <a:lnTo>
-                    <a:pt x="171591" y="1214423"/>
-                  </a:lnTo>
-                  <a:lnTo>
-                    <a:pt x="168227" y="1142987"/>
-                  </a:lnTo>
-                  <a:lnTo>
-                    <a:pt x="164862" y="1071550"/>
-                  </a:lnTo>
-                  <a:lnTo>
-                    <a:pt x="161498" y="1000113"/>
-                  </a:lnTo>
-                  <a:lnTo>
-                    <a:pt x="158134" y="928677"/>
-                  </a:lnTo>
-                  <a:lnTo>
-                    <a:pt x="154769" y="857240"/>
-                  </a:lnTo>
-                  <a:lnTo>
-                    <a:pt x="151405" y="785803"/>
-                  </a:lnTo>
-                  <a:lnTo>
-                    <a:pt x="148040" y="714367"/>
-                  </a:lnTo>
-                  <a:lnTo>
-                    <a:pt x="144676" y="642930"/>
-                  </a:lnTo>
-                  <a:lnTo>
-                    <a:pt x="141311" y="571493"/>
-                  </a:lnTo>
-                  <a:lnTo>
-                    <a:pt x="137947" y="500056"/>
-                  </a:lnTo>
-                  <a:lnTo>
-                    <a:pt x="134583" y="428620"/>
-                  </a:lnTo>
-                  <a:lnTo>
-                    <a:pt x="131218" y="357183"/>
-                  </a:lnTo>
-                  <a:lnTo>
-                    <a:pt x="127854" y="285746"/>
-                  </a:lnTo>
-                  <a:lnTo>
-                    <a:pt x="124489" y="214310"/>
-                  </a:lnTo>
-                  <a:lnTo>
-                    <a:pt x="121125" y="142873"/>
-                  </a:lnTo>
-                  <a:lnTo>
-                    <a:pt x="117760" y="71436"/>
-                  </a:lnTo>
-                  <a:lnTo>
-                    <a:pt x="114396" y="0"/>
-                  </a:lnTo>
-                  <a:lnTo>
-                    <a:pt x="0" y="8563"/>
-                  </a:lnTo>
-                  <a:lnTo>
-                    <a:pt x="7309" y="79705"/>
-                  </a:lnTo>
-                  <a:lnTo>
-                    <a:pt x="14618" y="150846"/>
-                  </a:lnTo>
-                  <a:lnTo>
-                    <a:pt x="21927" y="221988"/>
-                  </a:lnTo>
-                  <a:lnTo>
-                    <a:pt x="29236" y="293129"/>
-                  </a:lnTo>
-                  <a:lnTo>
-                    <a:pt x="36545" y="364270"/>
-                  </a:lnTo>
-                  <a:lnTo>
-                    <a:pt x="43854" y="435412"/>
-                  </a:lnTo>
-                  <a:lnTo>
-                    <a:pt x="51163" y="506553"/>
-                  </a:lnTo>
-                  <a:lnTo>
-                    <a:pt x="58473" y="577695"/>
-                  </a:lnTo>
-                  <a:lnTo>
-                    <a:pt x="65782" y="648836"/>
-                  </a:lnTo>
-                  <a:lnTo>
-                    <a:pt x="73091" y="719977"/>
-                  </a:lnTo>
-                  <a:lnTo>
-                    <a:pt x="80400" y="791119"/>
-                  </a:lnTo>
-                  <a:lnTo>
-                    <a:pt x="87709" y="862260"/>
-                  </a:lnTo>
-                  <a:lnTo>
-                    <a:pt x="95018" y="933402"/>
-                  </a:lnTo>
-                  <a:lnTo>
-                    <a:pt x="102327" y="1004543"/>
-                  </a:lnTo>
-                  <a:lnTo>
-                    <a:pt x="109637" y="1075684"/>
-                  </a:lnTo>
-                  <a:lnTo>
-                    <a:pt x="116946" y="1146826"/>
-                  </a:lnTo>
-                  <a:lnTo>
-                    <a:pt x="124255" y="1217967"/>
-                  </a:lnTo>
-                  <a:lnTo>
-                    <a:pt x="131564" y="1289108"/>
-                  </a:lnTo>
-                  <a:lnTo>
-                    <a:pt x="138873" y="1360250"/>
-                  </a:lnTo>
-                  <a:lnTo>
-                    <a:pt x="146182" y="1431391"/>
-                  </a:lnTo>
-                  <a:lnTo>
-                    <a:pt x="153491" y="1502533"/>
-                  </a:lnTo>
-                  <a:lnTo>
-                    <a:pt x="160801" y="1573674"/>
-                  </a:lnTo>
-                  <a:lnTo>
-                    <a:pt x="168110" y="1644815"/>
-                  </a:lnTo>
-                  <a:lnTo>
-                    <a:pt x="175419" y="1715957"/>
-                  </a:lnTo>
-                  <a:lnTo>
-                    <a:pt x="182728" y="1787098"/>
-                  </a:lnTo>
-                  <a:lnTo>
-                    <a:pt x="190037" y="1858240"/>
-                  </a:lnTo>
-                  <a:lnTo>
-                    <a:pt x="197346" y="1929381"/>
-                  </a:lnTo>
-                  <a:lnTo>
-                    <a:pt x="204655" y="2000522"/>
+                    <a:pt x="185211" y="1775953"/>
+                  </a:lnTo>
+                  <a:lnTo>
+                    <a:pt x="182224" y="1712526"/>
+                  </a:lnTo>
+                  <a:lnTo>
+                    <a:pt x="179237" y="1649100"/>
+                  </a:lnTo>
+                  <a:lnTo>
+                    <a:pt x="176249" y="1585673"/>
+                  </a:lnTo>
+                  <a:lnTo>
+                    <a:pt x="173262" y="1522246"/>
+                  </a:lnTo>
+                  <a:lnTo>
+                    <a:pt x="170275" y="1458819"/>
+                  </a:lnTo>
+                  <a:lnTo>
+                    <a:pt x="167288" y="1395392"/>
+                  </a:lnTo>
+                  <a:lnTo>
+                    <a:pt x="164301" y="1331965"/>
+                  </a:lnTo>
+                  <a:lnTo>
+                    <a:pt x="161313" y="1268538"/>
+                  </a:lnTo>
+                  <a:lnTo>
+                    <a:pt x="158326" y="1205111"/>
+                  </a:lnTo>
+                  <a:lnTo>
+                    <a:pt x="155339" y="1141684"/>
+                  </a:lnTo>
+                  <a:lnTo>
+                    <a:pt x="152352" y="1078257"/>
+                  </a:lnTo>
+                  <a:lnTo>
+                    <a:pt x="149365" y="1014830"/>
+                  </a:lnTo>
+                  <a:lnTo>
+                    <a:pt x="146377" y="951403"/>
+                  </a:lnTo>
+                  <a:lnTo>
+                    <a:pt x="143390" y="887976"/>
+                  </a:lnTo>
+                  <a:lnTo>
+                    <a:pt x="140403" y="824550"/>
+                  </a:lnTo>
+                  <a:lnTo>
+                    <a:pt x="137416" y="761123"/>
+                  </a:lnTo>
+                  <a:lnTo>
+                    <a:pt x="134429" y="697696"/>
+                  </a:lnTo>
+                  <a:lnTo>
+                    <a:pt x="131441" y="634269"/>
+                  </a:lnTo>
+                  <a:lnTo>
+                    <a:pt x="128454" y="570842"/>
+                  </a:lnTo>
+                  <a:lnTo>
+                    <a:pt x="125467" y="507415"/>
+                  </a:lnTo>
+                  <a:lnTo>
+                    <a:pt x="122480" y="443988"/>
+                  </a:lnTo>
+                  <a:lnTo>
+                    <a:pt x="119493" y="380561"/>
+                  </a:lnTo>
+                  <a:lnTo>
+                    <a:pt x="116505" y="317134"/>
+                  </a:lnTo>
+                  <a:lnTo>
+                    <a:pt x="113518" y="253707"/>
+                  </a:lnTo>
+                  <a:lnTo>
+                    <a:pt x="110531" y="190280"/>
+                  </a:lnTo>
+                  <a:lnTo>
+                    <a:pt x="107544" y="126853"/>
+                  </a:lnTo>
+                  <a:lnTo>
+                    <a:pt x="104557" y="63426"/>
+                  </a:lnTo>
+                  <a:lnTo>
+                    <a:pt x="101569" y="0"/>
+                  </a:lnTo>
+                  <a:lnTo>
+                    <a:pt x="0" y="7603"/>
+                  </a:lnTo>
+                  <a:lnTo>
+                    <a:pt x="6489" y="70768"/>
+                  </a:lnTo>
+                  <a:lnTo>
+                    <a:pt x="12979" y="133933"/>
+                  </a:lnTo>
+                  <a:lnTo>
+                    <a:pt x="19468" y="197097"/>
+                  </a:lnTo>
+                  <a:lnTo>
+                    <a:pt x="25958" y="260262"/>
+                  </a:lnTo>
+                  <a:lnTo>
+                    <a:pt x="32448" y="323427"/>
+                  </a:lnTo>
+                  <a:lnTo>
+                    <a:pt x="38937" y="386592"/>
+                  </a:lnTo>
+                  <a:lnTo>
+                    <a:pt x="45427" y="449756"/>
+                  </a:lnTo>
+                  <a:lnTo>
+                    <a:pt x="51916" y="512921"/>
+                  </a:lnTo>
+                  <a:lnTo>
+                    <a:pt x="58406" y="576086"/>
+                  </a:lnTo>
+                  <a:lnTo>
+                    <a:pt x="64896" y="639250"/>
+                  </a:lnTo>
+                  <a:lnTo>
+                    <a:pt x="71385" y="702415"/>
+                  </a:lnTo>
+                  <a:lnTo>
+                    <a:pt x="77875" y="765580"/>
+                  </a:lnTo>
+                  <a:lnTo>
+                    <a:pt x="84364" y="828745"/>
+                  </a:lnTo>
+                  <a:lnTo>
+                    <a:pt x="90854" y="891909"/>
+                  </a:lnTo>
+                  <a:lnTo>
+                    <a:pt x="97344" y="955074"/>
+                  </a:lnTo>
+                  <a:lnTo>
+                    <a:pt x="103833" y="1018239"/>
+                  </a:lnTo>
+                  <a:lnTo>
+                    <a:pt x="110323" y="1081404"/>
+                  </a:lnTo>
+                  <a:lnTo>
+                    <a:pt x="116812" y="1144568"/>
+                  </a:lnTo>
+                  <a:lnTo>
+                    <a:pt x="123302" y="1207733"/>
+                  </a:lnTo>
+                  <a:lnTo>
+                    <a:pt x="129792" y="1270898"/>
+                  </a:lnTo>
+                  <a:lnTo>
+                    <a:pt x="136281" y="1334062"/>
+                  </a:lnTo>
+                  <a:lnTo>
+                    <a:pt x="142771" y="1397227"/>
+                  </a:lnTo>
+                  <a:lnTo>
+                    <a:pt x="149260" y="1460392"/>
+                  </a:lnTo>
+                  <a:lnTo>
+                    <a:pt x="155750" y="1523557"/>
+                  </a:lnTo>
+                  <a:lnTo>
+                    <a:pt x="162240" y="1586721"/>
+                  </a:lnTo>
+                  <a:lnTo>
+                    <a:pt x="168729" y="1649886"/>
+                  </a:lnTo>
+                  <a:lnTo>
+                    <a:pt x="175219" y="1713051"/>
+                  </a:lnTo>
+                  <a:lnTo>
+                    <a:pt x="181709" y="1776216"/>
                   </a:lnTo>
                   <a:close/>
                 </a:path>
@@ -8467,189 +8921,189 @@
           </p:nvSpPr>
           <p:spPr>
             <a:xfrm>
-              <a:off x="6127698" y="2023032"/>
-              <a:ext cx="97568" cy="2073634"/>
+              <a:off x="6138637" y="1964860"/>
+              <a:ext cx="86628" cy="1841129"/>
             </a:xfrm>
             <a:custGeom>
               <a:avLst/>
               <a:pathLst>
-                <a:path w="97568" h="2073634">
+                <a:path w="86628" h="1841129">
                   <a:moveTo>
-                    <a:pt x="97568" y="2073634"/>
+                    <a:pt x="86628" y="1841129"/>
                   </a:moveTo>
                   <a:lnTo>
-                    <a:pt x="96300" y="2002129"/>
-                  </a:lnTo>
-                  <a:lnTo>
-                    <a:pt x="95031" y="1930625"/>
-                  </a:lnTo>
-                  <a:lnTo>
-                    <a:pt x="93763" y="1859120"/>
-                  </a:lnTo>
-                  <a:lnTo>
-                    <a:pt x="92494" y="1787615"/>
-                  </a:lnTo>
-                  <a:lnTo>
-                    <a:pt x="91226" y="1716111"/>
-                  </a:lnTo>
-                  <a:lnTo>
-                    <a:pt x="89958" y="1644606"/>
-                  </a:lnTo>
-                  <a:lnTo>
-                    <a:pt x="88689" y="1573101"/>
-                  </a:lnTo>
-                  <a:lnTo>
-                    <a:pt x="87421" y="1501597"/>
-                  </a:lnTo>
-                  <a:lnTo>
-                    <a:pt x="86152" y="1430092"/>
-                  </a:lnTo>
-                  <a:lnTo>
-                    <a:pt x="84884" y="1358588"/>
-                  </a:lnTo>
-                  <a:lnTo>
-                    <a:pt x="83616" y="1287083"/>
-                  </a:lnTo>
-                  <a:lnTo>
-                    <a:pt x="82347" y="1215578"/>
-                  </a:lnTo>
-                  <a:lnTo>
-                    <a:pt x="81079" y="1144074"/>
-                  </a:lnTo>
-                  <a:lnTo>
-                    <a:pt x="79810" y="1072569"/>
-                  </a:lnTo>
-                  <a:lnTo>
-                    <a:pt x="78542" y="1001064"/>
-                  </a:lnTo>
-                  <a:lnTo>
-                    <a:pt x="77274" y="929560"/>
-                  </a:lnTo>
-                  <a:lnTo>
-                    <a:pt x="76005" y="858055"/>
-                  </a:lnTo>
-                  <a:lnTo>
-                    <a:pt x="74737" y="786550"/>
-                  </a:lnTo>
-                  <a:lnTo>
-                    <a:pt x="73468" y="715046"/>
-                  </a:lnTo>
-                  <a:lnTo>
-                    <a:pt x="72200" y="643541"/>
-                  </a:lnTo>
-                  <a:lnTo>
-                    <a:pt x="70932" y="572037"/>
-                  </a:lnTo>
-                  <a:lnTo>
-                    <a:pt x="69663" y="500532"/>
-                  </a:lnTo>
-                  <a:lnTo>
-                    <a:pt x="68395" y="429027"/>
-                  </a:lnTo>
-                  <a:lnTo>
-                    <a:pt x="67126" y="357523"/>
-                  </a:lnTo>
-                  <a:lnTo>
-                    <a:pt x="65858" y="286018"/>
-                  </a:lnTo>
-                  <a:lnTo>
-                    <a:pt x="64590" y="214513"/>
-                  </a:lnTo>
-                  <a:lnTo>
-                    <a:pt x="63321" y="143009"/>
-                  </a:lnTo>
-                  <a:lnTo>
-                    <a:pt x="62053" y="71504"/>
-                  </a:lnTo>
-                  <a:lnTo>
-                    <a:pt x="60784" y="0"/>
-                  </a:lnTo>
-                  <a:lnTo>
-                    <a:pt x="0" y="1970"/>
-                  </a:lnTo>
-                  <a:lnTo>
-                    <a:pt x="3364" y="73406"/>
-                  </a:lnTo>
-                  <a:lnTo>
-                    <a:pt x="6728" y="144843"/>
-                  </a:lnTo>
-                  <a:lnTo>
-                    <a:pt x="10093" y="216280"/>
-                  </a:lnTo>
-                  <a:lnTo>
-                    <a:pt x="13457" y="287716"/>
-                  </a:lnTo>
-                  <a:lnTo>
-                    <a:pt x="16822" y="359153"/>
-                  </a:lnTo>
-                  <a:lnTo>
-                    <a:pt x="20186" y="430590"/>
-                  </a:lnTo>
-                  <a:lnTo>
-                    <a:pt x="23551" y="502026"/>
-                  </a:lnTo>
-                  <a:lnTo>
-                    <a:pt x="26915" y="573463"/>
-                  </a:lnTo>
-                  <a:lnTo>
-                    <a:pt x="30279" y="644900"/>
-                  </a:lnTo>
-                  <a:lnTo>
-                    <a:pt x="33644" y="716337"/>
-                  </a:lnTo>
-                  <a:lnTo>
-                    <a:pt x="37008" y="787773"/>
-                  </a:lnTo>
-                  <a:lnTo>
-                    <a:pt x="40373" y="859210"/>
-                  </a:lnTo>
-                  <a:lnTo>
-                    <a:pt x="43737" y="930647"/>
-                  </a:lnTo>
-                  <a:lnTo>
-                    <a:pt x="47102" y="1002083"/>
-                  </a:lnTo>
-                  <a:lnTo>
-                    <a:pt x="50466" y="1073520"/>
-                  </a:lnTo>
-                  <a:lnTo>
-                    <a:pt x="53830" y="1144957"/>
-                  </a:lnTo>
-                  <a:lnTo>
-                    <a:pt x="57195" y="1216394"/>
-                  </a:lnTo>
-                  <a:lnTo>
-                    <a:pt x="60559" y="1287830"/>
-                  </a:lnTo>
-                  <a:lnTo>
-                    <a:pt x="63924" y="1359267"/>
-                  </a:lnTo>
-                  <a:lnTo>
-                    <a:pt x="67288" y="1430704"/>
-                  </a:lnTo>
-                  <a:lnTo>
-                    <a:pt x="70653" y="1502140"/>
-                  </a:lnTo>
-                  <a:lnTo>
-                    <a:pt x="74017" y="1573577"/>
-                  </a:lnTo>
-                  <a:lnTo>
-                    <a:pt x="77381" y="1645014"/>
-                  </a:lnTo>
-                  <a:lnTo>
-                    <a:pt x="80746" y="1716450"/>
-                  </a:lnTo>
-                  <a:lnTo>
-                    <a:pt x="84110" y="1787887"/>
-                  </a:lnTo>
-                  <a:lnTo>
-                    <a:pt x="87475" y="1859324"/>
-                  </a:lnTo>
-                  <a:lnTo>
-                    <a:pt x="90839" y="1930761"/>
-                  </a:lnTo>
-                  <a:lnTo>
-                    <a:pt x="94204" y="2002197"/>
+                    <a:pt x="85502" y="1777642"/>
+                  </a:lnTo>
+                  <a:lnTo>
+                    <a:pt x="84376" y="1714155"/>
+                  </a:lnTo>
+                  <a:lnTo>
+                    <a:pt x="83250" y="1650668"/>
+                  </a:lnTo>
+                  <a:lnTo>
+                    <a:pt x="82124" y="1587181"/>
+                  </a:lnTo>
+                  <a:lnTo>
+                    <a:pt x="80997" y="1523693"/>
+                  </a:lnTo>
+                  <a:lnTo>
+                    <a:pt x="79871" y="1460206"/>
+                  </a:lnTo>
+                  <a:lnTo>
+                    <a:pt x="78745" y="1396719"/>
+                  </a:lnTo>
+                  <a:lnTo>
+                    <a:pt x="77619" y="1333232"/>
+                  </a:lnTo>
+                  <a:lnTo>
+                    <a:pt x="76493" y="1269744"/>
+                  </a:lnTo>
+                  <a:lnTo>
+                    <a:pt x="75366" y="1206257"/>
+                  </a:lnTo>
+                  <a:lnTo>
+                    <a:pt x="74240" y="1142770"/>
+                  </a:lnTo>
+                  <a:lnTo>
+                    <a:pt x="73114" y="1079283"/>
+                  </a:lnTo>
+                  <a:lnTo>
+                    <a:pt x="71988" y="1015795"/>
+                  </a:lnTo>
+                  <a:lnTo>
+                    <a:pt x="70862" y="952308"/>
+                  </a:lnTo>
+                  <a:lnTo>
+                    <a:pt x="69736" y="888821"/>
+                  </a:lnTo>
+                  <a:lnTo>
+                    <a:pt x="68609" y="825334"/>
+                  </a:lnTo>
+                  <a:lnTo>
+                    <a:pt x="67483" y="761846"/>
+                  </a:lnTo>
+                  <a:lnTo>
+                    <a:pt x="66357" y="698359"/>
+                  </a:lnTo>
+                  <a:lnTo>
+                    <a:pt x="65231" y="634872"/>
+                  </a:lnTo>
+                  <a:lnTo>
+                    <a:pt x="64105" y="571385"/>
+                  </a:lnTo>
+                  <a:lnTo>
+                    <a:pt x="62978" y="507897"/>
+                  </a:lnTo>
+                  <a:lnTo>
+                    <a:pt x="61852" y="444410"/>
+                  </a:lnTo>
+                  <a:lnTo>
+                    <a:pt x="60726" y="380923"/>
+                  </a:lnTo>
+                  <a:lnTo>
+                    <a:pt x="59600" y="317436"/>
+                  </a:lnTo>
+                  <a:lnTo>
+                    <a:pt x="58474" y="253948"/>
+                  </a:lnTo>
+                  <a:lnTo>
+                    <a:pt x="57348" y="190461"/>
+                  </a:lnTo>
+                  <a:lnTo>
+                    <a:pt x="56221" y="126974"/>
+                  </a:lnTo>
+                  <a:lnTo>
+                    <a:pt x="55095" y="63487"/>
+                  </a:lnTo>
+                  <a:lnTo>
+                    <a:pt x="53969" y="0"/>
+                  </a:lnTo>
+                  <a:lnTo>
+                    <a:pt x="0" y="1749"/>
+                  </a:lnTo>
+                  <a:lnTo>
+                    <a:pt x="2987" y="65176"/>
+                  </a:lnTo>
+                  <a:lnTo>
+                    <a:pt x="5974" y="128603"/>
+                  </a:lnTo>
+                  <a:lnTo>
+                    <a:pt x="8961" y="192029"/>
+                  </a:lnTo>
+                  <a:lnTo>
+                    <a:pt x="11948" y="255456"/>
+                  </a:lnTo>
+                  <a:lnTo>
+                    <a:pt x="14935" y="318883"/>
+                  </a:lnTo>
+                  <a:lnTo>
+                    <a:pt x="17923" y="382310"/>
+                  </a:lnTo>
+                  <a:lnTo>
+                    <a:pt x="20910" y="445737"/>
+                  </a:lnTo>
+                  <a:lnTo>
+                    <a:pt x="23897" y="509164"/>
+                  </a:lnTo>
+                  <a:lnTo>
+                    <a:pt x="26884" y="572591"/>
+                  </a:lnTo>
+                  <a:lnTo>
+                    <a:pt x="29871" y="636018"/>
+                  </a:lnTo>
+                  <a:lnTo>
+                    <a:pt x="32859" y="699445"/>
+                  </a:lnTo>
+                  <a:lnTo>
+                    <a:pt x="35846" y="762872"/>
+                  </a:lnTo>
+                  <a:lnTo>
+                    <a:pt x="38833" y="826299"/>
+                  </a:lnTo>
+                  <a:lnTo>
+                    <a:pt x="41820" y="889726"/>
+                  </a:lnTo>
+                  <a:lnTo>
+                    <a:pt x="44807" y="953153"/>
+                  </a:lnTo>
+                  <a:lnTo>
+                    <a:pt x="47795" y="1016579"/>
+                  </a:lnTo>
+                  <a:lnTo>
+                    <a:pt x="50782" y="1080006"/>
+                  </a:lnTo>
+                  <a:lnTo>
+                    <a:pt x="53769" y="1143433"/>
+                  </a:lnTo>
+                  <a:lnTo>
+                    <a:pt x="56756" y="1206860"/>
+                  </a:lnTo>
+                  <a:lnTo>
+                    <a:pt x="59743" y="1270287"/>
+                  </a:lnTo>
+                  <a:lnTo>
+                    <a:pt x="62731" y="1333714"/>
+                  </a:lnTo>
+                  <a:lnTo>
+                    <a:pt x="65718" y="1397141"/>
+                  </a:lnTo>
+                  <a:lnTo>
+                    <a:pt x="68705" y="1460568"/>
+                  </a:lnTo>
+                  <a:lnTo>
+                    <a:pt x="71692" y="1523995"/>
+                  </a:lnTo>
+                  <a:lnTo>
+                    <a:pt x="74679" y="1587422"/>
+                  </a:lnTo>
+                  <a:lnTo>
+                    <a:pt x="77667" y="1650849"/>
+                  </a:lnTo>
+                  <a:lnTo>
+                    <a:pt x="80654" y="1714276"/>
+                  </a:lnTo>
+                  <a:lnTo>
+                    <a:pt x="83641" y="1777703"/>
                   </a:lnTo>
                   <a:close/>
                 </a:path>
@@ -8684,189 +9138,189 @@
           </p:nvSpPr>
           <p:spPr>
             <a:xfrm>
-              <a:off x="6188483" y="2022706"/>
-              <a:ext cx="36783" cy="2073960"/>
+              <a:off x="6192607" y="1964570"/>
+              <a:ext cx="32659" cy="1841419"/>
             </a:xfrm>
             <a:custGeom>
               <a:avLst/>
               <a:pathLst>
-                <a:path w="36783" h="2073960">
+                <a:path w="32659" h="1841419">
                   <a:moveTo>
-                    <a:pt x="36783" y="2073960"/>
+                    <a:pt x="32659" y="1841419"/>
                   </a:moveTo>
                   <a:lnTo>
-                    <a:pt x="36783" y="2002444"/>
-                  </a:lnTo>
-                  <a:lnTo>
-                    <a:pt x="36783" y="1930928"/>
-                  </a:lnTo>
-                  <a:lnTo>
-                    <a:pt x="36783" y="1859412"/>
-                  </a:lnTo>
-                  <a:lnTo>
-                    <a:pt x="36783" y="1787897"/>
-                  </a:lnTo>
-                  <a:lnTo>
-                    <a:pt x="36783" y="1716381"/>
-                  </a:lnTo>
-                  <a:lnTo>
-                    <a:pt x="36783" y="1644865"/>
-                  </a:lnTo>
-                  <a:lnTo>
-                    <a:pt x="36783" y="1573349"/>
-                  </a:lnTo>
-                  <a:lnTo>
-                    <a:pt x="36783" y="1501833"/>
-                  </a:lnTo>
-                  <a:lnTo>
-                    <a:pt x="36783" y="1430317"/>
-                  </a:lnTo>
-                  <a:lnTo>
-                    <a:pt x="36783" y="1358801"/>
-                  </a:lnTo>
-                  <a:lnTo>
-                    <a:pt x="36783" y="1287285"/>
-                  </a:lnTo>
-                  <a:lnTo>
-                    <a:pt x="36783" y="1215770"/>
-                  </a:lnTo>
-                  <a:lnTo>
-                    <a:pt x="36783" y="1144254"/>
-                  </a:lnTo>
-                  <a:lnTo>
-                    <a:pt x="36783" y="1072738"/>
-                  </a:lnTo>
-                  <a:lnTo>
-                    <a:pt x="36783" y="1001222"/>
-                  </a:lnTo>
-                  <a:lnTo>
-                    <a:pt x="36783" y="929706"/>
-                  </a:lnTo>
-                  <a:lnTo>
-                    <a:pt x="36783" y="858190"/>
-                  </a:lnTo>
-                  <a:lnTo>
-                    <a:pt x="36783" y="786674"/>
-                  </a:lnTo>
-                  <a:lnTo>
-                    <a:pt x="36783" y="715158"/>
-                  </a:lnTo>
-                  <a:lnTo>
-                    <a:pt x="36783" y="643642"/>
-                  </a:lnTo>
-                  <a:lnTo>
-                    <a:pt x="36783" y="572127"/>
-                  </a:lnTo>
-                  <a:lnTo>
-                    <a:pt x="36783" y="500611"/>
-                  </a:lnTo>
-                  <a:lnTo>
-                    <a:pt x="36783" y="429095"/>
-                  </a:lnTo>
-                  <a:lnTo>
-                    <a:pt x="36783" y="357579"/>
-                  </a:lnTo>
-                  <a:lnTo>
-                    <a:pt x="36783" y="286063"/>
-                  </a:lnTo>
-                  <a:lnTo>
-                    <a:pt x="36783" y="214547"/>
-                  </a:lnTo>
-                  <a:lnTo>
-                    <a:pt x="36783" y="143031"/>
-                  </a:lnTo>
-                  <a:lnTo>
-                    <a:pt x="36783" y="71515"/>
-                  </a:lnTo>
-                  <a:lnTo>
-                    <a:pt x="36783" y="0"/>
-                  </a:lnTo>
-                  <a:lnTo>
-                    <a:pt x="0" y="326"/>
-                  </a:lnTo>
-                  <a:lnTo>
-                    <a:pt x="1268" y="71830"/>
-                  </a:lnTo>
-                  <a:lnTo>
-                    <a:pt x="2536" y="143335"/>
-                  </a:lnTo>
-                  <a:lnTo>
-                    <a:pt x="3805" y="214840"/>
-                  </a:lnTo>
-                  <a:lnTo>
-                    <a:pt x="5073" y="286344"/>
-                  </a:lnTo>
-                  <a:lnTo>
-                    <a:pt x="6342" y="357849"/>
-                  </a:lnTo>
-                  <a:lnTo>
-                    <a:pt x="7610" y="429354"/>
-                  </a:lnTo>
-                  <a:lnTo>
-                    <a:pt x="8878" y="500858"/>
-                  </a:lnTo>
-                  <a:lnTo>
-                    <a:pt x="10147" y="572363"/>
-                  </a:lnTo>
-                  <a:lnTo>
-                    <a:pt x="11415" y="643867"/>
-                  </a:lnTo>
-                  <a:lnTo>
-                    <a:pt x="12684" y="715372"/>
-                  </a:lnTo>
-                  <a:lnTo>
-                    <a:pt x="13952" y="786877"/>
-                  </a:lnTo>
-                  <a:lnTo>
-                    <a:pt x="15220" y="858381"/>
-                  </a:lnTo>
-                  <a:lnTo>
-                    <a:pt x="16489" y="929886"/>
-                  </a:lnTo>
-                  <a:lnTo>
-                    <a:pt x="17757" y="1001391"/>
-                  </a:lnTo>
-                  <a:lnTo>
-                    <a:pt x="19026" y="1072895"/>
-                  </a:lnTo>
-                  <a:lnTo>
-                    <a:pt x="20294" y="1144400"/>
-                  </a:lnTo>
-                  <a:lnTo>
-                    <a:pt x="21562" y="1215905"/>
-                  </a:lnTo>
-                  <a:lnTo>
-                    <a:pt x="22831" y="1287409"/>
-                  </a:lnTo>
-                  <a:lnTo>
-                    <a:pt x="24099" y="1358914"/>
-                  </a:lnTo>
-                  <a:lnTo>
-                    <a:pt x="25368" y="1430418"/>
-                  </a:lnTo>
-                  <a:lnTo>
-                    <a:pt x="26636" y="1501923"/>
-                  </a:lnTo>
-                  <a:lnTo>
-                    <a:pt x="27904" y="1573428"/>
-                  </a:lnTo>
-                  <a:lnTo>
-                    <a:pt x="29173" y="1644932"/>
-                  </a:lnTo>
-                  <a:lnTo>
-                    <a:pt x="30441" y="1716437"/>
-                  </a:lnTo>
-                  <a:lnTo>
-                    <a:pt x="31710" y="1787942"/>
-                  </a:lnTo>
-                  <a:lnTo>
-                    <a:pt x="32978" y="1859446"/>
-                  </a:lnTo>
-                  <a:lnTo>
-                    <a:pt x="34246" y="1930951"/>
-                  </a:lnTo>
-                  <a:lnTo>
-                    <a:pt x="35515" y="2002456"/>
+                    <a:pt x="32659" y="1777922"/>
+                  </a:lnTo>
+                  <a:lnTo>
+                    <a:pt x="32659" y="1714425"/>
+                  </a:lnTo>
+                  <a:lnTo>
+                    <a:pt x="32659" y="1650927"/>
+                  </a:lnTo>
+                  <a:lnTo>
+                    <a:pt x="32659" y="1587430"/>
+                  </a:lnTo>
+                  <a:lnTo>
+                    <a:pt x="32659" y="1523933"/>
+                  </a:lnTo>
+                  <a:lnTo>
+                    <a:pt x="32659" y="1460436"/>
+                  </a:lnTo>
+                  <a:lnTo>
+                    <a:pt x="32659" y="1396939"/>
+                  </a:lnTo>
+                  <a:lnTo>
+                    <a:pt x="32659" y="1333441"/>
+                  </a:lnTo>
+                  <a:lnTo>
+                    <a:pt x="32659" y="1269944"/>
+                  </a:lnTo>
+                  <a:lnTo>
+                    <a:pt x="32659" y="1206447"/>
+                  </a:lnTo>
+                  <a:lnTo>
+                    <a:pt x="32659" y="1142950"/>
+                  </a:lnTo>
+                  <a:lnTo>
+                    <a:pt x="32659" y="1079452"/>
+                  </a:lnTo>
+                  <a:lnTo>
+                    <a:pt x="32659" y="1015955"/>
+                  </a:lnTo>
+                  <a:lnTo>
+                    <a:pt x="32659" y="952458"/>
+                  </a:lnTo>
+                  <a:lnTo>
+                    <a:pt x="32659" y="888961"/>
+                  </a:lnTo>
+                  <a:lnTo>
+                    <a:pt x="32659" y="825463"/>
+                  </a:lnTo>
+                  <a:lnTo>
+                    <a:pt x="32659" y="761966"/>
+                  </a:lnTo>
+                  <a:lnTo>
+                    <a:pt x="32659" y="698469"/>
+                  </a:lnTo>
+                  <a:lnTo>
+                    <a:pt x="32659" y="634972"/>
+                  </a:lnTo>
+                  <a:lnTo>
+                    <a:pt x="32659" y="571475"/>
+                  </a:lnTo>
+                  <a:lnTo>
+                    <a:pt x="32659" y="507977"/>
+                  </a:lnTo>
+                  <a:lnTo>
+                    <a:pt x="32659" y="444480"/>
+                  </a:lnTo>
+                  <a:lnTo>
+                    <a:pt x="32659" y="380983"/>
+                  </a:lnTo>
+                  <a:lnTo>
+                    <a:pt x="32659" y="317486"/>
+                  </a:lnTo>
+                  <a:lnTo>
+                    <a:pt x="32659" y="253988"/>
+                  </a:lnTo>
+                  <a:lnTo>
+                    <a:pt x="32659" y="190491"/>
+                  </a:lnTo>
+                  <a:lnTo>
+                    <a:pt x="32659" y="126994"/>
+                  </a:lnTo>
+                  <a:lnTo>
+                    <a:pt x="32659" y="63497"/>
+                  </a:lnTo>
+                  <a:lnTo>
+                    <a:pt x="32659" y="0"/>
+                  </a:lnTo>
+                  <a:lnTo>
+                    <a:pt x="0" y="289"/>
+                  </a:lnTo>
+                  <a:lnTo>
+                    <a:pt x="1126" y="63776"/>
+                  </a:lnTo>
+                  <a:lnTo>
+                    <a:pt x="2252" y="127264"/>
+                  </a:lnTo>
+                  <a:lnTo>
+                    <a:pt x="3378" y="190751"/>
+                  </a:lnTo>
+                  <a:lnTo>
+                    <a:pt x="4504" y="254238"/>
+                  </a:lnTo>
+                  <a:lnTo>
+                    <a:pt x="5630" y="317725"/>
+                  </a:lnTo>
+                  <a:lnTo>
+                    <a:pt x="6757" y="381213"/>
+                  </a:lnTo>
+                  <a:lnTo>
+                    <a:pt x="7883" y="444700"/>
+                  </a:lnTo>
+                  <a:lnTo>
+                    <a:pt x="9009" y="508187"/>
+                  </a:lnTo>
+                  <a:lnTo>
+                    <a:pt x="10135" y="571674"/>
+                  </a:lnTo>
+                  <a:lnTo>
+                    <a:pt x="11261" y="635162"/>
+                  </a:lnTo>
+                  <a:lnTo>
+                    <a:pt x="12388" y="698649"/>
+                  </a:lnTo>
+                  <a:lnTo>
+                    <a:pt x="13514" y="762136"/>
+                  </a:lnTo>
+                  <a:lnTo>
+                    <a:pt x="14640" y="825623"/>
+                  </a:lnTo>
+                  <a:lnTo>
+                    <a:pt x="15766" y="889111"/>
+                  </a:lnTo>
+                  <a:lnTo>
+                    <a:pt x="16892" y="952598"/>
+                  </a:lnTo>
+                  <a:lnTo>
+                    <a:pt x="18018" y="1016085"/>
+                  </a:lnTo>
+                  <a:lnTo>
+                    <a:pt x="19145" y="1079572"/>
+                  </a:lnTo>
+                  <a:lnTo>
+                    <a:pt x="20271" y="1143059"/>
+                  </a:lnTo>
+                  <a:lnTo>
+                    <a:pt x="21397" y="1206547"/>
+                  </a:lnTo>
+                  <a:lnTo>
+                    <a:pt x="22523" y="1270034"/>
+                  </a:lnTo>
+                  <a:lnTo>
+                    <a:pt x="23649" y="1333521"/>
+                  </a:lnTo>
+                  <a:lnTo>
+                    <a:pt x="24776" y="1397008"/>
+                  </a:lnTo>
+                  <a:lnTo>
+                    <a:pt x="25902" y="1460496"/>
+                  </a:lnTo>
+                  <a:lnTo>
+                    <a:pt x="27028" y="1523983"/>
+                  </a:lnTo>
+                  <a:lnTo>
+                    <a:pt x="28154" y="1587470"/>
+                  </a:lnTo>
+                  <a:lnTo>
+                    <a:pt x="29280" y="1650957"/>
+                  </a:lnTo>
+                  <a:lnTo>
+                    <a:pt x="30406" y="1714445"/>
+                  </a:lnTo>
+                  <a:lnTo>
+                    <a:pt x="31533" y="1777932"/>
                   </a:lnTo>
                   <a:close/>
                 </a:path>
@@ -8901,7 +9355,7 @@
           </p:nvSpPr>
           <p:spPr>
             <a:xfrm>
-              <a:off x="7127194" y="3633043"/>
+              <a:off x="7018939" y="3384788"/>
               <a:ext cx="127136" cy="167096"/>
             </a:xfrm>
             <a:prstGeom prst="rect">
@@ -8947,7 +9401,7 @@
           </p:nvSpPr>
           <p:spPr>
             <a:xfrm>
-              <a:off x="7198263" y="4046318"/>
+              <a:off x="7082039" y="3752351"/>
               <a:ext cx="127136" cy="161515"/>
             </a:xfrm>
             <a:prstGeom prst="rect">
@@ -8993,7 +9447,7 @@
           </p:nvSpPr>
           <p:spPr>
             <a:xfrm>
-              <a:off x="7054759" y="4538427"/>
+              <a:off x="6954625" y="4188657"/>
               <a:ext cx="127136" cy="167096"/>
             </a:xfrm>
             <a:prstGeom prst="rect">
@@ -9039,7 +9493,7 @@
           </p:nvSpPr>
           <p:spPr>
             <a:xfrm>
-              <a:off x="6606447" y="4948152"/>
+              <a:off x="6556580" y="4552442"/>
               <a:ext cx="127136" cy="167096"/>
             </a:xfrm>
             <a:prstGeom prst="rect">
@@ -9085,7 +9539,7 @@
           </p:nvSpPr>
           <p:spPr>
             <a:xfrm>
-              <a:off x="5828932" y="5012817"/>
+              <a:off x="5859116" y="4609857"/>
               <a:ext cx="254272" cy="167096"/>
             </a:xfrm>
             <a:prstGeom prst="rect">
@@ -9131,7 +9585,7 @@
           </p:nvSpPr>
           <p:spPr>
             <a:xfrm>
-              <a:off x="5210376" y="4547319"/>
+              <a:off x="5309915" y="4196552"/>
               <a:ext cx="254272" cy="167096"/>
             </a:xfrm>
             <a:prstGeom prst="rect">
@@ -9177,7 +9631,7 @@
           </p:nvSpPr>
           <p:spPr>
             <a:xfrm>
-              <a:off x="5132328" y="3885985"/>
+              <a:off x="5247745" y="3609370"/>
               <a:ext cx="127136" cy="167096"/>
             </a:xfrm>
             <a:prstGeom prst="rect">
@@ -9223,7 +9677,7 @@
           </p:nvSpPr>
           <p:spPr>
             <a:xfrm>
-              <a:off x="5320009" y="3405676"/>
+              <a:off x="5414382" y="3182914"/>
               <a:ext cx="127136" cy="167096"/>
             </a:xfrm>
             <a:prstGeom prst="rect">
@@ -9269,7 +9723,7 @@
           </p:nvSpPr>
           <p:spPr>
             <a:xfrm>
-              <a:off x="5565146" y="3168763"/>
+              <a:off x="5632034" y="2973191"/>
               <a:ext cx="127136" cy="161515"/>
             </a:xfrm>
             <a:prstGeom prst="rect">
@@ -9315,7 +9769,7 @@
           </p:nvSpPr>
           <p:spPr>
             <a:xfrm>
-              <a:off x="5757765" y="3056314"/>
+              <a:off x="5803055" y="2872724"/>
               <a:ext cx="127136" cy="167096"/>
             </a:xfrm>
             <a:prstGeom prst="rect">
@@ -9361,7 +9815,7 @@
           </p:nvSpPr>
           <p:spPr>
             <a:xfrm>
-              <a:off x="6060067" y="1672824"/>
+              <a:off x="6060067" y="1643757"/>
               <a:ext cx="330398" cy="172454"/>
             </a:xfrm>
             <a:prstGeom prst="rect">
@@ -9407,7 +9861,7 @@
           </p:nvSpPr>
           <p:spPr>
             <a:xfrm>
-              <a:off x="7367923" y="2118427"/>
+              <a:off x="7214153" y="2039396"/>
               <a:ext cx="457534" cy="172454"/>
             </a:xfrm>
             <a:prstGeom prst="rect">
@@ -9453,7 +9907,7 @@
           </p:nvSpPr>
           <p:spPr>
             <a:xfrm>
-              <a:off x="7966489" y="2755836"/>
+              <a:off x="7745606" y="2605336"/>
               <a:ext cx="457534" cy="172454"/>
             </a:xfrm>
             <a:prstGeom prst="rect">
@@ -9499,7 +9953,7 @@
           </p:nvSpPr>
           <p:spPr>
             <a:xfrm>
-              <a:off x="8288377" y="3568831"/>
+              <a:off x="8031402" y="3327175"/>
               <a:ext cx="457534" cy="172454"/>
             </a:xfrm>
             <a:prstGeom prst="rect">
@@ -9545,7 +9999,7 @@
           </p:nvSpPr>
           <p:spPr>
             <a:xfrm>
-              <a:off x="8256402" y="4586275"/>
+              <a:off x="8003013" y="4230539"/>
               <a:ext cx="457534" cy="172454"/>
             </a:xfrm>
             <a:prstGeom prst="rect">
@@ -9591,7 +10045,7 @@
           </p:nvSpPr>
           <p:spPr>
             <a:xfrm>
-              <a:off x="7593688" y="5706864"/>
+              <a:off x="7414604" y="5225483"/>
               <a:ext cx="457534" cy="172454"/>
             </a:xfrm>
             <a:prstGeom prst="rect">
@@ -9637,7 +10091,7 @@
           </p:nvSpPr>
           <p:spPr>
             <a:xfrm>
-              <a:off x="6288927" y="6320838"/>
+              <a:off x="6256139" y="5770616"/>
               <a:ext cx="457534" cy="172454"/>
             </a:xfrm>
             <a:prstGeom prst="rect">
@@ -9683,7 +10137,7 @@
           </p:nvSpPr>
           <p:spPr>
             <a:xfrm>
-              <a:off x="4625075" y="5893633"/>
+              <a:off x="4778845" y="5391311"/>
               <a:ext cx="457534" cy="172454"/>
             </a:xfrm>
             <a:prstGeom prst="rect">
@@ -9729,7 +10183,7 @@
           </p:nvSpPr>
           <p:spPr>
             <a:xfrm>
-              <a:off x="3704620" y="4443229"/>
+              <a:off x="3961595" y="4103532"/>
               <a:ext cx="457534" cy="172454"/>
             </a:xfrm>
             <a:prstGeom prst="rect">
@@ -9775,7 +10229,7 @@
           </p:nvSpPr>
           <p:spPr>
             <a:xfrm>
-              <a:off x="3885351" y="3012599"/>
+              <a:off x="4122062" y="2833311"/>
               <a:ext cx="457534" cy="172454"/>
             </a:xfrm>
             <a:prstGeom prst="rect">
@@ -9821,7 +10275,7 @@
           </p:nvSpPr>
           <p:spPr>
             <a:xfrm>
-              <a:off x="4399309" y="2305196"/>
+              <a:off x="4578393" y="2205224"/>
               <a:ext cx="457534" cy="172454"/>
             </a:xfrm>
             <a:prstGeom prst="rect">
@@ -9855,6 +10309,144 @@
                   <a:cs typeface="Arial"/>
                 </a:rPr>
                 <a:t>88%</a:t>
+              </a:r>
+            </a:p>
+          </p:txBody>
+        </p:sp>
+        <p:sp>
+          <p:nvSpPr>
+            <p:cNvPr id="49" name="tx47"/>
+            <p:cNvSpPr/>
+            <p:nvPr/>
+          </p:nvSpPr>
+          <p:spPr>
+            <a:xfrm>
+              <a:off x="3866555" y="6419898"/>
+              <a:ext cx="9838047" cy="119067"/>
+            </a:xfrm>
+            <a:prstGeom prst="rect">
+              <a:avLst/>
+            </a:prstGeom>
+            <a:noFill/>
+          </p:spPr>
+          <p:txBody>
+            <a:bodyPr lIns="0" rIns="0" tIns="0" bIns="0" anchorCtr="1" anchor="ctr" wrap="none"/>
+            <a:lstStyle/>
+            <a:p>
+              <a:pPr algn="l" marL="0" marR="0" indent="0">
+                <a:lnSpc>
+                  <a:spcPts val="999"/>
+                </a:lnSpc>
+                <a:spcBef>
+                  <a:spcPts val="0"/>
+                </a:spcBef>
+                <a:spcAft>
+                  <a:spcPts val="0"/>
+                </a:spcAft>
+              </a:pPr>
+              <a:r>
+                <a:rPr sz="999" i="1">
+                  <a:solidFill>
+                    <a:srgbClr val="000000">
+                      <a:alpha val="100000"/>
+                    </a:srgbClr>
+                  </a:solidFill>
+                  <a:latin typeface="Arial"/>
+                  <a:cs typeface="Arial"/>
+                </a:rPr>
+                <a:t>Notes: Projections to 2020-21 assume 2% wage growth and 0% growth in the number of taxfilers from 2019-20 to 2020-21. Voluntary pre-tax contributions means concessional</a:t>
+              </a:r>
+            </a:p>
+          </p:txBody>
+        </p:sp>
+        <p:sp>
+          <p:nvSpPr>
+            <p:cNvPr id="50" name="tx48"/>
+            <p:cNvSpPr/>
+            <p:nvPr/>
+          </p:nvSpPr>
+          <p:spPr>
+            <a:xfrm>
+              <a:off x="3866555" y="6582073"/>
+              <a:ext cx="1988647" cy="93915"/>
+            </a:xfrm>
+            <a:prstGeom prst="rect">
+              <a:avLst/>
+            </a:prstGeom>
+            <a:noFill/>
+          </p:spPr>
+          <p:txBody>
+            <a:bodyPr lIns="0" rIns="0" tIns="0" bIns="0" anchorCtr="1" anchor="ctr" wrap="none"/>
+            <a:lstStyle/>
+            <a:p>
+              <a:pPr algn="l" marL="0" marR="0" indent="0">
+                <a:lnSpc>
+                  <a:spcPts val="999"/>
+                </a:lnSpc>
+                <a:spcBef>
+                  <a:spcPts val="0"/>
+                </a:spcBef>
+                <a:spcAft>
+                  <a:spcPts val="0"/>
+                </a:spcAft>
+              </a:pPr>
+              <a:r>
+                <a:rPr sz="999" i="1">
+                  <a:solidFill>
+                    <a:srgbClr val="000000">
+                      <a:alpha val="100000"/>
+                    </a:srgbClr>
+                  </a:solidFill>
+                  <a:latin typeface="Arial"/>
+                  <a:cs typeface="Arial"/>
+                </a:rPr>
+                <a:t>contributions less SG contributions.</a:t>
+              </a:r>
+            </a:p>
+          </p:txBody>
+        </p:sp>
+        <p:sp>
+          <p:nvSpPr>
+            <p:cNvPr id="51" name="tx49"/>
+            <p:cNvSpPr/>
+            <p:nvPr/>
+          </p:nvSpPr>
+          <p:spPr>
+            <a:xfrm>
+              <a:off x="3866555" y="6695431"/>
+              <a:ext cx="2094457" cy="117580"/>
+            </a:xfrm>
+            <a:prstGeom prst="rect">
+              <a:avLst/>
+            </a:prstGeom>
+            <a:noFill/>
+          </p:spPr>
+          <p:txBody>
+            <a:bodyPr lIns="0" rIns="0" tIns="0" bIns="0" anchorCtr="1" anchor="ctr" wrap="none"/>
+            <a:lstStyle/>
+            <a:p>
+              <a:pPr algn="l" marL="0" marR="0" indent="0">
+                <a:lnSpc>
+                  <a:spcPts val="999"/>
+                </a:lnSpc>
+                <a:spcBef>
+                  <a:spcPts val="0"/>
+                </a:spcBef>
+                <a:spcAft>
+                  <a:spcPts val="0"/>
+                </a:spcAft>
+              </a:pPr>
+              <a:r>
+                <a:rPr sz="999" i="1">
+                  <a:solidFill>
+                    <a:srgbClr val="000000">
+                      <a:alpha val="100000"/>
+                    </a:srgbClr>
+                  </a:solidFill>
+                  <a:latin typeface="Arial"/>
+                  <a:cs typeface="Arial"/>
+                </a:rPr>
+                <a:t>Source: ATO 2017-18 2% sample file</a:t>
               </a:r>
             </a:p>
           </p:txBody>
